--- a/docpac_mar18/JasonLara/WORKING WITH JSON FILES.pptx
+++ b/docpac_mar18/JasonLara/WORKING WITH JSON FILES.pptx
@@ -115,11 +115,218 @@
       </a:defRPr>
     </a:lvl9pPr>
   </p:defaultTextStyle>
+  <p:extLst>
+    <p:ext uri="{EFAFB233-063F-42B5-8137-9DF3F51BA10A}">
+      <p15:sldGuideLst xmlns:p15="http://schemas.microsoft.com/office/powerpoint/2012/main"/>
+    </p:ext>
+  </p:extLst>
 </p:presentation>
 </file>
 
+<file path=ppt/changesInfos/changesInfo1.xml><?xml version="1.0" encoding="utf-8"?>
+<pc:chgInfo xmlns:a="http://schemas.openxmlformats.org/drawingml/2006/main" xmlns:r="http://schemas.openxmlformats.org/officeDocument/2006/relationships" xmlns:ac="http://schemas.microsoft.com/office/drawing/2013/main/command" xmlns:pc="http://schemas.microsoft.com/office/powerpoint/2013/main/command">
+  <pc:docChgLst>
+    <pc:chgData name="Jason Lara" userId="51ff85d5-4e20-44a0-899f-0f4e223a4799" providerId="ADAL" clId="{B51A660A-E83B-43EF-8408-476670408962}"/>
+    <pc:docChg chg="undo custSel modSld modMainMaster">
+      <pc:chgData name="Jason Lara" userId="51ff85d5-4e20-44a0-899f-0f4e223a4799" providerId="ADAL" clId="{B51A660A-E83B-43EF-8408-476670408962}" dt="2022-03-16T18:14:23.527" v="158"/>
+      <pc:docMkLst>
+        <pc:docMk/>
+      </pc:docMkLst>
+      <pc:sldChg chg="modTransition">
+        <pc:chgData name="Jason Lara" userId="51ff85d5-4e20-44a0-899f-0f4e223a4799" providerId="ADAL" clId="{B51A660A-E83B-43EF-8408-476670408962}" dt="2022-03-16T18:08:28.042" v="98"/>
+        <pc:sldMkLst>
+          <pc:docMk/>
+          <pc:sldMk cId="2059625898" sldId="256"/>
+        </pc:sldMkLst>
+      </pc:sldChg>
+      <pc:sldChg chg="modSp setBg modAnim">
+        <pc:chgData name="Jason Lara" userId="51ff85d5-4e20-44a0-899f-0f4e223a4799" providerId="ADAL" clId="{B51A660A-E83B-43EF-8408-476670408962}" dt="2022-03-16T18:14:23.527" v="158"/>
+        <pc:sldMkLst>
+          <pc:docMk/>
+          <pc:sldMk cId="2006070461" sldId="257"/>
+        </pc:sldMkLst>
+        <pc:spChg chg="mod">
+          <ac:chgData name="Jason Lara" userId="51ff85d5-4e20-44a0-899f-0f4e223a4799" providerId="ADAL" clId="{B51A660A-E83B-43EF-8408-476670408962}" dt="2022-03-16T17:56:34.974" v="17" actId="115"/>
+          <ac:spMkLst>
+            <pc:docMk/>
+            <pc:sldMk cId="2006070461" sldId="257"/>
+            <ac:spMk id="2" creationId="{AA604D87-2E5E-49FB-9DA8-7513453515CF}"/>
+          </ac:spMkLst>
+        </pc:spChg>
+        <pc:spChg chg="mod">
+          <ac:chgData name="Jason Lara" userId="51ff85d5-4e20-44a0-899f-0f4e223a4799" providerId="ADAL" clId="{B51A660A-E83B-43EF-8408-476670408962}" dt="2022-03-16T18:08:19.720" v="96" actId="339"/>
+          <ac:spMkLst>
+            <pc:docMk/>
+            <pc:sldMk cId="2006070461" sldId="257"/>
+            <ac:spMk id="3" creationId="{904163C8-296B-4A29-8B40-6C596AF675AE}"/>
+          </ac:spMkLst>
+        </pc:spChg>
+      </pc:sldChg>
+      <pc:sldChg chg="modSp">
+        <pc:chgData name="Jason Lara" userId="51ff85d5-4e20-44a0-899f-0f4e223a4799" providerId="ADAL" clId="{B51A660A-E83B-43EF-8408-476670408962}" dt="2022-03-16T17:52:53.730" v="6" actId="20577"/>
+        <pc:sldMkLst>
+          <pc:docMk/>
+          <pc:sldMk cId="1505370653" sldId="259"/>
+        </pc:sldMkLst>
+        <pc:spChg chg="mod">
+          <ac:chgData name="Jason Lara" userId="51ff85d5-4e20-44a0-899f-0f4e223a4799" providerId="ADAL" clId="{B51A660A-E83B-43EF-8408-476670408962}" dt="2022-03-16T17:52:53.730" v="6" actId="20577"/>
+          <ac:spMkLst>
+            <pc:docMk/>
+            <pc:sldMk cId="1505370653" sldId="259"/>
+            <ac:spMk id="3" creationId="{E18F9F61-9F42-4D25-9FCC-ECC952977AD7}"/>
+          </ac:spMkLst>
+        </pc:spChg>
+      </pc:sldChg>
+      <pc:sldMasterChg chg="setBg modSldLayout">
+        <pc:chgData name="Jason Lara" userId="51ff85d5-4e20-44a0-899f-0f4e223a4799" providerId="ADAL" clId="{B51A660A-E83B-43EF-8408-476670408962}" dt="2022-03-16T18:10:33.615" v="140"/>
+        <pc:sldMasterMkLst>
+          <pc:docMk/>
+          <pc:sldMasterMk cId="0" sldId="2147483648"/>
+        </pc:sldMasterMkLst>
+        <pc:sldLayoutChg chg="setBg">
+          <pc:chgData name="Jason Lara" userId="51ff85d5-4e20-44a0-899f-0f4e223a4799" providerId="ADAL" clId="{B51A660A-E83B-43EF-8408-476670408962}" dt="2022-03-16T18:10:33.615" v="140"/>
+          <pc:sldLayoutMkLst>
+            <pc:docMk/>
+            <pc:sldMasterMk cId="0" sldId="2147483648"/>
+            <pc:sldLayoutMk cId="0" sldId="2147483649"/>
+          </pc:sldLayoutMkLst>
+        </pc:sldLayoutChg>
+        <pc:sldLayoutChg chg="setBg">
+          <pc:chgData name="Jason Lara" userId="51ff85d5-4e20-44a0-899f-0f4e223a4799" providerId="ADAL" clId="{B51A660A-E83B-43EF-8408-476670408962}" dt="2022-03-16T18:10:33.615" v="140"/>
+          <pc:sldLayoutMkLst>
+            <pc:docMk/>
+            <pc:sldMasterMk cId="0" sldId="2147483648"/>
+            <pc:sldLayoutMk cId="0" sldId="2147483650"/>
+          </pc:sldLayoutMkLst>
+        </pc:sldLayoutChg>
+        <pc:sldLayoutChg chg="setBg">
+          <pc:chgData name="Jason Lara" userId="51ff85d5-4e20-44a0-899f-0f4e223a4799" providerId="ADAL" clId="{B51A660A-E83B-43EF-8408-476670408962}" dt="2022-03-16T18:10:33.615" v="140"/>
+          <pc:sldLayoutMkLst>
+            <pc:docMk/>
+            <pc:sldMasterMk cId="0" sldId="2147483648"/>
+            <pc:sldLayoutMk cId="0" sldId="2147483651"/>
+          </pc:sldLayoutMkLst>
+        </pc:sldLayoutChg>
+        <pc:sldLayoutChg chg="setBg">
+          <pc:chgData name="Jason Lara" userId="51ff85d5-4e20-44a0-899f-0f4e223a4799" providerId="ADAL" clId="{B51A660A-E83B-43EF-8408-476670408962}" dt="2022-03-16T18:10:33.615" v="140"/>
+          <pc:sldLayoutMkLst>
+            <pc:docMk/>
+            <pc:sldMasterMk cId="0" sldId="2147483648"/>
+            <pc:sldLayoutMk cId="0" sldId="2147483652"/>
+          </pc:sldLayoutMkLst>
+        </pc:sldLayoutChg>
+        <pc:sldLayoutChg chg="setBg">
+          <pc:chgData name="Jason Lara" userId="51ff85d5-4e20-44a0-899f-0f4e223a4799" providerId="ADAL" clId="{B51A660A-E83B-43EF-8408-476670408962}" dt="2022-03-16T18:10:33.615" v="140"/>
+          <pc:sldLayoutMkLst>
+            <pc:docMk/>
+            <pc:sldMasterMk cId="0" sldId="2147483648"/>
+            <pc:sldLayoutMk cId="0" sldId="2147483653"/>
+          </pc:sldLayoutMkLst>
+        </pc:sldLayoutChg>
+        <pc:sldLayoutChg chg="setBg">
+          <pc:chgData name="Jason Lara" userId="51ff85d5-4e20-44a0-899f-0f4e223a4799" providerId="ADAL" clId="{B51A660A-E83B-43EF-8408-476670408962}" dt="2022-03-16T18:10:33.615" v="140"/>
+          <pc:sldLayoutMkLst>
+            <pc:docMk/>
+            <pc:sldMasterMk cId="0" sldId="2147483648"/>
+            <pc:sldLayoutMk cId="0" sldId="2147483654"/>
+          </pc:sldLayoutMkLst>
+        </pc:sldLayoutChg>
+        <pc:sldLayoutChg chg="setBg">
+          <pc:chgData name="Jason Lara" userId="51ff85d5-4e20-44a0-899f-0f4e223a4799" providerId="ADAL" clId="{B51A660A-E83B-43EF-8408-476670408962}" dt="2022-03-16T18:10:33.615" v="140"/>
+          <pc:sldLayoutMkLst>
+            <pc:docMk/>
+            <pc:sldMasterMk cId="0" sldId="2147483648"/>
+            <pc:sldLayoutMk cId="0" sldId="2147483655"/>
+          </pc:sldLayoutMkLst>
+        </pc:sldLayoutChg>
+        <pc:sldLayoutChg chg="setBg">
+          <pc:chgData name="Jason Lara" userId="51ff85d5-4e20-44a0-899f-0f4e223a4799" providerId="ADAL" clId="{B51A660A-E83B-43EF-8408-476670408962}" dt="2022-03-16T18:10:33.615" v="140"/>
+          <pc:sldLayoutMkLst>
+            <pc:docMk/>
+            <pc:sldMasterMk cId="0" sldId="2147483648"/>
+            <pc:sldLayoutMk cId="0" sldId="2147483656"/>
+          </pc:sldLayoutMkLst>
+        </pc:sldLayoutChg>
+        <pc:sldLayoutChg chg="setBg">
+          <pc:chgData name="Jason Lara" userId="51ff85d5-4e20-44a0-899f-0f4e223a4799" providerId="ADAL" clId="{B51A660A-E83B-43EF-8408-476670408962}" dt="2022-03-16T18:10:33.615" v="140"/>
+          <pc:sldLayoutMkLst>
+            <pc:docMk/>
+            <pc:sldMasterMk cId="0" sldId="2147483648"/>
+            <pc:sldLayoutMk cId="0" sldId="2147483657"/>
+          </pc:sldLayoutMkLst>
+        </pc:sldLayoutChg>
+        <pc:sldLayoutChg chg="setBg">
+          <pc:chgData name="Jason Lara" userId="51ff85d5-4e20-44a0-899f-0f4e223a4799" providerId="ADAL" clId="{B51A660A-E83B-43EF-8408-476670408962}" dt="2022-03-16T18:10:33.615" v="140"/>
+          <pc:sldLayoutMkLst>
+            <pc:docMk/>
+            <pc:sldMasterMk cId="0" sldId="2147483648"/>
+            <pc:sldLayoutMk cId="0" sldId="2147483658"/>
+          </pc:sldLayoutMkLst>
+        </pc:sldLayoutChg>
+        <pc:sldLayoutChg chg="setBg">
+          <pc:chgData name="Jason Lara" userId="51ff85d5-4e20-44a0-899f-0f4e223a4799" providerId="ADAL" clId="{B51A660A-E83B-43EF-8408-476670408962}" dt="2022-03-16T18:10:33.615" v="140"/>
+          <pc:sldLayoutMkLst>
+            <pc:docMk/>
+            <pc:sldMasterMk cId="0" sldId="2147483648"/>
+            <pc:sldLayoutMk cId="0" sldId="2147483659"/>
+          </pc:sldLayoutMkLst>
+        </pc:sldLayoutChg>
+        <pc:sldLayoutChg chg="setBg">
+          <pc:chgData name="Jason Lara" userId="51ff85d5-4e20-44a0-899f-0f4e223a4799" providerId="ADAL" clId="{B51A660A-E83B-43EF-8408-476670408962}" dt="2022-03-16T18:10:33.615" v="140"/>
+          <pc:sldLayoutMkLst>
+            <pc:docMk/>
+            <pc:sldMasterMk cId="0" sldId="2147483648"/>
+            <pc:sldLayoutMk cId="0" sldId="2147483660"/>
+          </pc:sldLayoutMkLst>
+        </pc:sldLayoutChg>
+        <pc:sldLayoutChg chg="setBg">
+          <pc:chgData name="Jason Lara" userId="51ff85d5-4e20-44a0-899f-0f4e223a4799" providerId="ADAL" clId="{B51A660A-E83B-43EF-8408-476670408962}" dt="2022-03-16T18:10:33.615" v="140"/>
+          <pc:sldLayoutMkLst>
+            <pc:docMk/>
+            <pc:sldMasterMk cId="0" sldId="2147483648"/>
+            <pc:sldLayoutMk cId="0" sldId="2147483661"/>
+          </pc:sldLayoutMkLst>
+        </pc:sldLayoutChg>
+        <pc:sldLayoutChg chg="setBg">
+          <pc:chgData name="Jason Lara" userId="51ff85d5-4e20-44a0-899f-0f4e223a4799" providerId="ADAL" clId="{B51A660A-E83B-43EF-8408-476670408962}" dt="2022-03-16T18:10:33.615" v="140"/>
+          <pc:sldLayoutMkLst>
+            <pc:docMk/>
+            <pc:sldMasterMk cId="0" sldId="2147483648"/>
+            <pc:sldLayoutMk cId="0" sldId="2147483663"/>
+          </pc:sldLayoutMkLst>
+        </pc:sldLayoutChg>
+        <pc:sldLayoutChg chg="setBg">
+          <pc:chgData name="Jason Lara" userId="51ff85d5-4e20-44a0-899f-0f4e223a4799" providerId="ADAL" clId="{B51A660A-E83B-43EF-8408-476670408962}" dt="2022-03-16T18:10:33.615" v="140"/>
+          <pc:sldLayoutMkLst>
+            <pc:docMk/>
+            <pc:sldMasterMk cId="0" sldId="2147483648"/>
+            <pc:sldLayoutMk cId="0" sldId="2147483666"/>
+          </pc:sldLayoutMkLst>
+        </pc:sldLayoutChg>
+        <pc:sldLayoutChg chg="setBg">
+          <pc:chgData name="Jason Lara" userId="51ff85d5-4e20-44a0-899f-0f4e223a4799" providerId="ADAL" clId="{B51A660A-E83B-43EF-8408-476670408962}" dt="2022-03-16T18:10:33.615" v="140"/>
+          <pc:sldLayoutMkLst>
+            <pc:docMk/>
+            <pc:sldMasterMk cId="0" sldId="2147483648"/>
+            <pc:sldLayoutMk cId="0" sldId="2147483667"/>
+          </pc:sldLayoutMkLst>
+        </pc:sldLayoutChg>
+        <pc:sldLayoutChg chg="setBg">
+          <pc:chgData name="Jason Lara" userId="51ff85d5-4e20-44a0-899f-0f4e223a4799" providerId="ADAL" clId="{B51A660A-E83B-43EF-8408-476670408962}" dt="2022-03-16T18:10:33.615" v="140"/>
+          <pc:sldLayoutMkLst>
+            <pc:docMk/>
+            <pc:sldMasterMk cId="0" sldId="2147483648"/>
+            <pc:sldLayoutMk cId="0" sldId="2147483668"/>
+          </pc:sldLayoutMkLst>
+        </pc:sldLayoutChg>
+      </pc:sldMasterChg>
+    </pc:docChg>
+  </pc:docChgLst>
+</pc:chgInfo>
+</file>
+
 <file path=ppt/slideLayouts/slideLayout1.xml><?xml version="1.0" encoding="utf-8"?>
-<p:sldLayout xmlns:a="http://schemas.openxmlformats.org/drawingml/2006/main" xmlns:r="http://schemas.openxmlformats.org/officeDocument/2006/relationships" xmlns:p="http://schemas.openxmlformats.org/presentationml/2006/main" showMasterSp="0" type="title" preserve="1">
+<p:sldLayout xmlns:a="http://schemas.openxmlformats.org/drawingml/2006/main" xmlns:r="http://schemas.openxmlformats.org/officeDocument/2006/relationships" xmlns:p="http://schemas.openxmlformats.org/presentationml/2006/main" type="title" preserve="1">
   <p:cSld name="Title Slide">
     <p:spTree>
       <p:nvGrpSpPr>
@@ -175,7 +382,7 @@
           <a:noFill/>
           <a:extLst>
             <a:ext uri="{909E8E84-426E-40dd-AFC4-6F175D3DCCD1}">
-              <a14:hiddenFill xmlns:a14="http://schemas.microsoft.com/office/drawing/2010/main" xmlns="">
+              <a14:hiddenFill xmlns="" xmlns:a14="http://schemas.microsoft.com/office/drawing/2010/main">
                 <a:solidFill>
                   <a:srgbClr val="FFFFFF"/>
                 </a:solidFill>
@@ -235,7 +442,7 @@
             </a:ln>
             <a:extLst>
               <a:ext uri="{91240B29-F687-4f45-9708-019B960494DF}">
-                <a14:hiddenLine xmlns:a14="http://schemas.microsoft.com/office/drawing/2010/main" xmlns="" w="9525">
+                <a14:hiddenLine xmlns="" xmlns:a14="http://schemas.microsoft.com/office/drawing/2010/main" w="9525">
                   <a:solidFill>
                     <a:srgbClr val="000000"/>
                   </a:solidFill>
@@ -325,7 +532,7 @@
             </a:ln>
             <a:extLst>
               <a:ext uri="{91240B29-F687-4f45-9708-019B960494DF}">
-                <a14:hiddenLine xmlns:a14="http://schemas.microsoft.com/office/drawing/2010/main" xmlns="" w="9525">
+                <a14:hiddenLine xmlns="" xmlns:a14="http://schemas.microsoft.com/office/drawing/2010/main" w="9525">
                   <a:solidFill>
                     <a:srgbClr val="000000"/>
                   </a:solidFill>
@@ -415,7 +622,7 @@
             </a:ln>
             <a:extLst>
               <a:ext uri="{91240B29-F687-4f45-9708-019B960494DF}">
-                <a14:hiddenLine xmlns:a14="http://schemas.microsoft.com/office/drawing/2010/main" xmlns="" w="9525">
+                <a14:hiddenLine xmlns="" xmlns:a14="http://schemas.microsoft.com/office/drawing/2010/main" w="9525">
                   <a:solidFill>
                     <a:srgbClr val="000000"/>
                   </a:solidFill>
@@ -449,7 +656,7 @@
             </a:ln>
             <a:extLst>
               <a:ext uri="{91240B29-F687-4f45-9708-019B960494DF}">
-                <a14:hiddenLine xmlns:a14="http://schemas.microsoft.com/office/drawing/2010/main" xmlns="" w="9525">
+                <a14:hiddenLine xmlns="" xmlns:a14="http://schemas.microsoft.com/office/drawing/2010/main" w="9525">
                   <a:solidFill>
                     <a:srgbClr val="000000"/>
                   </a:solidFill>
@@ -539,7 +746,7 @@
             </a:ln>
             <a:extLst>
               <a:ext uri="{91240B29-F687-4f45-9708-019B960494DF}">
-                <a14:hiddenLine xmlns:a14="http://schemas.microsoft.com/office/drawing/2010/main" xmlns="" w="9525">
+                <a14:hiddenLine xmlns="" xmlns:a14="http://schemas.microsoft.com/office/drawing/2010/main" w="9525">
                   <a:solidFill>
                     <a:srgbClr val="000000"/>
                   </a:solidFill>
@@ -601,7 +808,7 @@
             </a:ln>
             <a:extLst>
               <a:ext uri="{91240B29-F687-4f45-9708-019B960494DF}">
-                <a14:hiddenLine xmlns:a14="http://schemas.microsoft.com/office/drawing/2010/main" xmlns="" w="9525">
+                <a14:hiddenLine xmlns="" xmlns:a14="http://schemas.microsoft.com/office/drawing/2010/main" w="9525">
                   <a:solidFill>
                     <a:srgbClr val="000000"/>
                   </a:solidFill>
@@ -663,7 +870,7 @@
             </a:ln>
             <a:extLst>
               <a:ext uri="{91240B29-F687-4f45-9708-019B960494DF}">
-                <a14:hiddenLine xmlns:a14="http://schemas.microsoft.com/office/drawing/2010/main" xmlns="" w="9525">
+                <a14:hiddenLine xmlns="" xmlns:a14="http://schemas.microsoft.com/office/drawing/2010/main" w="9525">
                   <a:solidFill>
                     <a:srgbClr val="000000"/>
                   </a:solidFill>
@@ -753,7 +960,7 @@
             </a:ln>
             <a:extLst>
               <a:ext uri="{91240B29-F687-4f45-9708-019B960494DF}">
-                <a14:hiddenLine xmlns:a14="http://schemas.microsoft.com/office/drawing/2010/main" xmlns="" w="9525">
+                <a14:hiddenLine xmlns="" xmlns:a14="http://schemas.microsoft.com/office/drawing/2010/main" w="9525">
                   <a:solidFill>
                     <a:srgbClr val="000000"/>
                   </a:solidFill>
@@ -815,7 +1022,7 @@
             </a:ln>
             <a:extLst>
               <a:ext uri="{91240B29-F687-4f45-9708-019B960494DF}">
-                <a14:hiddenLine xmlns:a14="http://schemas.microsoft.com/office/drawing/2010/main" xmlns="" w="9525">
+                <a14:hiddenLine xmlns="" xmlns:a14="http://schemas.microsoft.com/office/drawing/2010/main" w="9525">
                   <a:solidFill>
                     <a:srgbClr val="000000"/>
                   </a:solidFill>
@@ -877,7 +1084,7 @@
             </a:ln>
             <a:extLst>
               <a:ext uri="{91240B29-F687-4f45-9708-019B960494DF}">
-                <a14:hiddenLine xmlns:a14="http://schemas.microsoft.com/office/drawing/2010/main" xmlns="" w="9525">
+                <a14:hiddenLine xmlns="" xmlns:a14="http://schemas.microsoft.com/office/drawing/2010/main" w="9525">
                   <a:solidFill>
                     <a:srgbClr val="000000"/>
                   </a:solidFill>
@@ -967,7 +1174,7 @@
             </a:ln>
             <a:extLst>
               <a:ext uri="{91240B29-F687-4f45-9708-019B960494DF}">
-                <a14:hiddenLine xmlns:a14="http://schemas.microsoft.com/office/drawing/2010/main" xmlns="" w="9525">
+                <a14:hiddenLine xmlns="" xmlns:a14="http://schemas.microsoft.com/office/drawing/2010/main" w="9525">
                   <a:solidFill>
                     <a:srgbClr val="000000"/>
                   </a:solidFill>
@@ -1057,7 +1264,7 @@
             </a:ln>
             <a:extLst>
               <a:ext uri="{91240B29-F687-4f45-9708-019B960494DF}">
-                <a14:hiddenLine xmlns:a14="http://schemas.microsoft.com/office/drawing/2010/main" xmlns="" w="9525">
+                <a14:hiddenLine xmlns="" xmlns:a14="http://schemas.microsoft.com/office/drawing/2010/main" w="9525">
                   <a:solidFill>
                     <a:srgbClr val="000000"/>
                   </a:solidFill>
@@ -1119,7 +1326,7 @@
             </a:ln>
             <a:extLst>
               <a:ext uri="{91240B29-F687-4f45-9708-019B960494DF}">
-                <a14:hiddenLine xmlns:a14="http://schemas.microsoft.com/office/drawing/2010/main" xmlns="" w="9525">
+                <a14:hiddenLine xmlns="" xmlns:a14="http://schemas.microsoft.com/office/drawing/2010/main" w="9525">
                   <a:solidFill>
                     <a:srgbClr val="000000"/>
                   </a:solidFill>
@@ -1229,7 +1436,7 @@
             </a:ln>
             <a:extLst>
               <a:ext uri="{91240B29-F687-4f45-9708-019B960494DF}">
-                <a14:hiddenLine xmlns:a14="http://schemas.microsoft.com/office/drawing/2010/main" xmlns="" w="9525">
+                <a14:hiddenLine xmlns="" xmlns:a14="http://schemas.microsoft.com/office/drawing/2010/main" w="9525">
                   <a:solidFill>
                     <a:srgbClr val="000000"/>
                   </a:solidFill>
@@ -1291,7 +1498,7 @@
             </a:ln>
             <a:extLst>
               <a:ext uri="{91240B29-F687-4f45-9708-019B960494DF}">
-                <a14:hiddenLine xmlns:a14="http://schemas.microsoft.com/office/drawing/2010/main" xmlns="" w="9525">
+                <a14:hiddenLine xmlns="" xmlns:a14="http://schemas.microsoft.com/office/drawing/2010/main" w="9525">
                   <a:solidFill>
                     <a:srgbClr val="000000"/>
                   </a:solidFill>
@@ -1381,7 +1588,7 @@
             </a:ln>
             <a:extLst>
               <a:ext uri="{91240B29-F687-4f45-9708-019B960494DF}">
-                <a14:hiddenLine xmlns:a14="http://schemas.microsoft.com/office/drawing/2010/main" xmlns="" w="9525">
+                <a14:hiddenLine xmlns="" xmlns:a14="http://schemas.microsoft.com/office/drawing/2010/main" w="9525">
                   <a:solidFill>
                     <a:srgbClr val="000000"/>
                   </a:solidFill>
@@ -1471,7 +1678,7 @@
             </a:ln>
             <a:extLst>
               <a:ext uri="{91240B29-F687-4f45-9708-019B960494DF}">
-                <a14:hiddenLine xmlns:a14="http://schemas.microsoft.com/office/drawing/2010/main" xmlns="" w="9525">
+                <a14:hiddenLine xmlns="" xmlns:a14="http://schemas.microsoft.com/office/drawing/2010/main" w="9525">
                   <a:solidFill>
                     <a:srgbClr val="000000"/>
                   </a:solidFill>
@@ -1533,7 +1740,7 @@
             </a:ln>
             <a:extLst>
               <a:ext uri="{91240B29-F687-4f45-9708-019B960494DF}">
-                <a14:hiddenLine xmlns:a14="http://schemas.microsoft.com/office/drawing/2010/main" xmlns="" w="9525">
+                <a14:hiddenLine xmlns="" xmlns:a14="http://schemas.microsoft.com/office/drawing/2010/main" w="9525">
                   <a:solidFill>
                     <a:srgbClr val="000000"/>
                   </a:solidFill>
@@ -1623,7 +1830,7 @@
             </a:ln>
             <a:extLst>
               <a:ext uri="{91240B29-F687-4f45-9708-019B960494DF}">
-                <a14:hiddenLine xmlns:a14="http://schemas.microsoft.com/office/drawing/2010/main" xmlns="" w="9525">
+                <a14:hiddenLine xmlns="" xmlns:a14="http://schemas.microsoft.com/office/drawing/2010/main" w="9525">
                   <a:solidFill>
                     <a:srgbClr val="000000"/>
                   </a:solidFill>
@@ -1713,7 +1920,7 @@
             </a:ln>
             <a:extLst>
               <a:ext uri="{91240B29-F687-4f45-9708-019B960494DF}">
-                <a14:hiddenLine xmlns:a14="http://schemas.microsoft.com/office/drawing/2010/main" xmlns="" w="9525">
+                <a14:hiddenLine xmlns="" xmlns:a14="http://schemas.microsoft.com/office/drawing/2010/main" w="9525">
                   <a:solidFill>
                     <a:srgbClr val="000000"/>
                   </a:solidFill>
@@ -1769,7 +1976,7 @@
             </a:ln>
             <a:extLst>
               <a:ext uri="{91240B29-F687-4f45-9708-019B960494DF}">
-                <a14:hiddenLine xmlns:a14="http://schemas.microsoft.com/office/drawing/2010/main" xmlns="" w="9525">
+                <a14:hiddenLine xmlns="" xmlns:a14="http://schemas.microsoft.com/office/drawing/2010/main" w="9525">
                   <a:solidFill>
                     <a:srgbClr val="000000"/>
                   </a:solidFill>
@@ -1859,7 +2066,7 @@
             </a:ln>
             <a:extLst>
               <a:ext uri="{91240B29-F687-4f45-9708-019B960494DF}">
-                <a14:hiddenLine xmlns:a14="http://schemas.microsoft.com/office/drawing/2010/main" xmlns="" w="9525">
+                <a14:hiddenLine xmlns="" xmlns:a14="http://schemas.microsoft.com/office/drawing/2010/main" w="9525">
                   <a:solidFill>
                     <a:srgbClr val="000000"/>
                   </a:solidFill>
@@ -1915,7 +2122,7 @@
             </a:ln>
             <a:extLst>
               <a:ext uri="{91240B29-F687-4f45-9708-019B960494DF}">
-                <a14:hiddenLine xmlns:a14="http://schemas.microsoft.com/office/drawing/2010/main" xmlns="" w="9525">
+                <a14:hiddenLine xmlns="" xmlns:a14="http://schemas.microsoft.com/office/drawing/2010/main" w="9525">
                   <a:solidFill>
                     <a:srgbClr val="000000"/>
                   </a:solidFill>
@@ -2005,7 +2212,7 @@
             </a:ln>
             <a:extLst>
               <a:ext uri="{91240B29-F687-4f45-9708-019B960494DF}">
-                <a14:hiddenLine xmlns:a14="http://schemas.microsoft.com/office/drawing/2010/main" xmlns="" w="9525">
+                <a14:hiddenLine xmlns="" xmlns:a14="http://schemas.microsoft.com/office/drawing/2010/main" w="9525">
                   <a:solidFill>
                     <a:srgbClr val="000000"/>
                   </a:solidFill>
@@ -2073,7 +2280,7 @@
             </a:ln>
             <a:extLst>
               <a:ext uri="{91240B29-F687-4f45-9708-019B960494DF}">
-                <a14:hiddenLine xmlns:a14="http://schemas.microsoft.com/office/drawing/2010/main" xmlns="" w="9525">
+                <a14:hiddenLine xmlns="" xmlns:a14="http://schemas.microsoft.com/office/drawing/2010/main" w="9525">
                   <a:solidFill>
                     <a:srgbClr val="000000"/>
                   </a:solidFill>
@@ -2163,7 +2370,7 @@
             </a:ln>
             <a:extLst>
               <a:ext uri="{91240B29-F687-4f45-9708-019B960494DF}">
-                <a14:hiddenLine xmlns:a14="http://schemas.microsoft.com/office/drawing/2010/main" xmlns="" w="9525">
+                <a14:hiddenLine xmlns="" xmlns:a14="http://schemas.microsoft.com/office/drawing/2010/main" w="9525">
                   <a:solidFill>
                     <a:srgbClr val="000000"/>
                   </a:solidFill>
@@ -2231,7 +2438,7 @@
             </a:ln>
             <a:extLst>
               <a:ext uri="{91240B29-F687-4f45-9708-019B960494DF}">
-                <a14:hiddenLine xmlns:a14="http://schemas.microsoft.com/office/drawing/2010/main" xmlns="" w="9525">
+                <a14:hiddenLine xmlns="" xmlns:a14="http://schemas.microsoft.com/office/drawing/2010/main" w="9525">
                   <a:solidFill>
                     <a:srgbClr val="000000"/>
                   </a:solidFill>
@@ -2321,7 +2528,7 @@
             </a:ln>
             <a:extLst>
               <a:ext uri="{91240B29-F687-4f45-9708-019B960494DF}">
-                <a14:hiddenLine xmlns:a14="http://schemas.microsoft.com/office/drawing/2010/main" xmlns="" w="9525">
+                <a14:hiddenLine xmlns="" xmlns:a14="http://schemas.microsoft.com/office/drawing/2010/main" w="9525">
                   <a:solidFill>
                     <a:srgbClr val="000000"/>
                   </a:solidFill>
@@ -2355,7 +2562,7 @@
             </a:ln>
             <a:extLst>
               <a:ext uri="{91240B29-F687-4f45-9708-019B960494DF}">
-                <a14:hiddenLine xmlns:a14="http://schemas.microsoft.com/office/drawing/2010/main" xmlns="" w="9525">
+                <a14:hiddenLine xmlns="" xmlns:a14="http://schemas.microsoft.com/office/drawing/2010/main" w="9525">
                   <a:solidFill>
                     <a:srgbClr val="000000"/>
                   </a:solidFill>
@@ -2445,7 +2652,7 @@
             </a:ln>
             <a:extLst>
               <a:ext uri="{91240B29-F687-4f45-9708-019B960494DF}">
-                <a14:hiddenLine xmlns:a14="http://schemas.microsoft.com/office/drawing/2010/main" xmlns="" w="9525">
+                <a14:hiddenLine xmlns="" xmlns:a14="http://schemas.microsoft.com/office/drawing/2010/main" w="9525">
                   <a:solidFill>
                     <a:srgbClr val="000000"/>
                   </a:solidFill>
@@ -2507,7 +2714,7 @@
             </a:ln>
             <a:extLst>
               <a:ext uri="{91240B29-F687-4f45-9708-019B960494DF}">
-                <a14:hiddenLine xmlns:a14="http://schemas.microsoft.com/office/drawing/2010/main" xmlns="" w="9525">
+                <a14:hiddenLine xmlns="" xmlns:a14="http://schemas.microsoft.com/office/drawing/2010/main" w="9525">
                   <a:solidFill>
                     <a:srgbClr val="000000"/>
                   </a:solidFill>
@@ -2569,7 +2776,7 @@
             </a:ln>
             <a:extLst>
               <a:ext uri="{91240B29-F687-4f45-9708-019B960494DF}">
-                <a14:hiddenLine xmlns:a14="http://schemas.microsoft.com/office/drawing/2010/main" xmlns="" w="9525">
+                <a14:hiddenLine xmlns="" xmlns:a14="http://schemas.microsoft.com/office/drawing/2010/main" w="9525">
                   <a:solidFill>
                     <a:srgbClr val="000000"/>
                   </a:solidFill>
@@ -2659,7 +2866,7 @@
             </a:ln>
             <a:extLst>
               <a:ext uri="{91240B29-F687-4f45-9708-019B960494DF}">
-                <a14:hiddenLine xmlns:a14="http://schemas.microsoft.com/office/drawing/2010/main" xmlns="" w="9525">
+                <a14:hiddenLine xmlns="" xmlns:a14="http://schemas.microsoft.com/office/drawing/2010/main" w="9525">
                   <a:solidFill>
                     <a:srgbClr val="000000"/>
                   </a:solidFill>
@@ -2727,7 +2934,7 @@
             </a:ln>
             <a:extLst>
               <a:ext uri="{91240B29-F687-4f45-9708-019B960494DF}">
-                <a14:hiddenLine xmlns:a14="http://schemas.microsoft.com/office/drawing/2010/main" xmlns="" w="9525">
+                <a14:hiddenLine xmlns="" xmlns:a14="http://schemas.microsoft.com/office/drawing/2010/main" w="9525">
                   <a:solidFill>
                     <a:srgbClr val="000000"/>
                   </a:solidFill>
@@ -2789,7 +2996,7 @@
             </a:ln>
             <a:extLst>
               <a:ext uri="{91240B29-F687-4f45-9708-019B960494DF}">
-                <a14:hiddenLine xmlns:a14="http://schemas.microsoft.com/office/drawing/2010/main" xmlns="" w="9525">
+                <a14:hiddenLine xmlns="" xmlns:a14="http://schemas.microsoft.com/office/drawing/2010/main" w="9525">
                   <a:solidFill>
                     <a:srgbClr val="000000"/>
                   </a:solidFill>
@@ -2879,7 +3086,7 @@
             </a:ln>
             <a:extLst>
               <a:ext uri="{91240B29-F687-4f45-9708-019B960494DF}">
-                <a14:hiddenLine xmlns:a14="http://schemas.microsoft.com/office/drawing/2010/main" xmlns="" w="9525">
+                <a14:hiddenLine xmlns="" xmlns:a14="http://schemas.microsoft.com/office/drawing/2010/main" w="9525">
                   <a:solidFill>
                     <a:srgbClr val="000000"/>
                   </a:solidFill>
@@ -2941,7 +3148,7 @@
             </a:ln>
             <a:extLst>
               <a:ext uri="{91240B29-F687-4f45-9708-019B960494DF}">
-                <a14:hiddenLine xmlns:a14="http://schemas.microsoft.com/office/drawing/2010/main" xmlns="" w="9525">
+                <a14:hiddenLine xmlns="" xmlns:a14="http://schemas.microsoft.com/office/drawing/2010/main" w="9525">
                   <a:solidFill>
                     <a:srgbClr val="000000"/>
                   </a:solidFill>
@@ -3031,7 +3238,7 @@
             </a:ln>
             <a:extLst>
               <a:ext uri="{91240B29-F687-4f45-9708-019B960494DF}">
-                <a14:hiddenLine xmlns:a14="http://schemas.microsoft.com/office/drawing/2010/main" xmlns="" w="9525">
+                <a14:hiddenLine xmlns="" xmlns:a14="http://schemas.microsoft.com/office/drawing/2010/main" w="9525">
                   <a:solidFill>
                     <a:srgbClr val="000000"/>
                   </a:solidFill>
@@ -3093,7 +3300,7 @@
             </a:ln>
             <a:extLst>
               <a:ext uri="{91240B29-F687-4f45-9708-019B960494DF}">
-                <a14:hiddenLine xmlns:a14="http://schemas.microsoft.com/office/drawing/2010/main" xmlns="" w="9525">
+                <a14:hiddenLine xmlns="" xmlns:a14="http://schemas.microsoft.com/office/drawing/2010/main" w="9525">
                   <a:solidFill>
                     <a:srgbClr val="000000"/>
                   </a:solidFill>
@@ -3183,7 +3390,7 @@
             </a:ln>
             <a:extLst>
               <a:ext uri="{91240B29-F687-4f45-9708-019B960494DF}">
-                <a14:hiddenLine xmlns:a14="http://schemas.microsoft.com/office/drawing/2010/main" xmlns="" w="9525">
+                <a14:hiddenLine xmlns="" xmlns:a14="http://schemas.microsoft.com/office/drawing/2010/main" w="9525">
                   <a:solidFill>
                     <a:srgbClr val="000000"/>
                   </a:solidFill>
@@ -3217,7 +3424,7 @@
             </a:ln>
             <a:extLst>
               <a:ext uri="{91240B29-F687-4f45-9708-019B960494DF}">
-                <a14:hiddenLine xmlns:a14="http://schemas.microsoft.com/office/drawing/2010/main" xmlns="" w="9525">
+                <a14:hiddenLine xmlns="" xmlns:a14="http://schemas.microsoft.com/office/drawing/2010/main" w="9525">
                   <a:solidFill>
                     <a:srgbClr val="000000"/>
                   </a:solidFill>
@@ -3282,7 +3489,7 @@
             </a:ln>
             <a:extLst>
               <a:ext uri="{91240B29-F687-4f45-9708-019B960494DF}">
-                <a14:hiddenLine xmlns:a14="http://schemas.microsoft.com/office/drawing/2010/main" xmlns="" w="9525">
+                <a14:hiddenLine xmlns="" xmlns:a14="http://schemas.microsoft.com/office/drawing/2010/main" w="9525">
                   <a:solidFill>
                     <a:srgbClr val="000000"/>
                   </a:solidFill>
@@ -3372,7 +3579,7 @@
             </a:ln>
             <a:extLst>
               <a:ext uri="{91240B29-F687-4f45-9708-019B960494DF}">
-                <a14:hiddenLine xmlns:a14="http://schemas.microsoft.com/office/drawing/2010/main" xmlns="" w="9525">
+                <a14:hiddenLine xmlns="" xmlns:a14="http://schemas.microsoft.com/office/drawing/2010/main" w="9525">
                   <a:solidFill>
                     <a:srgbClr val="000000"/>
                   </a:solidFill>
@@ -3434,7 +3641,7 @@
             </a:ln>
             <a:extLst>
               <a:ext uri="{91240B29-F687-4f45-9708-019B960494DF}">
-                <a14:hiddenLine xmlns:a14="http://schemas.microsoft.com/office/drawing/2010/main" xmlns="" w="9525">
+                <a14:hiddenLine xmlns="" xmlns:a14="http://schemas.microsoft.com/office/drawing/2010/main" w="9525">
                   <a:solidFill>
                     <a:srgbClr val="000000"/>
                   </a:solidFill>
@@ -3524,7 +3731,7 @@
             </a:ln>
             <a:extLst>
               <a:ext uri="{91240B29-F687-4f45-9708-019B960494DF}">
-                <a14:hiddenLine xmlns:a14="http://schemas.microsoft.com/office/drawing/2010/main" xmlns="" w="9525">
+                <a14:hiddenLine xmlns="" xmlns:a14="http://schemas.microsoft.com/office/drawing/2010/main" w="9525">
                   <a:solidFill>
                     <a:srgbClr val="000000"/>
                   </a:solidFill>
@@ -3614,7 +3821,7 @@
             </a:ln>
             <a:extLst>
               <a:ext uri="{91240B29-F687-4f45-9708-019B960494DF}">
-                <a14:hiddenLine xmlns:a14="http://schemas.microsoft.com/office/drawing/2010/main" xmlns="" w="9525">
+                <a14:hiddenLine xmlns="" xmlns:a14="http://schemas.microsoft.com/office/drawing/2010/main" w="9525">
                   <a:solidFill>
                     <a:srgbClr val="000000"/>
                   </a:solidFill>
@@ -3679,7 +3886,7 @@
             </a:ln>
             <a:extLst>
               <a:ext uri="{91240B29-F687-4f45-9708-019B960494DF}">
-                <a14:hiddenLine xmlns:a14="http://schemas.microsoft.com/office/drawing/2010/main" xmlns="" w="9525">
+                <a14:hiddenLine xmlns="" xmlns:a14="http://schemas.microsoft.com/office/drawing/2010/main" w="9525">
                   <a:solidFill>
                     <a:srgbClr val="000000"/>
                   </a:solidFill>
@@ -3741,7 +3948,7 @@
             </a:ln>
             <a:extLst>
               <a:ext uri="{91240B29-F687-4f45-9708-019B960494DF}">
-                <a14:hiddenLine xmlns:a14="http://schemas.microsoft.com/office/drawing/2010/main" xmlns="" w="9525">
+                <a14:hiddenLine xmlns="" xmlns:a14="http://schemas.microsoft.com/office/drawing/2010/main" w="9525">
                   <a:solidFill>
                     <a:srgbClr val="000000"/>
                   </a:solidFill>
@@ -3831,7 +4038,7 @@
             </a:ln>
             <a:extLst>
               <a:ext uri="{91240B29-F687-4f45-9708-019B960494DF}">
-                <a14:hiddenLine xmlns:a14="http://schemas.microsoft.com/office/drawing/2010/main" xmlns="" w="9525">
+                <a14:hiddenLine xmlns="" xmlns:a14="http://schemas.microsoft.com/office/drawing/2010/main" w="9525">
                   <a:solidFill>
                     <a:srgbClr val="000000"/>
                   </a:solidFill>
@@ -3921,7 +4128,7 @@
             </a:ln>
             <a:extLst>
               <a:ext uri="{91240B29-F687-4f45-9708-019B960494DF}">
-                <a14:hiddenLine xmlns:a14="http://schemas.microsoft.com/office/drawing/2010/main" xmlns="" w="9525">
+                <a14:hiddenLine xmlns="" xmlns:a14="http://schemas.microsoft.com/office/drawing/2010/main" w="9525">
                   <a:solidFill>
                     <a:srgbClr val="000000"/>
                   </a:solidFill>
@@ -3983,7 +4190,7 @@
             </a:ln>
             <a:extLst>
               <a:ext uri="{91240B29-F687-4f45-9708-019B960494DF}">
-                <a14:hiddenLine xmlns:a14="http://schemas.microsoft.com/office/drawing/2010/main" xmlns="" w="9525">
+                <a14:hiddenLine xmlns="" xmlns:a14="http://schemas.microsoft.com/office/drawing/2010/main" w="9525">
                   <a:solidFill>
                     <a:srgbClr val="000000"/>
                   </a:solidFill>
@@ -4103,7 +4310,7 @@
             </a:ln>
             <a:extLst>
               <a:ext uri="{91240B29-F687-4f45-9708-019B960494DF}">
-                <a14:hiddenLine xmlns:a14="http://schemas.microsoft.com/office/drawing/2010/main" xmlns="" w="9525">
+                <a14:hiddenLine xmlns="" xmlns:a14="http://schemas.microsoft.com/office/drawing/2010/main" w="9525">
                   <a:solidFill>
                     <a:srgbClr val="000000"/>
                   </a:solidFill>
@@ -4171,7 +4378,7 @@
             </a:ln>
             <a:extLst>
               <a:ext uri="{91240B29-F687-4f45-9708-019B960494DF}">
-                <a14:hiddenLine xmlns:a14="http://schemas.microsoft.com/office/drawing/2010/main" xmlns="" w="9525">
+                <a14:hiddenLine xmlns="" xmlns:a14="http://schemas.microsoft.com/office/drawing/2010/main" w="9525">
                   <a:solidFill>
                     <a:srgbClr val="000000"/>
                   </a:solidFill>
@@ -4261,7 +4468,7 @@
             </a:ln>
             <a:extLst>
               <a:ext uri="{91240B29-F687-4f45-9708-019B960494DF}">
-                <a14:hiddenLine xmlns:a14="http://schemas.microsoft.com/office/drawing/2010/main" xmlns="" w="9525">
+                <a14:hiddenLine xmlns="" xmlns:a14="http://schemas.microsoft.com/office/drawing/2010/main" w="9525">
                   <a:solidFill>
                     <a:srgbClr val="000000"/>
                   </a:solidFill>
@@ -4401,7 +4608,7 @@
           <a:p>
             <a:fld id="{48A87A34-81AB-432B-8DAE-1953F412C126}" type="datetimeFigureOut">
               <a:rPr lang="en-US" dirty="0"/>
-              <a:t>3/15/2022</a:t>
+              <a:t>3/16/2022</a:t>
             </a:fld>
             <a:endParaRPr lang="en-US" dirty="0"/>
           </a:p>
@@ -4663,7 +4870,7 @@
           <a:p>
             <a:fld id="{48A87A34-81AB-432B-8DAE-1953F412C126}" type="datetimeFigureOut">
               <a:rPr lang="en-US" dirty="0"/>
-              <a:t>3/15/2022</a:t>
+              <a:t>3/16/2022</a:t>
             </a:fld>
             <a:endParaRPr lang="en-US" dirty="0"/>
           </a:p>
@@ -4854,7 +5061,7 @@
           <a:p>
             <a:fld id="{48A87A34-81AB-432B-8DAE-1953F412C126}" type="datetimeFigureOut">
               <a:rPr lang="en-US" dirty="0"/>
-              <a:t>3/15/2022</a:t>
+              <a:t>3/16/2022</a:t>
             </a:fld>
             <a:endParaRPr lang="en-US" dirty="0"/>
           </a:p>
@@ -5112,7 +5319,7 @@
           <a:p>
             <a:fld id="{48A87A34-81AB-432B-8DAE-1953F412C126}" type="datetimeFigureOut">
               <a:rPr lang="en-US" dirty="0"/>
-              <a:t>3/15/2022</a:t>
+              <a:t>3/16/2022</a:t>
             </a:fld>
             <a:endParaRPr lang="en-US" dirty="0"/>
           </a:p>
@@ -5541,7 +5748,7 @@
           <a:p>
             <a:fld id="{48A87A34-81AB-432B-8DAE-1953F412C126}" type="datetimeFigureOut">
               <a:rPr lang="en-US" dirty="0"/>
-              <a:t>3/15/2022</a:t>
+              <a:t>3/16/2022</a:t>
             </a:fld>
             <a:endParaRPr lang="en-US" dirty="0"/>
           </a:p>
@@ -6082,7 +6289,7 @@
           <a:p>
             <a:fld id="{48A87A34-81AB-432B-8DAE-1953F412C126}" type="datetimeFigureOut">
               <a:rPr lang="en-US" dirty="0"/>
-              <a:t>3/15/2022</a:t>
+              <a:t>3/16/2022</a:t>
             </a:fld>
             <a:endParaRPr lang="en-US" dirty="0"/>
           </a:p>
@@ -6797,7 +7004,7 @@
           <a:p>
             <a:fld id="{48A87A34-81AB-432B-8DAE-1953F412C126}" type="datetimeFigureOut">
               <a:rPr lang="en-US" dirty="0"/>
-              <a:t>3/15/2022</a:t>
+              <a:t>3/16/2022</a:t>
             </a:fld>
             <a:endParaRPr lang="en-US" dirty="0"/>
           </a:p>
@@ -6962,7 +7169,7 @@
           <a:p>
             <a:fld id="{48A87A34-81AB-432B-8DAE-1953F412C126}" type="datetimeFigureOut">
               <a:rPr lang="en-US" dirty="0"/>
-              <a:t>3/15/2022</a:t>
+              <a:t>3/16/2022</a:t>
             </a:fld>
             <a:endParaRPr lang="en-US" dirty="0"/>
           </a:p>
@@ -7137,7 +7344,7 @@
           <a:p>
             <a:fld id="{48A87A34-81AB-432B-8DAE-1953F412C126}" type="datetimeFigureOut">
               <a:rPr lang="en-US" dirty="0"/>
-              <a:t>3/15/2022</a:t>
+              <a:t>3/16/2022</a:t>
             </a:fld>
             <a:endParaRPr lang="en-US" dirty="0"/>
           </a:p>
@@ -7302,7 +7509,7 @@
           <a:p>
             <a:fld id="{48A87A34-81AB-432B-8DAE-1953F412C126}" type="datetimeFigureOut">
               <a:rPr lang="en-US" dirty="0"/>
-              <a:t>3/15/2022</a:t>
+              <a:t>3/16/2022</a:t>
             </a:fld>
             <a:endParaRPr lang="en-US" dirty="0"/>
           </a:p>
@@ -7547,7 +7754,7 @@
           <a:p>
             <a:fld id="{48A87A34-81AB-432B-8DAE-1953F412C126}" type="datetimeFigureOut">
               <a:rPr lang="en-US" dirty="0"/>
-              <a:t>3/15/2022</a:t>
+              <a:t>3/16/2022</a:t>
             </a:fld>
             <a:endParaRPr lang="en-US" dirty="0"/>
           </a:p>
@@ -7774,7 +7981,7 @@
           <a:p>
             <a:fld id="{48A87A34-81AB-432B-8DAE-1953F412C126}" type="datetimeFigureOut">
               <a:rPr lang="en-US" dirty="0"/>
-              <a:t>3/15/2022</a:t>
+              <a:t>3/16/2022</a:t>
             </a:fld>
             <a:endParaRPr lang="en-US" dirty="0"/>
           </a:p>
@@ -8150,7 +8357,7 @@
           <a:p>
             <a:fld id="{48A87A34-81AB-432B-8DAE-1953F412C126}" type="datetimeFigureOut">
               <a:rPr lang="en-US" dirty="0"/>
-              <a:t>3/15/2022</a:t>
+              <a:t>3/16/2022</a:t>
             </a:fld>
             <a:endParaRPr lang="en-US" dirty="0"/>
           </a:p>
@@ -8263,7 +8470,7 @@
           <a:p>
             <a:fld id="{48A87A34-81AB-432B-8DAE-1953F412C126}" type="datetimeFigureOut">
               <a:rPr lang="en-US" dirty="0"/>
-              <a:t>3/15/2022</a:t>
+              <a:t>3/16/2022</a:t>
             </a:fld>
             <a:endParaRPr lang="en-US" dirty="0"/>
           </a:p>
@@ -8353,7 +8560,7 @@
           <a:p>
             <a:fld id="{48A87A34-81AB-432B-8DAE-1953F412C126}" type="datetimeFigureOut">
               <a:rPr lang="en-US" dirty="0"/>
-              <a:t>3/15/2022</a:t>
+              <a:t>3/16/2022</a:t>
             </a:fld>
             <a:endParaRPr lang="en-US" dirty="0"/>
           </a:p>
@@ -8597,7 +8804,7 @@
           <a:p>
             <a:fld id="{48A87A34-81AB-432B-8DAE-1953F412C126}" type="datetimeFigureOut">
               <a:rPr lang="en-US" dirty="0"/>
-              <a:t>3/15/2022</a:t>
+              <a:t>3/16/2022</a:t>
             </a:fld>
             <a:endParaRPr lang="en-US" dirty="0"/>
           </a:p>
@@ -8872,7 +9079,7 @@
           <a:p>
             <a:fld id="{48A87A34-81AB-432B-8DAE-1953F412C126}" type="datetimeFigureOut">
               <a:rPr lang="en-US" dirty="0"/>
-              <a:t>3/15/2022</a:t>
+              <a:t>3/16/2022</a:t>
             </a:fld>
             <a:endParaRPr lang="en-US" dirty="0"/>
           </a:p>
@@ -8932,9 +9139,48 @@
 <p:sldMaster xmlns:a="http://schemas.openxmlformats.org/drawingml/2006/main" xmlns:r="http://schemas.openxmlformats.org/officeDocument/2006/relationships" xmlns:p="http://schemas.openxmlformats.org/presentationml/2006/main">
   <p:cSld>
     <p:bg>
-      <p:bgRef idx="1003">
-        <a:schemeClr val="bg2"/>
-      </p:bgRef>
+      <p:bgPr>
+        <a:blipFill dpi="0" rotWithShape="1">
+          <a:blip r:embed="rId19">
+            <a:duotone>
+              <a:schemeClr val="bg2">
+                <a:shade val="88000"/>
+                <a:hueMod val="106000"/>
+                <a:satMod val="140000"/>
+                <a:lumMod val="54000"/>
+              </a:schemeClr>
+              <a:schemeClr val="bg2">
+                <a:tint val="98000"/>
+                <a:hueMod val="82000"/>
+                <a:satMod val="150000"/>
+                <a:lumMod val="160000"/>
+              </a:schemeClr>
+            </a:duotone>
+            <a:extLst>
+              <a:ext uri="{BEBA8EAE-BF5A-486C-A8C5-ECC9F3942E4B}">
+                <a14:imgProps xmlns:a14="http://schemas.microsoft.com/office/drawing/2010/main">
+                  <a14:imgLayer r:embed="rId20">
+                    <a14:imgEffect>
+                      <a14:artisticGlowEdges/>
+                    </a14:imgEffect>
+                    <a14:imgEffect>
+                      <a14:saturation sat="400000"/>
+                    </a14:imgEffect>
+                    <a14:imgEffect>
+                      <a14:brightnessContrast bright="-40000" contrast="40000"/>
+                    </a14:imgEffect>
+                  </a14:imgLayer>
+                </a14:imgProps>
+              </a:ext>
+            </a:extLst>
+          </a:blip>
+          <a:srcRect/>
+          <a:stretch>
+            <a:fillRect/>
+          </a:stretch>
+        </a:blipFill>
+        <a:effectLst/>
+      </p:bgPr>
     </p:bg>
     <p:spTree>
       <p:nvGrpSpPr>
@@ -8959,7 +9205,7 @@
           <p:nvPr/>
         </p:nvPicPr>
         <p:blipFill>
-          <a:blip r:embed="rId19">
+          <a:blip r:embed="rId21">
             <a:alphaModFix amt="30000"/>
             <a:duotone>
               <a:prstClr val="black"/>
@@ -8990,7 +9236,7 @@
           <a:noFill/>
           <a:extLst>
             <a:ext uri="{909E8E84-426E-40dd-AFC4-6F175D3DCCD1}">
-              <a14:hiddenFill xmlns:a14="http://schemas.microsoft.com/office/drawing/2010/main" xmlns="">
+              <a14:hiddenFill xmlns="" xmlns:a14="http://schemas.microsoft.com/office/drawing/2010/main">
                 <a:solidFill>
                   <a:srgbClr val="FFFFFF"/>
                 </a:solidFill>
@@ -9064,7 +9310,7 @@
               </a:ln>
               <a:extLst>
                 <a:ext uri="{91240B29-F687-4f45-9708-019B960494DF}">
-                  <a14:hiddenLine xmlns:a14="http://schemas.microsoft.com/office/drawing/2010/main" xmlns="" w="9525">
+                  <a14:hiddenLine xmlns="" xmlns:a14="http://schemas.microsoft.com/office/drawing/2010/main" w="9525">
                     <a:solidFill>
                       <a:srgbClr val="000000"/>
                     </a:solidFill>
@@ -9154,7 +9400,7 @@
               </a:ln>
               <a:extLst>
                 <a:ext uri="{91240B29-F687-4f45-9708-019B960494DF}">
-                  <a14:hiddenLine xmlns:a14="http://schemas.microsoft.com/office/drawing/2010/main" xmlns="" w="9525">
+                  <a14:hiddenLine xmlns="" xmlns:a14="http://schemas.microsoft.com/office/drawing/2010/main" w="9525">
                     <a:solidFill>
                       <a:srgbClr val="000000"/>
                     </a:solidFill>
@@ -9244,7 +9490,7 @@
               </a:ln>
               <a:extLst>
                 <a:ext uri="{91240B29-F687-4f45-9708-019B960494DF}">
-                  <a14:hiddenLine xmlns:a14="http://schemas.microsoft.com/office/drawing/2010/main" xmlns="" w="9525">
+                  <a14:hiddenLine xmlns="" xmlns:a14="http://schemas.microsoft.com/office/drawing/2010/main" w="9525">
                     <a:solidFill>
                       <a:srgbClr val="000000"/>
                     </a:solidFill>
@@ -9306,7 +9552,7 @@
               </a:ln>
               <a:extLst>
                 <a:ext uri="{91240B29-F687-4f45-9708-019B960494DF}">
-                  <a14:hiddenLine xmlns:a14="http://schemas.microsoft.com/office/drawing/2010/main" xmlns="" w="9525">
+                  <a14:hiddenLine xmlns="" xmlns:a14="http://schemas.microsoft.com/office/drawing/2010/main" w="9525">
                     <a:solidFill>
                       <a:srgbClr val="000000"/>
                     </a:solidFill>
@@ -9396,7 +9642,7 @@
               </a:ln>
               <a:extLst>
                 <a:ext uri="{91240B29-F687-4f45-9708-019B960494DF}">
-                  <a14:hiddenLine xmlns:a14="http://schemas.microsoft.com/office/drawing/2010/main" xmlns="" w="9525">
+                  <a14:hiddenLine xmlns="" xmlns:a14="http://schemas.microsoft.com/office/drawing/2010/main" w="9525">
                     <a:solidFill>
                       <a:srgbClr val="000000"/>
                     </a:solidFill>
@@ -9458,7 +9704,7 @@
               </a:ln>
               <a:extLst>
                 <a:ext uri="{91240B29-F687-4f45-9708-019B960494DF}">
-                  <a14:hiddenLine xmlns:a14="http://schemas.microsoft.com/office/drawing/2010/main" xmlns="" w="9525">
+                  <a14:hiddenLine xmlns="" xmlns:a14="http://schemas.microsoft.com/office/drawing/2010/main" w="9525">
                     <a:solidFill>
                       <a:srgbClr val="000000"/>
                     </a:solidFill>
@@ -9520,7 +9766,7 @@
               </a:ln>
               <a:extLst>
                 <a:ext uri="{91240B29-F687-4f45-9708-019B960494DF}">
-                  <a14:hiddenLine xmlns:a14="http://schemas.microsoft.com/office/drawing/2010/main" xmlns="" w="9525">
+                  <a14:hiddenLine xmlns="" xmlns:a14="http://schemas.microsoft.com/office/drawing/2010/main" w="9525">
                     <a:solidFill>
                       <a:srgbClr val="000000"/>
                     </a:solidFill>
@@ -9610,7 +9856,7 @@
               </a:ln>
               <a:extLst>
                 <a:ext uri="{91240B29-F687-4f45-9708-019B960494DF}">
-                  <a14:hiddenLine xmlns:a14="http://schemas.microsoft.com/office/drawing/2010/main" xmlns="" w="9525">
+                  <a14:hiddenLine xmlns="" xmlns:a14="http://schemas.microsoft.com/office/drawing/2010/main" w="9525">
                     <a:solidFill>
                       <a:srgbClr val="000000"/>
                     </a:solidFill>
@@ -9700,7 +9946,7 @@
               </a:ln>
               <a:extLst>
                 <a:ext uri="{91240B29-F687-4f45-9708-019B960494DF}">
-                  <a14:hiddenLine xmlns:a14="http://schemas.microsoft.com/office/drawing/2010/main" xmlns="" w="9525">
+                  <a14:hiddenLine xmlns="" xmlns:a14="http://schemas.microsoft.com/office/drawing/2010/main" w="9525">
                     <a:solidFill>
                       <a:srgbClr val="000000"/>
                     </a:solidFill>
@@ -9762,7 +10008,7 @@
               </a:ln>
               <a:extLst>
                 <a:ext uri="{91240B29-F687-4f45-9708-019B960494DF}">
-                  <a14:hiddenLine xmlns:a14="http://schemas.microsoft.com/office/drawing/2010/main" xmlns="" w="9525">
+                  <a14:hiddenLine xmlns="" xmlns:a14="http://schemas.microsoft.com/office/drawing/2010/main" w="9525">
                     <a:solidFill>
                       <a:srgbClr val="000000"/>
                     </a:solidFill>
@@ -9872,7 +10118,7 @@
               </a:ln>
               <a:extLst>
                 <a:ext uri="{91240B29-F687-4f45-9708-019B960494DF}">
-                  <a14:hiddenLine xmlns:a14="http://schemas.microsoft.com/office/drawing/2010/main" xmlns="" w="9525">
+                  <a14:hiddenLine xmlns="" xmlns:a14="http://schemas.microsoft.com/office/drawing/2010/main" w="9525">
                     <a:solidFill>
                       <a:srgbClr val="000000"/>
                     </a:solidFill>
@@ -9956,7 +10202,7 @@
               </a:ln>
               <a:extLst>
                 <a:ext uri="{91240B29-F687-4f45-9708-019B960494DF}">
-                  <a14:hiddenLine xmlns:a14="http://schemas.microsoft.com/office/drawing/2010/main" xmlns="" w="9525">
+                  <a14:hiddenLine xmlns="" xmlns:a14="http://schemas.microsoft.com/office/drawing/2010/main" w="9525">
                     <a:solidFill>
                       <a:srgbClr val="000000"/>
                     </a:solidFill>
@@ -10018,7 +10264,7 @@
               </a:ln>
               <a:extLst>
                 <a:ext uri="{91240B29-F687-4f45-9708-019B960494DF}">
-                  <a14:hiddenLine xmlns:a14="http://schemas.microsoft.com/office/drawing/2010/main" xmlns="" w="9525">
+                  <a14:hiddenLine xmlns="" xmlns:a14="http://schemas.microsoft.com/office/drawing/2010/main" w="9525">
                     <a:solidFill>
                       <a:srgbClr val="000000"/>
                     </a:solidFill>
@@ -10080,7 +10326,7 @@
               </a:ln>
               <a:extLst>
                 <a:ext uri="{91240B29-F687-4f45-9708-019B960494DF}">
-                  <a14:hiddenLine xmlns:a14="http://schemas.microsoft.com/office/drawing/2010/main" xmlns="" w="9525">
+                  <a14:hiddenLine xmlns="" xmlns:a14="http://schemas.microsoft.com/office/drawing/2010/main" w="9525">
                     <a:solidFill>
                       <a:srgbClr val="000000"/>
                     </a:solidFill>
@@ -10170,7 +10416,7 @@
               </a:ln>
               <a:extLst>
                 <a:ext uri="{91240B29-F687-4f45-9708-019B960494DF}">
-                  <a14:hiddenLine xmlns:a14="http://schemas.microsoft.com/office/drawing/2010/main" xmlns="" w="9525">
+                  <a14:hiddenLine xmlns="" xmlns:a14="http://schemas.microsoft.com/office/drawing/2010/main" w="9525">
                     <a:solidFill>
                       <a:srgbClr val="000000"/>
                     </a:solidFill>
@@ -10204,7 +10450,7 @@
               </a:ln>
               <a:extLst>
                 <a:ext uri="{91240B29-F687-4f45-9708-019B960494DF}">
-                  <a14:hiddenLine xmlns:a14="http://schemas.microsoft.com/office/drawing/2010/main" xmlns="" w="9525">
+                  <a14:hiddenLine xmlns="" xmlns:a14="http://schemas.microsoft.com/office/drawing/2010/main" w="9525">
                     <a:solidFill>
                       <a:srgbClr val="000000"/>
                     </a:solidFill>
@@ -10269,7 +10515,7 @@
               </a:ln>
               <a:extLst>
                 <a:ext uri="{91240B29-F687-4f45-9708-019B960494DF}">
-                  <a14:hiddenLine xmlns:a14="http://schemas.microsoft.com/office/drawing/2010/main" xmlns="" w="9525">
+                  <a14:hiddenLine xmlns="" xmlns:a14="http://schemas.microsoft.com/office/drawing/2010/main" w="9525">
                     <a:solidFill>
                       <a:srgbClr val="000000"/>
                     </a:solidFill>
@@ -10359,7 +10605,7 @@
               </a:ln>
               <a:extLst>
                 <a:ext uri="{91240B29-F687-4f45-9708-019B960494DF}">
-                  <a14:hiddenLine xmlns:a14="http://schemas.microsoft.com/office/drawing/2010/main" xmlns="" w="9525">
+                  <a14:hiddenLine xmlns="" xmlns:a14="http://schemas.microsoft.com/office/drawing/2010/main" w="9525">
                     <a:solidFill>
                       <a:srgbClr val="000000"/>
                     </a:solidFill>
@@ -10421,7 +10667,7 @@
               </a:ln>
               <a:extLst>
                 <a:ext uri="{91240B29-F687-4f45-9708-019B960494DF}">
-                  <a14:hiddenLine xmlns:a14="http://schemas.microsoft.com/office/drawing/2010/main" xmlns="" w="9525">
+                  <a14:hiddenLine xmlns="" xmlns:a14="http://schemas.microsoft.com/office/drawing/2010/main" w="9525">
                     <a:solidFill>
                       <a:srgbClr val="000000"/>
                     </a:solidFill>
@@ -10511,7 +10757,7 @@
               </a:ln>
               <a:extLst>
                 <a:ext uri="{91240B29-F687-4f45-9708-019B960494DF}">
-                  <a14:hiddenLine xmlns:a14="http://schemas.microsoft.com/office/drawing/2010/main" xmlns="" w="9525">
+                  <a14:hiddenLine xmlns="" xmlns:a14="http://schemas.microsoft.com/office/drawing/2010/main" w="9525">
                     <a:solidFill>
                       <a:srgbClr val="000000"/>
                     </a:solidFill>
@@ -10576,7 +10822,7 @@
               </a:ln>
               <a:extLst>
                 <a:ext uri="{91240B29-F687-4f45-9708-019B960494DF}">
-                  <a14:hiddenLine xmlns:a14="http://schemas.microsoft.com/office/drawing/2010/main" xmlns="" w="9525">
+                  <a14:hiddenLine xmlns="" xmlns:a14="http://schemas.microsoft.com/office/drawing/2010/main" w="9525">
                     <a:solidFill>
                       <a:srgbClr val="000000"/>
                     </a:solidFill>
@@ -10638,7 +10884,7 @@
               </a:ln>
               <a:extLst>
                 <a:ext uri="{91240B29-F687-4f45-9708-019B960494DF}">
-                  <a14:hiddenLine xmlns:a14="http://schemas.microsoft.com/office/drawing/2010/main" xmlns="" w="9525">
+                  <a14:hiddenLine xmlns="" xmlns:a14="http://schemas.microsoft.com/office/drawing/2010/main" w="9525">
                     <a:solidFill>
                       <a:srgbClr val="000000"/>
                     </a:solidFill>
@@ -10728,7 +10974,7 @@
               </a:ln>
               <a:extLst>
                 <a:ext uri="{91240B29-F687-4f45-9708-019B960494DF}">
-                  <a14:hiddenLine xmlns:a14="http://schemas.microsoft.com/office/drawing/2010/main" xmlns="" w="9525">
+                  <a14:hiddenLine xmlns="" xmlns:a14="http://schemas.microsoft.com/office/drawing/2010/main" w="9525">
                     <a:solidFill>
                       <a:srgbClr val="000000"/>
                     </a:solidFill>
@@ -10818,7 +11064,7 @@
               </a:ln>
               <a:extLst>
                 <a:ext uri="{91240B29-F687-4f45-9708-019B960494DF}">
-                  <a14:hiddenLine xmlns:a14="http://schemas.microsoft.com/office/drawing/2010/main" xmlns="" w="9525">
+                  <a14:hiddenLine xmlns="" xmlns:a14="http://schemas.microsoft.com/office/drawing/2010/main" w="9525">
                     <a:solidFill>
                       <a:srgbClr val="000000"/>
                     </a:solidFill>
@@ -10883,7 +11129,7 @@
               </a:ln>
               <a:extLst>
                 <a:ext uri="{91240B29-F687-4f45-9708-019B960494DF}">
-                  <a14:hiddenLine xmlns:a14="http://schemas.microsoft.com/office/drawing/2010/main" xmlns="" w="9525">
+                  <a14:hiddenLine xmlns="" xmlns:a14="http://schemas.microsoft.com/office/drawing/2010/main" w="9525">
                     <a:solidFill>
                       <a:srgbClr val="000000"/>
                     </a:solidFill>
@@ -11003,7 +11249,7 @@
               </a:ln>
               <a:extLst>
                 <a:ext uri="{91240B29-F687-4f45-9708-019B960494DF}">
-                  <a14:hiddenLine xmlns:a14="http://schemas.microsoft.com/office/drawing/2010/main" xmlns="" w="9525">
+                  <a14:hiddenLine xmlns="" xmlns:a14="http://schemas.microsoft.com/office/drawing/2010/main" w="9525">
                     <a:solidFill>
                       <a:srgbClr val="000000"/>
                     </a:solidFill>
@@ -11101,7 +11347,7 @@
               </a:ln>
               <a:extLst>
                 <a:ext uri="{91240B29-F687-4f45-9708-019B960494DF}">
-                  <a14:hiddenLine xmlns:a14="http://schemas.microsoft.com/office/drawing/2010/main" xmlns="" w="9525">
+                  <a14:hiddenLine xmlns="" xmlns:a14="http://schemas.microsoft.com/office/drawing/2010/main" w="9525">
                     <a:solidFill>
                       <a:srgbClr val="000000"/>
                     </a:solidFill>
@@ -11216,7 +11462,7 @@
               </a:ln>
               <a:extLst>
                 <a:ext uri="{91240B29-F687-4f45-9708-019B960494DF}">
-                  <a14:hiddenLine xmlns:a14="http://schemas.microsoft.com/office/drawing/2010/main" xmlns="" w="9525">
+                  <a14:hiddenLine xmlns="" xmlns:a14="http://schemas.microsoft.com/office/drawing/2010/main" w="9525">
                     <a:solidFill>
                       <a:srgbClr val="000000"/>
                     </a:solidFill>
@@ -11306,7 +11552,7 @@
               </a:ln>
               <a:extLst>
                 <a:ext uri="{91240B29-F687-4f45-9708-019B960494DF}">
-                  <a14:hiddenLine xmlns:a14="http://schemas.microsoft.com/office/drawing/2010/main" xmlns="" w="9525">
+                  <a14:hiddenLine xmlns="" xmlns:a14="http://schemas.microsoft.com/office/drawing/2010/main" w="9525">
                     <a:solidFill>
                       <a:srgbClr val="000000"/>
                     </a:solidFill>
@@ -11371,7 +11617,7 @@
               </a:ln>
               <a:extLst>
                 <a:ext uri="{91240B29-F687-4f45-9708-019B960494DF}">
-                  <a14:hiddenLine xmlns:a14="http://schemas.microsoft.com/office/drawing/2010/main" xmlns="" w="9525">
+                  <a14:hiddenLine xmlns="" xmlns:a14="http://schemas.microsoft.com/office/drawing/2010/main" w="9525">
                     <a:solidFill>
                       <a:srgbClr val="000000"/>
                     </a:solidFill>
@@ -11461,7 +11707,7 @@
               </a:ln>
               <a:extLst>
                 <a:ext uri="{91240B29-F687-4f45-9708-019B960494DF}">
-                  <a14:hiddenLine xmlns:a14="http://schemas.microsoft.com/office/drawing/2010/main" xmlns="" w="9525">
+                  <a14:hiddenLine xmlns="" xmlns:a14="http://schemas.microsoft.com/office/drawing/2010/main" w="9525">
                     <a:solidFill>
                       <a:srgbClr val="000000"/>
                     </a:solidFill>
@@ -11529,7 +11775,7 @@
               </a:ln>
               <a:extLst>
                 <a:ext uri="{91240B29-F687-4f45-9708-019B960494DF}">
-                  <a14:hiddenLine xmlns:a14="http://schemas.microsoft.com/office/drawing/2010/main" xmlns="" w="9525">
+                  <a14:hiddenLine xmlns="" xmlns:a14="http://schemas.microsoft.com/office/drawing/2010/main" w="9525">
                     <a:solidFill>
                       <a:srgbClr val="000000"/>
                     </a:solidFill>
@@ -11619,7 +11865,7 @@
               </a:ln>
               <a:extLst>
                 <a:ext uri="{91240B29-F687-4f45-9708-019B960494DF}">
-                  <a14:hiddenLine xmlns:a14="http://schemas.microsoft.com/office/drawing/2010/main" xmlns="" w="9525">
+                  <a14:hiddenLine xmlns="" xmlns:a14="http://schemas.microsoft.com/office/drawing/2010/main" w="9525">
                     <a:solidFill>
                       <a:srgbClr val="000000"/>
                     </a:solidFill>
@@ -11687,7 +11933,7 @@
               </a:ln>
               <a:extLst>
                 <a:ext uri="{91240B29-F687-4f45-9708-019B960494DF}">
-                  <a14:hiddenLine xmlns:a14="http://schemas.microsoft.com/office/drawing/2010/main" xmlns="" w="9525">
+                  <a14:hiddenLine xmlns="" xmlns:a14="http://schemas.microsoft.com/office/drawing/2010/main" w="9525">
                     <a:solidFill>
                       <a:srgbClr val="000000"/>
                     </a:solidFill>
@@ -11777,7 +12023,7 @@
               </a:ln>
               <a:extLst>
                 <a:ext uri="{91240B29-F687-4f45-9708-019B960494DF}">
-                  <a14:hiddenLine xmlns:a14="http://schemas.microsoft.com/office/drawing/2010/main" xmlns="" w="9525">
+                  <a14:hiddenLine xmlns="" xmlns:a14="http://schemas.microsoft.com/office/drawing/2010/main" w="9525">
                     <a:solidFill>
                       <a:srgbClr val="000000"/>
                     </a:solidFill>
@@ -11811,7 +12057,7 @@
               </a:ln>
               <a:extLst>
                 <a:ext uri="{91240B29-F687-4f45-9708-019B960494DF}">
-                  <a14:hiddenLine xmlns:a14="http://schemas.microsoft.com/office/drawing/2010/main" xmlns="" w="9525">
+                  <a14:hiddenLine xmlns="" xmlns:a14="http://schemas.microsoft.com/office/drawing/2010/main" w="9525">
                     <a:solidFill>
                       <a:srgbClr val="000000"/>
                     </a:solidFill>
@@ -11952,7 +12198,7 @@
             <a:fld id="{48A87A34-81AB-432B-8DAE-1953F412C126}" type="datetimeFigureOut">
               <a:rPr lang="en-US" dirty="0"/>
               <a:pPr/>
-              <a:t>3/15/2022</a:t>
+              <a:t>3/16/2022</a:t>
             </a:fld>
             <a:endParaRPr lang="en-US" dirty="0"/>
           </a:p>
@@ -12476,6 +12722,18 @@
   <p:clrMapOvr>
     <a:masterClrMapping/>
   </p:clrMapOvr>
+  <mc:AlternateContent xmlns:mc="http://schemas.openxmlformats.org/markup-compatibility/2006">
+    <mc:Choice xmlns:p14="http://schemas.microsoft.com/office/powerpoint/2010/main" Requires="p14">
+      <p:transition spd="slow" p14:dur="1500">
+        <p14:window dir="vert"/>
+      </p:transition>
+    </mc:Choice>
+    <mc:Fallback>
+      <p:transition spd="slow">
+        <p:fade/>
+      </p:transition>
+    </mc:Fallback>
+  </mc:AlternateContent>
 </p:sld>
 </file>
 
@@ -13393,7 +13651,7 @@
           <a:p>
             <a:r>
               <a:rPr lang="en-US" sz="3000" dirty="0"/>
-              <a:t>Third, use “</a:t>
+              <a:t>Finally, use “</a:t>
             </a:r>
             <a:r>
               <a:rPr lang="en-US" sz="3000" dirty="0" err="1"/>
@@ -13579,15 +13837,7 @@
             </a:r>
             <a:r>
               <a:rPr lang="en-US" sz="3000" dirty="0"/>
-              <a:t>’, </a:t>
-            </a:r>
-            <a:r>
-              <a:rPr lang="en-US" sz="3000" dirty="0" err="1"/>
-              <a:t>callbackfunction</a:t>
-            </a:r>
-            <a:r>
-              <a:rPr lang="en-US" sz="3000" dirty="0"/>
-              <a:t>(){}”</a:t>
+              <a:t>’, function(){}”</a:t>
             </a:r>
           </a:p>
           <a:p>
@@ -14645,18 +14895,18 @@
 </file>
 
 <file path=customXml/item2.xml><?xml version="1.0" encoding="utf-8"?>
+<p:properties xmlns:p="http://schemas.microsoft.com/office/2006/metadata/properties" xmlns:xsi="http://www.w3.org/2001/XMLSchema-instance" xmlns:pc="http://schemas.microsoft.com/office/infopath/2007/PartnerControls">
+  <documentManagement/>
+</p:properties>
+</file>
+
+<file path=customXml/item3.xml><?xml version="1.0" encoding="utf-8"?>
 <?mso-contentType ?>
 <FormTemplates xmlns="http://schemas.microsoft.com/sharepoint/v3/contenttype/forms">
   <Display>DocumentLibraryForm</Display>
   <Edit>DocumentLibraryForm</Edit>
   <New>DocumentLibraryForm</New>
 </FormTemplates>
-</file>
-
-<file path=customXml/item3.xml><?xml version="1.0" encoding="utf-8"?>
-<p:properties xmlns:p="http://schemas.microsoft.com/office/2006/metadata/properties" xmlns:xsi="http://www.w3.org/2001/XMLSchema-instance" xmlns:pc="http://schemas.microsoft.com/office/infopath/2007/PartnerControls">
-  <documentManagement/>
-</p:properties>
 </file>
 
 <file path=customXml/itemProps1.xml><?xml version="1.0" encoding="utf-8"?>
@@ -14678,25 +14928,25 @@
 </file>
 
 <file path=customXml/itemProps2.xml><?xml version="1.0" encoding="utf-8"?>
+<ds:datastoreItem xmlns:ds="http://schemas.openxmlformats.org/officeDocument/2006/customXml" ds:itemID="{4D7DF473-E457-455C-964A-71866F94C31D}">
+  <ds:schemaRefs>
+    <ds:schemaRef ds:uri="http://purl.org/dc/terms/"/>
+    <ds:schemaRef ds:uri="http://purl.org/dc/elements/1.1/"/>
+    <ds:schemaRef ds:uri="http://www.w3.org/XML/1998/namespace"/>
+    <ds:schemaRef ds:uri="http://schemas.openxmlformats.org/package/2006/metadata/core-properties"/>
+    <ds:schemaRef ds:uri="http://purl.org/dc/dcmitype/"/>
+    <ds:schemaRef ds:uri="http://schemas.microsoft.com/office/2006/documentManagement/types"/>
+    <ds:schemaRef ds:uri="afa79ede-8800-4b38-b2d4-921a0a289804"/>
+    <ds:schemaRef ds:uri="http://schemas.microsoft.com/office/infopath/2007/PartnerControls"/>
+    <ds:schemaRef ds:uri="http://schemas.microsoft.com/office/2006/metadata/properties"/>
+  </ds:schemaRefs>
+</ds:datastoreItem>
+</file>
+
+<file path=customXml/itemProps3.xml><?xml version="1.0" encoding="utf-8"?>
 <ds:datastoreItem xmlns:ds="http://schemas.openxmlformats.org/officeDocument/2006/customXml" ds:itemID="{FBF644BF-741F-4203-BDCE-6E53299E5B2C}">
   <ds:schemaRefs>
     <ds:schemaRef ds:uri="http://schemas.microsoft.com/sharepoint/v3/contenttype/forms"/>
   </ds:schemaRefs>
 </ds:datastoreItem>
-</file>
-
-<file path=customXml/itemProps3.xml><?xml version="1.0" encoding="utf-8"?>
-<ds:datastoreItem xmlns:ds="http://schemas.openxmlformats.org/officeDocument/2006/customXml" ds:itemID="{4D7DF473-E457-455C-964A-71866F94C31D}">
-  <ds:schemaRefs>
-    <ds:schemaRef ds:uri="http://schemas.openxmlformats.org/package/2006/metadata/core-properties"/>
-    <ds:schemaRef ds:uri="http://schemas.microsoft.com/office/infopath/2007/PartnerControls"/>
-    <ds:schemaRef ds:uri="http://purl.org/dc/elements/1.1/"/>
-    <ds:schemaRef ds:uri="http://www.w3.org/XML/1998/namespace"/>
-    <ds:schemaRef ds:uri="http://purl.org/dc/terms/"/>
-    <ds:schemaRef ds:uri="http://schemas.microsoft.com/office/2006/documentManagement/types"/>
-    <ds:schemaRef ds:uri="afa79ede-8800-4b38-b2d4-921a0a289804"/>
-    <ds:schemaRef ds:uri="http://schemas.microsoft.com/office/2006/metadata/properties"/>
-    <ds:schemaRef ds:uri="http://purl.org/dc/dcmitype/"/>
-  </ds:schemaRefs>
-</ds:datastoreItem>
 </file>
--- a/docpac_mar18/JasonLara/WORKING WITH JSON FILES.pptx
+++ b/docpac_mar18/JasonLara/WORKING WITH JSON FILES.pptx
@@ -13,10 +13,6 @@
     <p:sldId id="266" r:id="rId10"/>
     <p:sldId id="267" r:id="rId11"/>
     <p:sldId id="258" r:id="rId12"/>
-    <p:sldId id="263" r:id="rId13"/>
-    <p:sldId id="264" r:id="rId14"/>
-    <p:sldId id="265" r:id="rId15"/>
-    <p:sldId id="262" r:id="rId16"/>
   </p:sldIdLst>
   <p:sldSz cx="12192000" cy="6858000"/>
   <p:notesSz cx="6858000" cy="9144000"/>
@@ -127,20 +123,20 @@
 <pc:chgInfo xmlns:a="http://schemas.openxmlformats.org/drawingml/2006/main" xmlns:r="http://schemas.openxmlformats.org/officeDocument/2006/relationships" xmlns:ac="http://schemas.microsoft.com/office/drawing/2013/main/command" xmlns:pc="http://schemas.microsoft.com/office/powerpoint/2013/main/command">
   <pc:docChgLst>
     <pc:chgData name="Jason Lara" userId="51ff85d5-4e20-44a0-899f-0f4e223a4799" providerId="ADAL" clId="{B51A660A-E83B-43EF-8408-476670408962}"/>
-    <pc:docChg chg="undo custSel modSld modMainMaster">
-      <pc:chgData name="Jason Lara" userId="51ff85d5-4e20-44a0-899f-0f4e223a4799" providerId="ADAL" clId="{B51A660A-E83B-43EF-8408-476670408962}" dt="2022-03-16T18:14:23.527" v="158"/>
+    <pc:docChg chg="undo custSel delSld modSld modMainMaster">
+      <pc:chgData name="Jason Lara" userId="51ff85d5-4e20-44a0-899f-0f4e223a4799" providerId="ADAL" clId="{B51A660A-E83B-43EF-8408-476670408962}" dt="2022-03-17T15:18:46.060" v="304" actId="20577"/>
       <pc:docMkLst>
         <pc:docMk/>
       </pc:docMkLst>
       <pc:sldChg chg="modTransition">
-        <pc:chgData name="Jason Lara" userId="51ff85d5-4e20-44a0-899f-0f4e223a4799" providerId="ADAL" clId="{B51A660A-E83B-43EF-8408-476670408962}" dt="2022-03-16T18:08:28.042" v="98"/>
+        <pc:chgData name="Jason Lara" userId="51ff85d5-4e20-44a0-899f-0f4e223a4799" providerId="ADAL" clId="{B51A660A-E83B-43EF-8408-476670408962}" dt="2022-03-17T15:08:36.732" v="166"/>
         <pc:sldMkLst>
           <pc:docMk/>
           <pc:sldMk cId="2059625898" sldId="256"/>
         </pc:sldMkLst>
       </pc:sldChg>
-      <pc:sldChg chg="modSp setBg modAnim">
-        <pc:chgData name="Jason Lara" userId="51ff85d5-4e20-44a0-899f-0f4e223a4799" providerId="ADAL" clId="{B51A660A-E83B-43EF-8408-476670408962}" dt="2022-03-16T18:14:23.527" v="158"/>
+      <pc:sldChg chg="modSp modTransition setBg modAnim">
+        <pc:chgData name="Jason Lara" userId="51ff85d5-4e20-44a0-899f-0f4e223a4799" providerId="ADAL" clId="{B51A660A-E83B-43EF-8408-476670408962}" dt="2022-03-17T15:08:36.732" v="166"/>
         <pc:sldMkLst>
           <pc:docMk/>
           <pc:sldMk cId="2006070461" sldId="257"/>
@@ -162,8 +158,31 @@
           </ac:spMkLst>
         </pc:spChg>
       </pc:sldChg>
-      <pc:sldChg chg="modSp">
-        <pc:chgData name="Jason Lara" userId="51ff85d5-4e20-44a0-899f-0f4e223a4799" providerId="ADAL" clId="{B51A660A-E83B-43EF-8408-476670408962}" dt="2022-03-16T17:52:53.730" v="6" actId="20577"/>
+      <pc:sldChg chg="modSp modTransition">
+        <pc:chgData name="Jason Lara" userId="51ff85d5-4e20-44a0-899f-0f4e223a4799" providerId="ADAL" clId="{B51A660A-E83B-43EF-8408-476670408962}" dt="2022-03-17T15:18:46.060" v="304" actId="20577"/>
+        <pc:sldMkLst>
+          <pc:docMk/>
+          <pc:sldMk cId="3103083553" sldId="258"/>
+        </pc:sldMkLst>
+        <pc:spChg chg="mod">
+          <ac:chgData name="Jason Lara" userId="51ff85d5-4e20-44a0-899f-0f4e223a4799" providerId="ADAL" clId="{B51A660A-E83B-43EF-8408-476670408962}" dt="2022-03-17T15:18:18.309" v="268" actId="1076"/>
+          <ac:spMkLst>
+            <pc:docMk/>
+            <pc:sldMk cId="3103083553" sldId="258"/>
+            <ac:spMk id="2" creationId="{F52CAD65-0FE5-40F3-A379-67E19FB25BE0}"/>
+          </ac:spMkLst>
+        </pc:spChg>
+        <pc:spChg chg="mod">
+          <ac:chgData name="Jason Lara" userId="51ff85d5-4e20-44a0-899f-0f4e223a4799" providerId="ADAL" clId="{B51A660A-E83B-43EF-8408-476670408962}" dt="2022-03-17T15:18:46.060" v="304" actId="20577"/>
+          <ac:spMkLst>
+            <pc:docMk/>
+            <pc:sldMk cId="3103083553" sldId="258"/>
+            <ac:spMk id="3" creationId="{5AA4D1FB-7B43-4286-BD99-63583D56D4CC}"/>
+          </ac:spMkLst>
+        </pc:spChg>
+      </pc:sldChg>
+      <pc:sldChg chg="modSp modTransition">
+        <pc:chgData name="Jason Lara" userId="51ff85d5-4e20-44a0-899f-0f4e223a4799" providerId="ADAL" clId="{B51A660A-E83B-43EF-8408-476670408962}" dt="2022-03-17T15:08:36.732" v="166"/>
         <pc:sldMkLst>
           <pc:docMk/>
           <pc:sldMk cId="1505370653" sldId="259"/>
@@ -177,142 +196,214 @@
           </ac:spMkLst>
         </pc:spChg>
       </pc:sldChg>
-      <pc:sldMasterChg chg="setBg modSldLayout">
-        <pc:chgData name="Jason Lara" userId="51ff85d5-4e20-44a0-899f-0f4e223a4799" providerId="ADAL" clId="{B51A660A-E83B-43EF-8408-476670408962}" dt="2022-03-16T18:10:33.615" v="140"/>
+      <pc:sldChg chg="modTransition">
+        <pc:chgData name="Jason Lara" userId="51ff85d5-4e20-44a0-899f-0f4e223a4799" providerId="ADAL" clId="{B51A660A-E83B-43EF-8408-476670408962}" dt="2022-03-17T15:08:36.732" v="166"/>
+        <pc:sldMkLst>
+          <pc:docMk/>
+          <pc:sldMk cId="1270365414" sldId="260"/>
+        </pc:sldMkLst>
+      </pc:sldChg>
+      <pc:sldChg chg="modTransition">
+        <pc:chgData name="Jason Lara" userId="51ff85d5-4e20-44a0-899f-0f4e223a4799" providerId="ADAL" clId="{B51A660A-E83B-43EF-8408-476670408962}" dt="2022-03-17T15:08:36.732" v="166"/>
+        <pc:sldMkLst>
+          <pc:docMk/>
+          <pc:sldMk cId="2812791888" sldId="261"/>
+        </pc:sldMkLst>
+      </pc:sldChg>
+      <pc:sldChg chg="del modTransition">
+        <pc:chgData name="Jason Lara" userId="51ff85d5-4e20-44a0-899f-0f4e223a4799" providerId="ADAL" clId="{B51A660A-E83B-43EF-8408-476670408962}" dt="2022-03-17T15:17:57.968" v="262" actId="2696"/>
+        <pc:sldMkLst>
+          <pc:docMk/>
+          <pc:sldMk cId="2834072595" sldId="262"/>
+        </pc:sldMkLst>
+      </pc:sldChg>
+      <pc:sldChg chg="del modTransition">
+        <pc:chgData name="Jason Lara" userId="51ff85d5-4e20-44a0-899f-0f4e223a4799" providerId="ADAL" clId="{B51A660A-E83B-43EF-8408-476670408962}" dt="2022-03-17T15:17:59.206" v="265" actId="2696"/>
+        <pc:sldMkLst>
+          <pc:docMk/>
+          <pc:sldMk cId="3881737643" sldId="263"/>
+        </pc:sldMkLst>
+      </pc:sldChg>
+      <pc:sldChg chg="del modTransition">
+        <pc:chgData name="Jason Lara" userId="51ff85d5-4e20-44a0-899f-0f4e223a4799" providerId="ADAL" clId="{B51A660A-E83B-43EF-8408-476670408962}" dt="2022-03-17T15:17:58.752" v="264" actId="2696"/>
+        <pc:sldMkLst>
+          <pc:docMk/>
+          <pc:sldMk cId="1574493494" sldId="264"/>
+        </pc:sldMkLst>
+      </pc:sldChg>
+      <pc:sldChg chg="del modTransition">
+        <pc:chgData name="Jason Lara" userId="51ff85d5-4e20-44a0-899f-0f4e223a4799" providerId="ADAL" clId="{B51A660A-E83B-43EF-8408-476670408962}" dt="2022-03-17T15:17:58.392" v="263" actId="2696"/>
+        <pc:sldMkLst>
+          <pc:docMk/>
+          <pc:sldMk cId="3892617243" sldId="265"/>
+        </pc:sldMkLst>
+      </pc:sldChg>
+      <pc:sldChg chg="modSp modTransition">
+        <pc:chgData name="Jason Lara" userId="51ff85d5-4e20-44a0-899f-0f4e223a4799" providerId="ADAL" clId="{B51A660A-E83B-43EF-8408-476670408962}" dt="2022-03-17T15:10:16.510" v="176" actId="20577"/>
+        <pc:sldMkLst>
+          <pc:docMk/>
+          <pc:sldMk cId="3090943674" sldId="266"/>
+        </pc:sldMkLst>
+        <pc:spChg chg="mod">
+          <ac:chgData name="Jason Lara" userId="51ff85d5-4e20-44a0-899f-0f4e223a4799" providerId="ADAL" clId="{B51A660A-E83B-43EF-8408-476670408962}" dt="2022-03-17T15:10:16.510" v="176" actId="20577"/>
+          <ac:spMkLst>
+            <pc:docMk/>
+            <pc:sldMk cId="3090943674" sldId="266"/>
+            <ac:spMk id="3" creationId="{4081068C-7405-4FDD-98CF-EEFC11DAB643}"/>
+          </ac:spMkLst>
+        </pc:spChg>
+      </pc:sldChg>
+      <pc:sldChg chg="modSp modTransition">
+        <pc:chgData name="Jason Lara" userId="51ff85d5-4e20-44a0-899f-0f4e223a4799" providerId="ADAL" clId="{B51A660A-E83B-43EF-8408-476670408962}" dt="2022-03-17T15:09:52.641" v="167" actId="20577"/>
+        <pc:sldMkLst>
+          <pc:docMk/>
+          <pc:sldMk cId="4221514207" sldId="267"/>
+        </pc:sldMkLst>
+        <pc:spChg chg="mod">
+          <ac:chgData name="Jason Lara" userId="51ff85d5-4e20-44a0-899f-0f4e223a4799" providerId="ADAL" clId="{B51A660A-E83B-43EF-8408-476670408962}" dt="2022-03-17T15:09:52.641" v="167" actId="20577"/>
+          <ac:spMkLst>
+            <pc:docMk/>
+            <pc:sldMk cId="4221514207" sldId="267"/>
+            <ac:spMk id="3" creationId="{56040F71-E6F1-4B20-B24D-AEBBAD2F371B}"/>
+          </ac:spMkLst>
+        </pc:spChg>
+      </pc:sldChg>
+      <pc:sldMasterChg chg="modTransition setBg modSldLayout">
+        <pc:chgData name="Jason Lara" userId="51ff85d5-4e20-44a0-899f-0f4e223a4799" providerId="ADAL" clId="{B51A660A-E83B-43EF-8408-476670408962}" dt="2022-03-17T15:08:36.732" v="166"/>
         <pc:sldMasterMkLst>
           <pc:docMk/>
           <pc:sldMasterMk cId="0" sldId="2147483648"/>
         </pc:sldMasterMkLst>
-        <pc:sldLayoutChg chg="setBg">
-          <pc:chgData name="Jason Lara" userId="51ff85d5-4e20-44a0-899f-0f4e223a4799" providerId="ADAL" clId="{B51A660A-E83B-43EF-8408-476670408962}" dt="2022-03-16T18:10:33.615" v="140"/>
+        <pc:sldLayoutChg chg="modTransition setBg">
+          <pc:chgData name="Jason Lara" userId="51ff85d5-4e20-44a0-899f-0f4e223a4799" providerId="ADAL" clId="{B51A660A-E83B-43EF-8408-476670408962}" dt="2022-03-17T15:08:36.732" v="166"/>
           <pc:sldLayoutMkLst>
             <pc:docMk/>
             <pc:sldMasterMk cId="0" sldId="2147483648"/>
             <pc:sldLayoutMk cId="0" sldId="2147483649"/>
           </pc:sldLayoutMkLst>
         </pc:sldLayoutChg>
-        <pc:sldLayoutChg chg="setBg">
-          <pc:chgData name="Jason Lara" userId="51ff85d5-4e20-44a0-899f-0f4e223a4799" providerId="ADAL" clId="{B51A660A-E83B-43EF-8408-476670408962}" dt="2022-03-16T18:10:33.615" v="140"/>
+        <pc:sldLayoutChg chg="modTransition setBg">
+          <pc:chgData name="Jason Lara" userId="51ff85d5-4e20-44a0-899f-0f4e223a4799" providerId="ADAL" clId="{B51A660A-E83B-43EF-8408-476670408962}" dt="2022-03-17T15:08:36.732" v="166"/>
           <pc:sldLayoutMkLst>
             <pc:docMk/>
             <pc:sldMasterMk cId="0" sldId="2147483648"/>
             <pc:sldLayoutMk cId="0" sldId="2147483650"/>
           </pc:sldLayoutMkLst>
         </pc:sldLayoutChg>
-        <pc:sldLayoutChg chg="setBg">
-          <pc:chgData name="Jason Lara" userId="51ff85d5-4e20-44a0-899f-0f4e223a4799" providerId="ADAL" clId="{B51A660A-E83B-43EF-8408-476670408962}" dt="2022-03-16T18:10:33.615" v="140"/>
+        <pc:sldLayoutChg chg="modTransition setBg">
+          <pc:chgData name="Jason Lara" userId="51ff85d5-4e20-44a0-899f-0f4e223a4799" providerId="ADAL" clId="{B51A660A-E83B-43EF-8408-476670408962}" dt="2022-03-17T15:08:36.732" v="166"/>
           <pc:sldLayoutMkLst>
             <pc:docMk/>
             <pc:sldMasterMk cId="0" sldId="2147483648"/>
             <pc:sldLayoutMk cId="0" sldId="2147483651"/>
           </pc:sldLayoutMkLst>
         </pc:sldLayoutChg>
-        <pc:sldLayoutChg chg="setBg">
-          <pc:chgData name="Jason Lara" userId="51ff85d5-4e20-44a0-899f-0f4e223a4799" providerId="ADAL" clId="{B51A660A-E83B-43EF-8408-476670408962}" dt="2022-03-16T18:10:33.615" v="140"/>
+        <pc:sldLayoutChg chg="modTransition setBg">
+          <pc:chgData name="Jason Lara" userId="51ff85d5-4e20-44a0-899f-0f4e223a4799" providerId="ADAL" clId="{B51A660A-E83B-43EF-8408-476670408962}" dt="2022-03-17T15:08:36.732" v="166"/>
           <pc:sldLayoutMkLst>
             <pc:docMk/>
             <pc:sldMasterMk cId="0" sldId="2147483648"/>
             <pc:sldLayoutMk cId="0" sldId="2147483652"/>
           </pc:sldLayoutMkLst>
         </pc:sldLayoutChg>
-        <pc:sldLayoutChg chg="setBg">
-          <pc:chgData name="Jason Lara" userId="51ff85d5-4e20-44a0-899f-0f4e223a4799" providerId="ADAL" clId="{B51A660A-E83B-43EF-8408-476670408962}" dt="2022-03-16T18:10:33.615" v="140"/>
+        <pc:sldLayoutChg chg="modTransition setBg">
+          <pc:chgData name="Jason Lara" userId="51ff85d5-4e20-44a0-899f-0f4e223a4799" providerId="ADAL" clId="{B51A660A-E83B-43EF-8408-476670408962}" dt="2022-03-17T15:08:36.732" v="166"/>
           <pc:sldLayoutMkLst>
             <pc:docMk/>
             <pc:sldMasterMk cId="0" sldId="2147483648"/>
             <pc:sldLayoutMk cId="0" sldId="2147483653"/>
           </pc:sldLayoutMkLst>
         </pc:sldLayoutChg>
-        <pc:sldLayoutChg chg="setBg">
-          <pc:chgData name="Jason Lara" userId="51ff85d5-4e20-44a0-899f-0f4e223a4799" providerId="ADAL" clId="{B51A660A-E83B-43EF-8408-476670408962}" dt="2022-03-16T18:10:33.615" v="140"/>
+        <pc:sldLayoutChg chg="modTransition setBg">
+          <pc:chgData name="Jason Lara" userId="51ff85d5-4e20-44a0-899f-0f4e223a4799" providerId="ADAL" clId="{B51A660A-E83B-43EF-8408-476670408962}" dt="2022-03-17T15:08:36.732" v="166"/>
           <pc:sldLayoutMkLst>
             <pc:docMk/>
             <pc:sldMasterMk cId="0" sldId="2147483648"/>
             <pc:sldLayoutMk cId="0" sldId="2147483654"/>
           </pc:sldLayoutMkLst>
         </pc:sldLayoutChg>
-        <pc:sldLayoutChg chg="setBg">
-          <pc:chgData name="Jason Lara" userId="51ff85d5-4e20-44a0-899f-0f4e223a4799" providerId="ADAL" clId="{B51A660A-E83B-43EF-8408-476670408962}" dt="2022-03-16T18:10:33.615" v="140"/>
+        <pc:sldLayoutChg chg="modTransition setBg">
+          <pc:chgData name="Jason Lara" userId="51ff85d5-4e20-44a0-899f-0f4e223a4799" providerId="ADAL" clId="{B51A660A-E83B-43EF-8408-476670408962}" dt="2022-03-17T15:08:36.732" v="166"/>
           <pc:sldLayoutMkLst>
             <pc:docMk/>
             <pc:sldMasterMk cId="0" sldId="2147483648"/>
             <pc:sldLayoutMk cId="0" sldId="2147483655"/>
           </pc:sldLayoutMkLst>
         </pc:sldLayoutChg>
-        <pc:sldLayoutChg chg="setBg">
-          <pc:chgData name="Jason Lara" userId="51ff85d5-4e20-44a0-899f-0f4e223a4799" providerId="ADAL" clId="{B51A660A-E83B-43EF-8408-476670408962}" dt="2022-03-16T18:10:33.615" v="140"/>
+        <pc:sldLayoutChg chg="modTransition setBg">
+          <pc:chgData name="Jason Lara" userId="51ff85d5-4e20-44a0-899f-0f4e223a4799" providerId="ADAL" clId="{B51A660A-E83B-43EF-8408-476670408962}" dt="2022-03-17T15:08:36.732" v="166"/>
           <pc:sldLayoutMkLst>
             <pc:docMk/>
             <pc:sldMasterMk cId="0" sldId="2147483648"/>
             <pc:sldLayoutMk cId="0" sldId="2147483656"/>
           </pc:sldLayoutMkLst>
         </pc:sldLayoutChg>
-        <pc:sldLayoutChg chg="setBg">
-          <pc:chgData name="Jason Lara" userId="51ff85d5-4e20-44a0-899f-0f4e223a4799" providerId="ADAL" clId="{B51A660A-E83B-43EF-8408-476670408962}" dt="2022-03-16T18:10:33.615" v="140"/>
+        <pc:sldLayoutChg chg="modTransition setBg">
+          <pc:chgData name="Jason Lara" userId="51ff85d5-4e20-44a0-899f-0f4e223a4799" providerId="ADAL" clId="{B51A660A-E83B-43EF-8408-476670408962}" dt="2022-03-17T15:08:36.732" v="166"/>
           <pc:sldLayoutMkLst>
             <pc:docMk/>
             <pc:sldMasterMk cId="0" sldId="2147483648"/>
             <pc:sldLayoutMk cId="0" sldId="2147483657"/>
           </pc:sldLayoutMkLst>
         </pc:sldLayoutChg>
-        <pc:sldLayoutChg chg="setBg">
-          <pc:chgData name="Jason Lara" userId="51ff85d5-4e20-44a0-899f-0f4e223a4799" providerId="ADAL" clId="{B51A660A-E83B-43EF-8408-476670408962}" dt="2022-03-16T18:10:33.615" v="140"/>
+        <pc:sldLayoutChg chg="modTransition setBg">
+          <pc:chgData name="Jason Lara" userId="51ff85d5-4e20-44a0-899f-0f4e223a4799" providerId="ADAL" clId="{B51A660A-E83B-43EF-8408-476670408962}" dt="2022-03-17T15:08:36.732" v="166"/>
           <pc:sldLayoutMkLst>
             <pc:docMk/>
             <pc:sldMasterMk cId="0" sldId="2147483648"/>
             <pc:sldLayoutMk cId="0" sldId="2147483658"/>
           </pc:sldLayoutMkLst>
         </pc:sldLayoutChg>
-        <pc:sldLayoutChg chg="setBg">
-          <pc:chgData name="Jason Lara" userId="51ff85d5-4e20-44a0-899f-0f4e223a4799" providerId="ADAL" clId="{B51A660A-E83B-43EF-8408-476670408962}" dt="2022-03-16T18:10:33.615" v="140"/>
+        <pc:sldLayoutChg chg="modTransition setBg">
+          <pc:chgData name="Jason Lara" userId="51ff85d5-4e20-44a0-899f-0f4e223a4799" providerId="ADAL" clId="{B51A660A-E83B-43EF-8408-476670408962}" dt="2022-03-17T15:08:36.732" v="166"/>
           <pc:sldLayoutMkLst>
             <pc:docMk/>
             <pc:sldMasterMk cId="0" sldId="2147483648"/>
             <pc:sldLayoutMk cId="0" sldId="2147483659"/>
           </pc:sldLayoutMkLst>
         </pc:sldLayoutChg>
-        <pc:sldLayoutChg chg="setBg">
-          <pc:chgData name="Jason Lara" userId="51ff85d5-4e20-44a0-899f-0f4e223a4799" providerId="ADAL" clId="{B51A660A-E83B-43EF-8408-476670408962}" dt="2022-03-16T18:10:33.615" v="140"/>
+        <pc:sldLayoutChg chg="modTransition setBg">
+          <pc:chgData name="Jason Lara" userId="51ff85d5-4e20-44a0-899f-0f4e223a4799" providerId="ADAL" clId="{B51A660A-E83B-43EF-8408-476670408962}" dt="2022-03-17T15:08:36.732" v="166"/>
           <pc:sldLayoutMkLst>
             <pc:docMk/>
             <pc:sldMasterMk cId="0" sldId="2147483648"/>
             <pc:sldLayoutMk cId="0" sldId="2147483660"/>
           </pc:sldLayoutMkLst>
         </pc:sldLayoutChg>
-        <pc:sldLayoutChg chg="setBg">
-          <pc:chgData name="Jason Lara" userId="51ff85d5-4e20-44a0-899f-0f4e223a4799" providerId="ADAL" clId="{B51A660A-E83B-43EF-8408-476670408962}" dt="2022-03-16T18:10:33.615" v="140"/>
+        <pc:sldLayoutChg chg="modTransition setBg">
+          <pc:chgData name="Jason Lara" userId="51ff85d5-4e20-44a0-899f-0f4e223a4799" providerId="ADAL" clId="{B51A660A-E83B-43EF-8408-476670408962}" dt="2022-03-17T15:08:36.732" v="166"/>
           <pc:sldLayoutMkLst>
             <pc:docMk/>
             <pc:sldMasterMk cId="0" sldId="2147483648"/>
             <pc:sldLayoutMk cId="0" sldId="2147483661"/>
           </pc:sldLayoutMkLst>
         </pc:sldLayoutChg>
-        <pc:sldLayoutChg chg="setBg">
-          <pc:chgData name="Jason Lara" userId="51ff85d5-4e20-44a0-899f-0f4e223a4799" providerId="ADAL" clId="{B51A660A-E83B-43EF-8408-476670408962}" dt="2022-03-16T18:10:33.615" v="140"/>
+        <pc:sldLayoutChg chg="modTransition setBg">
+          <pc:chgData name="Jason Lara" userId="51ff85d5-4e20-44a0-899f-0f4e223a4799" providerId="ADAL" clId="{B51A660A-E83B-43EF-8408-476670408962}" dt="2022-03-17T15:08:36.732" v="166"/>
           <pc:sldLayoutMkLst>
             <pc:docMk/>
             <pc:sldMasterMk cId="0" sldId="2147483648"/>
             <pc:sldLayoutMk cId="0" sldId="2147483663"/>
           </pc:sldLayoutMkLst>
         </pc:sldLayoutChg>
-        <pc:sldLayoutChg chg="setBg">
-          <pc:chgData name="Jason Lara" userId="51ff85d5-4e20-44a0-899f-0f4e223a4799" providerId="ADAL" clId="{B51A660A-E83B-43EF-8408-476670408962}" dt="2022-03-16T18:10:33.615" v="140"/>
+        <pc:sldLayoutChg chg="modTransition setBg">
+          <pc:chgData name="Jason Lara" userId="51ff85d5-4e20-44a0-899f-0f4e223a4799" providerId="ADAL" clId="{B51A660A-E83B-43EF-8408-476670408962}" dt="2022-03-17T15:08:36.732" v="166"/>
           <pc:sldLayoutMkLst>
             <pc:docMk/>
             <pc:sldMasterMk cId="0" sldId="2147483648"/>
             <pc:sldLayoutMk cId="0" sldId="2147483666"/>
           </pc:sldLayoutMkLst>
         </pc:sldLayoutChg>
-        <pc:sldLayoutChg chg="setBg">
-          <pc:chgData name="Jason Lara" userId="51ff85d5-4e20-44a0-899f-0f4e223a4799" providerId="ADAL" clId="{B51A660A-E83B-43EF-8408-476670408962}" dt="2022-03-16T18:10:33.615" v="140"/>
+        <pc:sldLayoutChg chg="modTransition setBg">
+          <pc:chgData name="Jason Lara" userId="51ff85d5-4e20-44a0-899f-0f4e223a4799" providerId="ADAL" clId="{B51A660A-E83B-43EF-8408-476670408962}" dt="2022-03-17T15:08:36.732" v="166"/>
           <pc:sldLayoutMkLst>
             <pc:docMk/>
             <pc:sldMasterMk cId="0" sldId="2147483648"/>
             <pc:sldLayoutMk cId="0" sldId="2147483667"/>
           </pc:sldLayoutMkLst>
         </pc:sldLayoutChg>
-        <pc:sldLayoutChg chg="setBg">
-          <pc:chgData name="Jason Lara" userId="51ff85d5-4e20-44a0-899f-0f4e223a4799" providerId="ADAL" clId="{B51A660A-E83B-43EF-8408-476670408962}" dt="2022-03-16T18:10:33.615" v="140"/>
+        <pc:sldLayoutChg chg="modTransition setBg">
+          <pc:chgData name="Jason Lara" userId="51ff85d5-4e20-44a0-899f-0f4e223a4799" providerId="ADAL" clId="{B51A660A-E83B-43EF-8408-476670408962}" dt="2022-03-17T15:08:36.732" v="166"/>
           <pc:sldLayoutMkLst>
             <pc:docMk/>
             <pc:sldMasterMk cId="0" sldId="2147483648"/>
@@ -382,7 +473,7 @@
           <a:noFill/>
           <a:extLst>
             <a:ext uri="{909E8E84-426E-40dd-AFC4-6F175D3DCCD1}">
-              <a14:hiddenFill xmlns="" xmlns:a14="http://schemas.microsoft.com/office/drawing/2010/main">
+              <a14:hiddenFill xmlns:a14="http://schemas.microsoft.com/office/drawing/2010/main" xmlns="">
                 <a:solidFill>
                   <a:srgbClr val="FFFFFF"/>
                 </a:solidFill>
@@ -442,7 +533,7 @@
             </a:ln>
             <a:extLst>
               <a:ext uri="{91240B29-F687-4f45-9708-019B960494DF}">
-                <a14:hiddenLine xmlns="" xmlns:a14="http://schemas.microsoft.com/office/drawing/2010/main" w="9525">
+                <a14:hiddenLine xmlns:a14="http://schemas.microsoft.com/office/drawing/2010/main" xmlns="" w="9525">
                   <a:solidFill>
                     <a:srgbClr val="000000"/>
                   </a:solidFill>
@@ -532,7 +623,7 @@
             </a:ln>
             <a:extLst>
               <a:ext uri="{91240B29-F687-4f45-9708-019B960494DF}">
-                <a14:hiddenLine xmlns="" xmlns:a14="http://schemas.microsoft.com/office/drawing/2010/main" w="9525">
+                <a14:hiddenLine xmlns:a14="http://schemas.microsoft.com/office/drawing/2010/main" xmlns="" w="9525">
                   <a:solidFill>
                     <a:srgbClr val="000000"/>
                   </a:solidFill>
@@ -622,7 +713,7 @@
             </a:ln>
             <a:extLst>
               <a:ext uri="{91240B29-F687-4f45-9708-019B960494DF}">
-                <a14:hiddenLine xmlns="" xmlns:a14="http://schemas.microsoft.com/office/drawing/2010/main" w="9525">
+                <a14:hiddenLine xmlns:a14="http://schemas.microsoft.com/office/drawing/2010/main" xmlns="" w="9525">
                   <a:solidFill>
                     <a:srgbClr val="000000"/>
                   </a:solidFill>
@@ -656,7 +747,7 @@
             </a:ln>
             <a:extLst>
               <a:ext uri="{91240B29-F687-4f45-9708-019B960494DF}">
-                <a14:hiddenLine xmlns="" xmlns:a14="http://schemas.microsoft.com/office/drawing/2010/main" w="9525">
+                <a14:hiddenLine xmlns:a14="http://schemas.microsoft.com/office/drawing/2010/main" xmlns="" w="9525">
                   <a:solidFill>
                     <a:srgbClr val="000000"/>
                   </a:solidFill>
@@ -746,7 +837,7 @@
             </a:ln>
             <a:extLst>
               <a:ext uri="{91240B29-F687-4f45-9708-019B960494DF}">
-                <a14:hiddenLine xmlns="" xmlns:a14="http://schemas.microsoft.com/office/drawing/2010/main" w="9525">
+                <a14:hiddenLine xmlns:a14="http://schemas.microsoft.com/office/drawing/2010/main" xmlns="" w="9525">
                   <a:solidFill>
                     <a:srgbClr val="000000"/>
                   </a:solidFill>
@@ -808,7 +899,7 @@
             </a:ln>
             <a:extLst>
               <a:ext uri="{91240B29-F687-4f45-9708-019B960494DF}">
-                <a14:hiddenLine xmlns="" xmlns:a14="http://schemas.microsoft.com/office/drawing/2010/main" w="9525">
+                <a14:hiddenLine xmlns:a14="http://schemas.microsoft.com/office/drawing/2010/main" xmlns="" w="9525">
                   <a:solidFill>
                     <a:srgbClr val="000000"/>
                   </a:solidFill>
@@ -870,7 +961,7 @@
             </a:ln>
             <a:extLst>
               <a:ext uri="{91240B29-F687-4f45-9708-019B960494DF}">
-                <a14:hiddenLine xmlns="" xmlns:a14="http://schemas.microsoft.com/office/drawing/2010/main" w="9525">
+                <a14:hiddenLine xmlns:a14="http://schemas.microsoft.com/office/drawing/2010/main" xmlns="" w="9525">
                   <a:solidFill>
                     <a:srgbClr val="000000"/>
                   </a:solidFill>
@@ -960,7 +1051,7 @@
             </a:ln>
             <a:extLst>
               <a:ext uri="{91240B29-F687-4f45-9708-019B960494DF}">
-                <a14:hiddenLine xmlns="" xmlns:a14="http://schemas.microsoft.com/office/drawing/2010/main" w="9525">
+                <a14:hiddenLine xmlns:a14="http://schemas.microsoft.com/office/drawing/2010/main" xmlns="" w="9525">
                   <a:solidFill>
                     <a:srgbClr val="000000"/>
                   </a:solidFill>
@@ -1022,7 +1113,7 @@
             </a:ln>
             <a:extLst>
               <a:ext uri="{91240B29-F687-4f45-9708-019B960494DF}">
-                <a14:hiddenLine xmlns="" xmlns:a14="http://schemas.microsoft.com/office/drawing/2010/main" w="9525">
+                <a14:hiddenLine xmlns:a14="http://schemas.microsoft.com/office/drawing/2010/main" xmlns="" w="9525">
                   <a:solidFill>
                     <a:srgbClr val="000000"/>
                   </a:solidFill>
@@ -1084,7 +1175,7 @@
             </a:ln>
             <a:extLst>
               <a:ext uri="{91240B29-F687-4f45-9708-019B960494DF}">
-                <a14:hiddenLine xmlns="" xmlns:a14="http://schemas.microsoft.com/office/drawing/2010/main" w="9525">
+                <a14:hiddenLine xmlns:a14="http://schemas.microsoft.com/office/drawing/2010/main" xmlns="" w="9525">
                   <a:solidFill>
                     <a:srgbClr val="000000"/>
                   </a:solidFill>
@@ -1174,7 +1265,7 @@
             </a:ln>
             <a:extLst>
               <a:ext uri="{91240B29-F687-4f45-9708-019B960494DF}">
-                <a14:hiddenLine xmlns="" xmlns:a14="http://schemas.microsoft.com/office/drawing/2010/main" w="9525">
+                <a14:hiddenLine xmlns:a14="http://schemas.microsoft.com/office/drawing/2010/main" xmlns="" w="9525">
                   <a:solidFill>
                     <a:srgbClr val="000000"/>
                   </a:solidFill>
@@ -1264,7 +1355,7 @@
             </a:ln>
             <a:extLst>
               <a:ext uri="{91240B29-F687-4f45-9708-019B960494DF}">
-                <a14:hiddenLine xmlns="" xmlns:a14="http://schemas.microsoft.com/office/drawing/2010/main" w="9525">
+                <a14:hiddenLine xmlns:a14="http://schemas.microsoft.com/office/drawing/2010/main" xmlns="" w="9525">
                   <a:solidFill>
                     <a:srgbClr val="000000"/>
                   </a:solidFill>
@@ -1326,7 +1417,7 @@
             </a:ln>
             <a:extLst>
               <a:ext uri="{91240B29-F687-4f45-9708-019B960494DF}">
-                <a14:hiddenLine xmlns="" xmlns:a14="http://schemas.microsoft.com/office/drawing/2010/main" w="9525">
+                <a14:hiddenLine xmlns:a14="http://schemas.microsoft.com/office/drawing/2010/main" xmlns="" w="9525">
                   <a:solidFill>
                     <a:srgbClr val="000000"/>
                   </a:solidFill>
@@ -1436,7 +1527,7 @@
             </a:ln>
             <a:extLst>
               <a:ext uri="{91240B29-F687-4f45-9708-019B960494DF}">
-                <a14:hiddenLine xmlns="" xmlns:a14="http://schemas.microsoft.com/office/drawing/2010/main" w="9525">
+                <a14:hiddenLine xmlns:a14="http://schemas.microsoft.com/office/drawing/2010/main" xmlns="" w="9525">
                   <a:solidFill>
                     <a:srgbClr val="000000"/>
                   </a:solidFill>
@@ -1498,7 +1589,7 @@
             </a:ln>
             <a:extLst>
               <a:ext uri="{91240B29-F687-4f45-9708-019B960494DF}">
-                <a14:hiddenLine xmlns="" xmlns:a14="http://schemas.microsoft.com/office/drawing/2010/main" w="9525">
+                <a14:hiddenLine xmlns:a14="http://schemas.microsoft.com/office/drawing/2010/main" xmlns="" w="9525">
                   <a:solidFill>
                     <a:srgbClr val="000000"/>
                   </a:solidFill>
@@ -1588,7 +1679,7 @@
             </a:ln>
             <a:extLst>
               <a:ext uri="{91240B29-F687-4f45-9708-019B960494DF}">
-                <a14:hiddenLine xmlns="" xmlns:a14="http://schemas.microsoft.com/office/drawing/2010/main" w="9525">
+                <a14:hiddenLine xmlns:a14="http://schemas.microsoft.com/office/drawing/2010/main" xmlns="" w="9525">
                   <a:solidFill>
                     <a:srgbClr val="000000"/>
                   </a:solidFill>
@@ -1678,7 +1769,7 @@
             </a:ln>
             <a:extLst>
               <a:ext uri="{91240B29-F687-4f45-9708-019B960494DF}">
-                <a14:hiddenLine xmlns="" xmlns:a14="http://schemas.microsoft.com/office/drawing/2010/main" w="9525">
+                <a14:hiddenLine xmlns:a14="http://schemas.microsoft.com/office/drawing/2010/main" xmlns="" w="9525">
                   <a:solidFill>
                     <a:srgbClr val="000000"/>
                   </a:solidFill>
@@ -1740,7 +1831,7 @@
             </a:ln>
             <a:extLst>
               <a:ext uri="{91240B29-F687-4f45-9708-019B960494DF}">
-                <a14:hiddenLine xmlns="" xmlns:a14="http://schemas.microsoft.com/office/drawing/2010/main" w="9525">
+                <a14:hiddenLine xmlns:a14="http://schemas.microsoft.com/office/drawing/2010/main" xmlns="" w="9525">
                   <a:solidFill>
                     <a:srgbClr val="000000"/>
                   </a:solidFill>
@@ -1830,7 +1921,7 @@
             </a:ln>
             <a:extLst>
               <a:ext uri="{91240B29-F687-4f45-9708-019B960494DF}">
-                <a14:hiddenLine xmlns="" xmlns:a14="http://schemas.microsoft.com/office/drawing/2010/main" w="9525">
+                <a14:hiddenLine xmlns:a14="http://schemas.microsoft.com/office/drawing/2010/main" xmlns="" w="9525">
                   <a:solidFill>
                     <a:srgbClr val="000000"/>
                   </a:solidFill>
@@ -1920,7 +2011,7 @@
             </a:ln>
             <a:extLst>
               <a:ext uri="{91240B29-F687-4f45-9708-019B960494DF}">
-                <a14:hiddenLine xmlns="" xmlns:a14="http://schemas.microsoft.com/office/drawing/2010/main" w="9525">
+                <a14:hiddenLine xmlns:a14="http://schemas.microsoft.com/office/drawing/2010/main" xmlns="" w="9525">
                   <a:solidFill>
                     <a:srgbClr val="000000"/>
                   </a:solidFill>
@@ -1976,7 +2067,7 @@
             </a:ln>
             <a:extLst>
               <a:ext uri="{91240B29-F687-4f45-9708-019B960494DF}">
-                <a14:hiddenLine xmlns="" xmlns:a14="http://schemas.microsoft.com/office/drawing/2010/main" w="9525">
+                <a14:hiddenLine xmlns:a14="http://schemas.microsoft.com/office/drawing/2010/main" xmlns="" w="9525">
                   <a:solidFill>
                     <a:srgbClr val="000000"/>
                   </a:solidFill>
@@ -2066,7 +2157,7 @@
             </a:ln>
             <a:extLst>
               <a:ext uri="{91240B29-F687-4f45-9708-019B960494DF}">
-                <a14:hiddenLine xmlns="" xmlns:a14="http://schemas.microsoft.com/office/drawing/2010/main" w="9525">
+                <a14:hiddenLine xmlns:a14="http://schemas.microsoft.com/office/drawing/2010/main" xmlns="" w="9525">
                   <a:solidFill>
                     <a:srgbClr val="000000"/>
                   </a:solidFill>
@@ -2122,7 +2213,7 @@
             </a:ln>
             <a:extLst>
               <a:ext uri="{91240B29-F687-4f45-9708-019B960494DF}">
-                <a14:hiddenLine xmlns="" xmlns:a14="http://schemas.microsoft.com/office/drawing/2010/main" w="9525">
+                <a14:hiddenLine xmlns:a14="http://schemas.microsoft.com/office/drawing/2010/main" xmlns="" w="9525">
                   <a:solidFill>
                     <a:srgbClr val="000000"/>
                   </a:solidFill>
@@ -2212,7 +2303,7 @@
             </a:ln>
             <a:extLst>
               <a:ext uri="{91240B29-F687-4f45-9708-019B960494DF}">
-                <a14:hiddenLine xmlns="" xmlns:a14="http://schemas.microsoft.com/office/drawing/2010/main" w="9525">
+                <a14:hiddenLine xmlns:a14="http://schemas.microsoft.com/office/drawing/2010/main" xmlns="" w="9525">
                   <a:solidFill>
                     <a:srgbClr val="000000"/>
                   </a:solidFill>
@@ -2280,7 +2371,7 @@
             </a:ln>
             <a:extLst>
               <a:ext uri="{91240B29-F687-4f45-9708-019B960494DF}">
-                <a14:hiddenLine xmlns="" xmlns:a14="http://schemas.microsoft.com/office/drawing/2010/main" w="9525">
+                <a14:hiddenLine xmlns:a14="http://schemas.microsoft.com/office/drawing/2010/main" xmlns="" w="9525">
                   <a:solidFill>
                     <a:srgbClr val="000000"/>
                   </a:solidFill>
@@ -2370,7 +2461,7 @@
             </a:ln>
             <a:extLst>
               <a:ext uri="{91240B29-F687-4f45-9708-019B960494DF}">
-                <a14:hiddenLine xmlns="" xmlns:a14="http://schemas.microsoft.com/office/drawing/2010/main" w="9525">
+                <a14:hiddenLine xmlns:a14="http://schemas.microsoft.com/office/drawing/2010/main" xmlns="" w="9525">
                   <a:solidFill>
                     <a:srgbClr val="000000"/>
                   </a:solidFill>
@@ -2438,7 +2529,7 @@
             </a:ln>
             <a:extLst>
               <a:ext uri="{91240B29-F687-4f45-9708-019B960494DF}">
-                <a14:hiddenLine xmlns="" xmlns:a14="http://schemas.microsoft.com/office/drawing/2010/main" w="9525">
+                <a14:hiddenLine xmlns:a14="http://schemas.microsoft.com/office/drawing/2010/main" xmlns="" w="9525">
                   <a:solidFill>
                     <a:srgbClr val="000000"/>
                   </a:solidFill>
@@ -2528,7 +2619,7 @@
             </a:ln>
             <a:extLst>
               <a:ext uri="{91240B29-F687-4f45-9708-019B960494DF}">
-                <a14:hiddenLine xmlns="" xmlns:a14="http://schemas.microsoft.com/office/drawing/2010/main" w="9525">
+                <a14:hiddenLine xmlns:a14="http://schemas.microsoft.com/office/drawing/2010/main" xmlns="" w="9525">
                   <a:solidFill>
                     <a:srgbClr val="000000"/>
                   </a:solidFill>
@@ -2562,7 +2653,7 @@
             </a:ln>
             <a:extLst>
               <a:ext uri="{91240B29-F687-4f45-9708-019B960494DF}">
-                <a14:hiddenLine xmlns="" xmlns:a14="http://schemas.microsoft.com/office/drawing/2010/main" w="9525">
+                <a14:hiddenLine xmlns:a14="http://schemas.microsoft.com/office/drawing/2010/main" xmlns="" w="9525">
                   <a:solidFill>
                     <a:srgbClr val="000000"/>
                   </a:solidFill>
@@ -2652,7 +2743,7 @@
             </a:ln>
             <a:extLst>
               <a:ext uri="{91240B29-F687-4f45-9708-019B960494DF}">
-                <a14:hiddenLine xmlns="" xmlns:a14="http://schemas.microsoft.com/office/drawing/2010/main" w="9525">
+                <a14:hiddenLine xmlns:a14="http://schemas.microsoft.com/office/drawing/2010/main" xmlns="" w="9525">
                   <a:solidFill>
                     <a:srgbClr val="000000"/>
                   </a:solidFill>
@@ -2714,7 +2805,7 @@
             </a:ln>
             <a:extLst>
               <a:ext uri="{91240B29-F687-4f45-9708-019B960494DF}">
-                <a14:hiddenLine xmlns="" xmlns:a14="http://schemas.microsoft.com/office/drawing/2010/main" w="9525">
+                <a14:hiddenLine xmlns:a14="http://schemas.microsoft.com/office/drawing/2010/main" xmlns="" w="9525">
                   <a:solidFill>
                     <a:srgbClr val="000000"/>
                   </a:solidFill>
@@ -2776,7 +2867,7 @@
             </a:ln>
             <a:extLst>
               <a:ext uri="{91240B29-F687-4f45-9708-019B960494DF}">
-                <a14:hiddenLine xmlns="" xmlns:a14="http://schemas.microsoft.com/office/drawing/2010/main" w="9525">
+                <a14:hiddenLine xmlns:a14="http://schemas.microsoft.com/office/drawing/2010/main" xmlns="" w="9525">
                   <a:solidFill>
                     <a:srgbClr val="000000"/>
                   </a:solidFill>
@@ -2866,7 +2957,7 @@
             </a:ln>
             <a:extLst>
               <a:ext uri="{91240B29-F687-4f45-9708-019B960494DF}">
-                <a14:hiddenLine xmlns="" xmlns:a14="http://schemas.microsoft.com/office/drawing/2010/main" w="9525">
+                <a14:hiddenLine xmlns:a14="http://schemas.microsoft.com/office/drawing/2010/main" xmlns="" w="9525">
                   <a:solidFill>
                     <a:srgbClr val="000000"/>
                   </a:solidFill>
@@ -2934,7 +3025,7 @@
             </a:ln>
             <a:extLst>
               <a:ext uri="{91240B29-F687-4f45-9708-019B960494DF}">
-                <a14:hiddenLine xmlns="" xmlns:a14="http://schemas.microsoft.com/office/drawing/2010/main" w="9525">
+                <a14:hiddenLine xmlns:a14="http://schemas.microsoft.com/office/drawing/2010/main" xmlns="" w="9525">
                   <a:solidFill>
                     <a:srgbClr val="000000"/>
                   </a:solidFill>
@@ -2996,7 +3087,7 @@
             </a:ln>
             <a:extLst>
               <a:ext uri="{91240B29-F687-4f45-9708-019B960494DF}">
-                <a14:hiddenLine xmlns="" xmlns:a14="http://schemas.microsoft.com/office/drawing/2010/main" w="9525">
+                <a14:hiddenLine xmlns:a14="http://schemas.microsoft.com/office/drawing/2010/main" xmlns="" w="9525">
                   <a:solidFill>
                     <a:srgbClr val="000000"/>
                   </a:solidFill>
@@ -3086,7 +3177,7 @@
             </a:ln>
             <a:extLst>
               <a:ext uri="{91240B29-F687-4f45-9708-019B960494DF}">
-                <a14:hiddenLine xmlns="" xmlns:a14="http://schemas.microsoft.com/office/drawing/2010/main" w="9525">
+                <a14:hiddenLine xmlns:a14="http://schemas.microsoft.com/office/drawing/2010/main" xmlns="" w="9525">
                   <a:solidFill>
                     <a:srgbClr val="000000"/>
                   </a:solidFill>
@@ -3148,7 +3239,7 @@
             </a:ln>
             <a:extLst>
               <a:ext uri="{91240B29-F687-4f45-9708-019B960494DF}">
-                <a14:hiddenLine xmlns="" xmlns:a14="http://schemas.microsoft.com/office/drawing/2010/main" w="9525">
+                <a14:hiddenLine xmlns:a14="http://schemas.microsoft.com/office/drawing/2010/main" xmlns="" w="9525">
                   <a:solidFill>
                     <a:srgbClr val="000000"/>
                   </a:solidFill>
@@ -3238,7 +3329,7 @@
             </a:ln>
             <a:extLst>
               <a:ext uri="{91240B29-F687-4f45-9708-019B960494DF}">
-                <a14:hiddenLine xmlns="" xmlns:a14="http://schemas.microsoft.com/office/drawing/2010/main" w="9525">
+                <a14:hiddenLine xmlns:a14="http://schemas.microsoft.com/office/drawing/2010/main" xmlns="" w="9525">
                   <a:solidFill>
                     <a:srgbClr val="000000"/>
                   </a:solidFill>
@@ -3300,7 +3391,7 @@
             </a:ln>
             <a:extLst>
               <a:ext uri="{91240B29-F687-4f45-9708-019B960494DF}">
-                <a14:hiddenLine xmlns="" xmlns:a14="http://schemas.microsoft.com/office/drawing/2010/main" w="9525">
+                <a14:hiddenLine xmlns:a14="http://schemas.microsoft.com/office/drawing/2010/main" xmlns="" w="9525">
                   <a:solidFill>
                     <a:srgbClr val="000000"/>
                   </a:solidFill>
@@ -3390,7 +3481,7 @@
             </a:ln>
             <a:extLst>
               <a:ext uri="{91240B29-F687-4f45-9708-019B960494DF}">
-                <a14:hiddenLine xmlns="" xmlns:a14="http://schemas.microsoft.com/office/drawing/2010/main" w="9525">
+                <a14:hiddenLine xmlns:a14="http://schemas.microsoft.com/office/drawing/2010/main" xmlns="" w="9525">
                   <a:solidFill>
                     <a:srgbClr val="000000"/>
                   </a:solidFill>
@@ -3424,7 +3515,7 @@
             </a:ln>
             <a:extLst>
               <a:ext uri="{91240B29-F687-4f45-9708-019B960494DF}">
-                <a14:hiddenLine xmlns="" xmlns:a14="http://schemas.microsoft.com/office/drawing/2010/main" w="9525">
+                <a14:hiddenLine xmlns:a14="http://schemas.microsoft.com/office/drawing/2010/main" xmlns="" w="9525">
                   <a:solidFill>
                     <a:srgbClr val="000000"/>
                   </a:solidFill>
@@ -3489,7 +3580,7 @@
             </a:ln>
             <a:extLst>
               <a:ext uri="{91240B29-F687-4f45-9708-019B960494DF}">
-                <a14:hiddenLine xmlns="" xmlns:a14="http://schemas.microsoft.com/office/drawing/2010/main" w="9525">
+                <a14:hiddenLine xmlns:a14="http://schemas.microsoft.com/office/drawing/2010/main" xmlns="" w="9525">
                   <a:solidFill>
                     <a:srgbClr val="000000"/>
                   </a:solidFill>
@@ -3579,7 +3670,7 @@
             </a:ln>
             <a:extLst>
               <a:ext uri="{91240B29-F687-4f45-9708-019B960494DF}">
-                <a14:hiddenLine xmlns="" xmlns:a14="http://schemas.microsoft.com/office/drawing/2010/main" w="9525">
+                <a14:hiddenLine xmlns:a14="http://schemas.microsoft.com/office/drawing/2010/main" xmlns="" w="9525">
                   <a:solidFill>
                     <a:srgbClr val="000000"/>
                   </a:solidFill>
@@ -3641,7 +3732,7 @@
             </a:ln>
             <a:extLst>
               <a:ext uri="{91240B29-F687-4f45-9708-019B960494DF}">
-                <a14:hiddenLine xmlns="" xmlns:a14="http://schemas.microsoft.com/office/drawing/2010/main" w="9525">
+                <a14:hiddenLine xmlns:a14="http://schemas.microsoft.com/office/drawing/2010/main" xmlns="" w="9525">
                   <a:solidFill>
                     <a:srgbClr val="000000"/>
                   </a:solidFill>
@@ -3731,7 +3822,7 @@
             </a:ln>
             <a:extLst>
               <a:ext uri="{91240B29-F687-4f45-9708-019B960494DF}">
-                <a14:hiddenLine xmlns="" xmlns:a14="http://schemas.microsoft.com/office/drawing/2010/main" w="9525">
+                <a14:hiddenLine xmlns:a14="http://schemas.microsoft.com/office/drawing/2010/main" xmlns="" w="9525">
                   <a:solidFill>
                     <a:srgbClr val="000000"/>
                   </a:solidFill>
@@ -3821,7 +3912,7 @@
             </a:ln>
             <a:extLst>
               <a:ext uri="{91240B29-F687-4f45-9708-019B960494DF}">
-                <a14:hiddenLine xmlns="" xmlns:a14="http://schemas.microsoft.com/office/drawing/2010/main" w="9525">
+                <a14:hiddenLine xmlns:a14="http://schemas.microsoft.com/office/drawing/2010/main" xmlns="" w="9525">
                   <a:solidFill>
                     <a:srgbClr val="000000"/>
                   </a:solidFill>
@@ -3886,7 +3977,7 @@
             </a:ln>
             <a:extLst>
               <a:ext uri="{91240B29-F687-4f45-9708-019B960494DF}">
-                <a14:hiddenLine xmlns="" xmlns:a14="http://schemas.microsoft.com/office/drawing/2010/main" w="9525">
+                <a14:hiddenLine xmlns:a14="http://schemas.microsoft.com/office/drawing/2010/main" xmlns="" w="9525">
                   <a:solidFill>
                     <a:srgbClr val="000000"/>
                   </a:solidFill>
@@ -3948,7 +4039,7 @@
             </a:ln>
             <a:extLst>
               <a:ext uri="{91240B29-F687-4f45-9708-019B960494DF}">
-                <a14:hiddenLine xmlns="" xmlns:a14="http://schemas.microsoft.com/office/drawing/2010/main" w="9525">
+                <a14:hiddenLine xmlns:a14="http://schemas.microsoft.com/office/drawing/2010/main" xmlns="" w="9525">
                   <a:solidFill>
                     <a:srgbClr val="000000"/>
                   </a:solidFill>
@@ -4038,7 +4129,7 @@
             </a:ln>
             <a:extLst>
               <a:ext uri="{91240B29-F687-4f45-9708-019B960494DF}">
-                <a14:hiddenLine xmlns="" xmlns:a14="http://schemas.microsoft.com/office/drawing/2010/main" w="9525">
+                <a14:hiddenLine xmlns:a14="http://schemas.microsoft.com/office/drawing/2010/main" xmlns="" w="9525">
                   <a:solidFill>
                     <a:srgbClr val="000000"/>
                   </a:solidFill>
@@ -4128,7 +4219,7 @@
             </a:ln>
             <a:extLst>
               <a:ext uri="{91240B29-F687-4f45-9708-019B960494DF}">
-                <a14:hiddenLine xmlns="" xmlns:a14="http://schemas.microsoft.com/office/drawing/2010/main" w="9525">
+                <a14:hiddenLine xmlns:a14="http://schemas.microsoft.com/office/drawing/2010/main" xmlns="" w="9525">
                   <a:solidFill>
                     <a:srgbClr val="000000"/>
                   </a:solidFill>
@@ -4190,7 +4281,7 @@
             </a:ln>
             <a:extLst>
               <a:ext uri="{91240B29-F687-4f45-9708-019B960494DF}">
-                <a14:hiddenLine xmlns="" xmlns:a14="http://schemas.microsoft.com/office/drawing/2010/main" w="9525">
+                <a14:hiddenLine xmlns:a14="http://schemas.microsoft.com/office/drawing/2010/main" xmlns="" w="9525">
                   <a:solidFill>
                     <a:srgbClr val="000000"/>
                   </a:solidFill>
@@ -4310,7 +4401,7 @@
             </a:ln>
             <a:extLst>
               <a:ext uri="{91240B29-F687-4f45-9708-019B960494DF}">
-                <a14:hiddenLine xmlns="" xmlns:a14="http://schemas.microsoft.com/office/drawing/2010/main" w="9525">
+                <a14:hiddenLine xmlns:a14="http://schemas.microsoft.com/office/drawing/2010/main" xmlns="" w="9525">
                   <a:solidFill>
                     <a:srgbClr val="000000"/>
                   </a:solidFill>
@@ -4378,7 +4469,7 @@
             </a:ln>
             <a:extLst>
               <a:ext uri="{91240B29-F687-4f45-9708-019B960494DF}">
-                <a14:hiddenLine xmlns="" xmlns:a14="http://schemas.microsoft.com/office/drawing/2010/main" w="9525">
+                <a14:hiddenLine xmlns:a14="http://schemas.microsoft.com/office/drawing/2010/main" xmlns="" w="9525">
                   <a:solidFill>
                     <a:srgbClr val="000000"/>
                   </a:solidFill>
@@ -4468,7 +4559,7 @@
             </a:ln>
             <a:extLst>
               <a:ext uri="{91240B29-F687-4f45-9708-019B960494DF}">
-                <a14:hiddenLine xmlns="" xmlns:a14="http://schemas.microsoft.com/office/drawing/2010/main" w="9525">
+                <a14:hiddenLine xmlns:a14="http://schemas.microsoft.com/office/drawing/2010/main" xmlns="" w="9525">
                   <a:solidFill>
                     <a:srgbClr val="000000"/>
                   </a:solidFill>
@@ -4608,7 +4699,7 @@
           <a:p>
             <a:fld id="{48A87A34-81AB-432B-8DAE-1953F412C126}" type="datetimeFigureOut">
               <a:rPr lang="en-US" dirty="0"/>
-              <a:t>3/16/2022</a:t>
+              <a:t>3/17/2022</a:t>
             </a:fld>
             <a:endParaRPr lang="en-US" dirty="0"/>
           </a:p>
@@ -4671,6 +4762,9 @@
   <p:clrMapOvr>
     <a:masterClrMapping/>
   </p:clrMapOvr>
+  <p:transition spd="slow">
+    <p:push dir="u"/>
+  </p:transition>
 </p:sldLayout>
 </file>
 
@@ -4870,7 +4964,7 @@
           <a:p>
             <a:fld id="{48A87A34-81AB-432B-8DAE-1953F412C126}" type="datetimeFigureOut">
               <a:rPr lang="en-US" dirty="0"/>
-              <a:t>3/16/2022</a:t>
+              <a:t>3/17/2022</a:t>
             </a:fld>
             <a:endParaRPr lang="en-US" dirty="0"/>
           </a:p>
@@ -4923,6 +5017,9 @@
   <p:clrMapOvr>
     <a:masterClrMapping/>
   </p:clrMapOvr>
+  <p:transition spd="slow">
+    <p:push dir="u"/>
+  </p:transition>
 </p:sldLayout>
 </file>
 
@@ -5061,7 +5158,7 @@
           <a:p>
             <a:fld id="{48A87A34-81AB-432B-8DAE-1953F412C126}" type="datetimeFigureOut">
               <a:rPr lang="en-US" dirty="0"/>
-              <a:t>3/16/2022</a:t>
+              <a:t>3/17/2022</a:t>
             </a:fld>
             <a:endParaRPr lang="en-US" dirty="0"/>
           </a:p>
@@ -5114,6 +5211,9 @@
   <p:clrMapOvr>
     <a:masterClrMapping/>
   </p:clrMapOvr>
+  <p:transition spd="slow">
+    <p:push dir="u"/>
+  </p:transition>
 </p:sldLayout>
 </file>
 
@@ -5319,7 +5419,7 @@
           <a:p>
             <a:fld id="{48A87A34-81AB-432B-8DAE-1953F412C126}" type="datetimeFigureOut">
               <a:rPr lang="en-US" dirty="0"/>
-              <a:t>3/16/2022</a:t>
+              <a:t>3/17/2022</a:t>
             </a:fld>
             <a:endParaRPr lang="en-US" dirty="0"/>
           </a:p>
@@ -5610,6 +5710,9 @@
   <p:clrMapOvr>
     <a:masterClrMapping/>
   </p:clrMapOvr>
+  <p:transition spd="slow">
+    <p:push dir="u"/>
+  </p:transition>
 </p:sldLayout>
 </file>
 
@@ -5748,7 +5851,7 @@
           <a:p>
             <a:fld id="{48A87A34-81AB-432B-8DAE-1953F412C126}" type="datetimeFigureOut">
               <a:rPr lang="en-US" dirty="0"/>
-              <a:t>3/16/2022</a:t>
+              <a:t>3/17/2022</a:t>
             </a:fld>
             <a:endParaRPr lang="en-US" dirty="0"/>
           </a:p>
@@ -5801,6 +5904,9 @@
   <p:clrMapOvr>
     <a:masterClrMapping/>
   </p:clrMapOvr>
+  <p:transition spd="slow">
+    <p:push dir="u"/>
+  </p:transition>
 </p:sldLayout>
 </file>
 
@@ -6289,7 +6395,7 @@
           <a:p>
             <a:fld id="{48A87A34-81AB-432B-8DAE-1953F412C126}" type="datetimeFigureOut">
               <a:rPr lang="en-US" dirty="0"/>
-              <a:t>3/16/2022</a:t>
+              <a:t>3/17/2022</a:t>
             </a:fld>
             <a:endParaRPr lang="en-US" dirty="0"/>
           </a:p>
@@ -6342,6 +6448,9 @@
   <p:clrMapOvr>
     <a:masterClrMapping/>
   </p:clrMapOvr>
+  <p:transition spd="slow">
+    <p:push dir="u"/>
+  </p:transition>
 </p:sldLayout>
 </file>
 
@@ -7004,7 +7113,7 @@
           <a:p>
             <a:fld id="{48A87A34-81AB-432B-8DAE-1953F412C126}" type="datetimeFigureOut">
               <a:rPr lang="en-US" dirty="0"/>
-              <a:t>3/16/2022</a:t>
+              <a:t>3/17/2022</a:t>
             </a:fld>
             <a:endParaRPr lang="en-US" dirty="0"/>
           </a:p>
@@ -7057,6 +7166,9 @@
   <p:clrMapOvr>
     <a:masterClrMapping/>
   </p:clrMapOvr>
+  <p:transition spd="slow">
+    <p:push dir="u"/>
+  </p:transition>
 </p:sldLayout>
 </file>
 
@@ -7169,7 +7281,7 @@
           <a:p>
             <a:fld id="{48A87A34-81AB-432B-8DAE-1953F412C126}" type="datetimeFigureOut">
               <a:rPr lang="en-US" dirty="0"/>
-              <a:t>3/16/2022</a:t>
+              <a:t>3/17/2022</a:t>
             </a:fld>
             <a:endParaRPr lang="en-US" dirty="0"/>
           </a:p>
@@ -7222,6 +7334,9 @@
   <p:clrMapOvr>
     <a:masterClrMapping/>
   </p:clrMapOvr>
+  <p:transition spd="slow">
+    <p:push dir="u"/>
+  </p:transition>
 </p:sldLayout>
 </file>
 
@@ -7344,7 +7459,7 @@
           <a:p>
             <a:fld id="{48A87A34-81AB-432B-8DAE-1953F412C126}" type="datetimeFigureOut">
               <a:rPr lang="en-US" dirty="0"/>
-              <a:t>3/16/2022</a:t>
+              <a:t>3/17/2022</a:t>
             </a:fld>
             <a:endParaRPr lang="en-US" dirty="0"/>
           </a:p>
@@ -7397,6 +7512,9 @@
   <p:clrMapOvr>
     <a:masterClrMapping/>
   </p:clrMapOvr>
+  <p:transition spd="slow">
+    <p:push dir="u"/>
+  </p:transition>
 </p:sldLayout>
 </file>
 
@@ -7509,7 +7627,7 @@
           <a:p>
             <a:fld id="{48A87A34-81AB-432B-8DAE-1953F412C126}" type="datetimeFigureOut">
               <a:rPr lang="en-US" dirty="0"/>
-              <a:t>3/16/2022</a:t>
+              <a:t>3/17/2022</a:t>
             </a:fld>
             <a:endParaRPr lang="en-US" dirty="0"/>
           </a:p>
@@ -7562,6 +7680,9 @@
   <p:clrMapOvr>
     <a:masterClrMapping/>
   </p:clrMapOvr>
+  <p:transition spd="slow">
+    <p:push dir="u"/>
+  </p:transition>
 </p:sldLayout>
 </file>
 
@@ -7754,7 +7875,7 @@
           <a:p>
             <a:fld id="{48A87A34-81AB-432B-8DAE-1953F412C126}" type="datetimeFigureOut">
               <a:rPr lang="en-US" dirty="0"/>
-              <a:t>3/16/2022</a:t>
+              <a:t>3/17/2022</a:t>
             </a:fld>
             <a:endParaRPr lang="en-US" dirty="0"/>
           </a:p>
@@ -7807,6 +7928,9 @@
   <p:clrMapOvr>
     <a:masterClrMapping/>
   </p:clrMapOvr>
+  <p:transition spd="slow">
+    <p:push dir="u"/>
+  </p:transition>
 </p:sldLayout>
 </file>
 
@@ -7981,7 +8105,7 @@
           <a:p>
             <a:fld id="{48A87A34-81AB-432B-8DAE-1953F412C126}" type="datetimeFigureOut">
               <a:rPr lang="en-US" dirty="0"/>
-              <a:t>3/16/2022</a:t>
+              <a:t>3/17/2022</a:t>
             </a:fld>
             <a:endParaRPr lang="en-US" dirty="0"/>
           </a:p>
@@ -8034,6 +8158,9 @@
   <p:clrMapOvr>
     <a:masterClrMapping/>
   </p:clrMapOvr>
+  <p:transition spd="slow">
+    <p:push dir="u"/>
+  </p:transition>
 </p:sldLayout>
 </file>
 
@@ -8357,7 +8484,7 @@
           <a:p>
             <a:fld id="{48A87A34-81AB-432B-8DAE-1953F412C126}" type="datetimeFigureOut">
               <a:rPr lang="en-US" dirty="0"/>
-              <a:t>3/16/2022</a:t>
+              <a:t>3/17/2022</a:t>
             </a:fld>
             <a:endParaRPr lang="en-US" dirty="0"/>
           </a:p>
@@ -8410,6 +8537,9 @@
   <p:clrMapOvr>
     <a:masterClrMapping/>
   </p:clrMapOvr>
+  <p:transition spd="slow">
+    <p:push dir="u"/>
+  </p:transition>
 </p:sldLayout>
 </file>
 
@@ -8470,7 +8600,7 @@
           <a:p>
             <a:fld id="{48A87A34-81AB-432B-8DAE-1953F412C126}" type="datetimeFigureOut">
               <a:rPr lang="en-US" dirty="0"/>
-              <a:t>3/16/2022</a:t>
+              <a:t>3/17/2022</a:t>
             </a:fld>
             <a:endParaRPr lang="en-US" dirty="0"/>
           </a:p>
@@ -8523,6 +8653,9 @@
   <p:clrMapOvr>
     <a:masterClrMapping/>
   </p:clrMapOvr>
+  <p:transition spd="slow">
+    <p:push dir="u"/>
+  </p:transition>
 </p:sldLayout>
 </file>
 
@@ -8560,7 +8693,7 @@
           <a:p>
             <a:fld id="{48A87A34-81AB-432B-8DAE-1953F412C126}" type="datetimeFigureOut">
               <a:rPr lang="en-US" dirty="0"/>
-              <a:t>3/16/2022</a:t>
+              <a:t>3/17/2022</a:t>
             </a:fld>
             <a:endParaRPr lang="en-US" dirty="0"/>
           </a:p>
@@ -8613,6 +8746,9 @@
   <p:clrMapOvr>
     <a:masterClrMapping/>
   </p:clrMapOvr>
+  <p:transition spd="slow">
+    <p:push dir="u"/>
+  </p:transition>
 </p:sldLayout>
 </file>
 
@@ -8804,7 +8940,7 @@
           <a:p>
             <a:fld id="{48A87A34-81AB-432B-8DAE-1953F412C126}" type="datetimeFigureOut">
               <a:rPr lang="en-US" dirty="0"/>
-              <a:t>3/16/2022</a:t>
+              <a:t>3/17/2022</a:t>
             </a:fld>
             <a:endParaRPr lang="en-US" dirty="0"/>
           </a:p>
@@ -8857,6 +8993,9 @@
   <p:clrMapOvr>
     <a:masterClrMapping/>
   </p:clrMapOvr>
+  <p:transition spd="slow">
+    <p:push dir="u"/>
+  </p:transition>
 </p:sldLayout>
 </file>
 
@@ -9079,7 +9218,7 @@
           <a:p>
             <a:fld id="{48A87A34-81AB-432B-8DAE-1953F412C126}" type="datetimeFigureOut">
               <a:rPr lang="en-US" dirty="0"/>
-              <a:t>3/16/2022</a:t>
+              <a:t>3/17/2022</a:t>
             </a:fld>
             <a:endParaRPr lang="en-US" dirty="0"/>
           </a:p>
@@ -9132,6 +9271,9 @@
   <p:clrMapOvr>
     <a:masterClrMapping/>
   </p:clrMapOvr>
+  <p:transition spd="slow">
+    <p:push dir="u"/>
+  </p:transition>
 </p:sldLayout>
 </file>
 
@@ -9236,7 +9378,7 @@
           <a:noFill/>
           <a:extLst>
             <a:ext uri="{909E8E84-426E-40dd-AFC4-6F175D3DCCD1}">
-              <a14:hiddenFill xmlns="" xmlns:a14="http://schemas.microsoft.com/office/drawing/2010/main">
+              <a14:hiddenFill xmlns:a14="http://schemas.microsoft.com/office/drawing/2010/main" xmlns="">
                 <a:solidFill>
                   <a:srgbClr val="FFFFFF"/>
                 </a:solidFill>
@@ -9310,7 +9452,7 @@
               </a:ln>
               <a:extLst>
                 <a:ext uri="{91240B29-F687-4f45-9708-019B960494DF}">
-                  <a14:hiddenLine xmlns="" xmlns:a14="http://schemas.microsoft.com/office/drawing/2010/main" w="9525">
+                  <a14:hiddenLine xmlns:a14="http://schemas.microsoft.com/office/drawing/2010/main" xmlns="" w="9525">
                     <a:solidFill>
                       <a:srgbClr val="000000"/>
                     </a:solidFill>
@@ -9400,7 +9542,7 @@
               </a:ln>
               <a:extLst>
                 <a:ext uri="{91240B29-F687-4f45-9708-019B960494DF}">
-                  <a14:hiddenLine xmlns="" xmlns:a14="http://schemas.microsoft.com/office/drawing/2010/main" w="9525">
+                  <a14:hiddenLine xmlns:a14="http://schemas.microsoft.com/office/drawing/2010/main" xmlns="" w="9525">
                     <a:solidFill>
                       <a:srgbClr val="000000"/>
                     </a:solidFill>
@@ -9490,7 +9632,7 @@
               </a:ln>
               <a:extLst>
                 <a:ext uri="{91240B29-F687-4f45-9708-019B960494DF}">
-                  <a14:hiddenLine xmlns="" xmlns:a14="http://schemas.microsoft.com/office/drawing/2010/main" w="9525">
+                  <a14:hiddenLine xmlns:a14="http://schemas.microsoft.com/office/drawing/2010/main" xmlns="" w="9525">
                     <a:solidFill>
                       <a:srgbClr val="000000"/>
                     </a:solidFill>
@@ -9552,7 +9694,7 @@
               </a:ln>
               <a:extLst>
                 <a:ext uri="{91240B29-F687-4f45-9708-019B960494DF}">
-                  <a14:hiddenLine xmlns="" xmlns:a14="http://schemas.microsoft.com/office/drawing/2010/main" w="9525">
+                  <a14:hiddenLine xmlns:a14="http://schemas.microsoft.com/office/drawing/2010/main" xmlns="" w="9525">
                     <a:solidFill>
                       <a:srgbClr val="000000"/>
                     </a:solidFill>
@@ -9642,7 +9784,7 @@
               </a:ln>
               <a:extLst>
                 <a:ext uri="{91240B29-F687-4f45-9708-019B960494DF}">
-                  <a14:hiddenLine xmlns="" xmlns:a14="http://schemas.microsoft.com/office/drawing/2010/main" w="9525">
+                  <a14:hiddenLine xmlns:a14="http://schemas.microsoft.com/office/drawing/2010/main" xmlns="" w="9525">
                     <a:solidFill>
                       <a:srgbClr val="000000"/>
                     </a:solidFill>
@@ -9704,7 +9846,7 @@
               </a:ln>
               <a:extLst>
                 <a:ext uri="{91240B29-F687-4f45-9708-019B960494DF}">
-                  <a14:hiddenLine xmlns="" xmlns:a14="http://schemas.microsoft.com/office/drawing/2010/main" w="9525">
+                  <a14:hiddenLine xmlns:a14="http://schemas.microsoft.com/office/drawing/2010/main" xmlns="" w="9525">
                     <a:solidFill>
                       <a:srgbClr val="000000"/>
                     </a:solidFill>
@@ -9766,7 +9908,7 @@
               </a:ln>
               <a:extLst>
                 <a:ext uri="{91240B29-F687-4f45-9708-019B960494DF}">
-                  <a14:hiddenLine xmlns="" xmlns:a14="http://schemas.microsoft.com/office/drawing/2010/main" w="9525">
+                  <a14:hiddenLine xmlns:a14="http://schemas.microsoft.com/office/drawing/2010/main" xmlns="" w="9525">
                     <a:solidFill>
                       <a:srgbClr val="000000"/>
                     </a:solidFill>
@@ -9856,7 +9998,7 @@
               </a:ln>
               <a:extLst>
                 <a:ext uri="{91240B29-F687-4f45-9708-019B960494DF}">
-                  <a14:hiddenLine xmlns="" xmlns:a14="http://schemas.microsoft.com/office/drawing/2010/main" w="9525">
+                  <a14:hiddenLine xmlns:a14="http://schemas.microsoft.com/office/drawing/2010/main" xmlns="" w="9525">
                     <a:solidFill>
                       <a:srgbClr val="000000"/>
                     </a:solidFill>
@@ -9946,7 +10088,7 @@
               </a:ln>
               <a:extLst>
                 <a:ext uri="{91240B29-F687-4f45-9708-019B960494DF}">
-                  <a14:hiddenLine xmlns="" xmlns:a14="http://schemas.microsoft.com/office/drawing/2010/main" w="9525">
+                  <a14:hiddenLine xmlns:a14="http://schemas.microsoft.com/office/drawing/2010/main" xmlns="" w="9525">
                     <a:solidFill>
                       <a:srgbClr val="000000"/>
                     </a:solidFill>
@@ -10008,7 +10150,7 @@
               </a:ln>
               <a:extLst>
                 <a:ext uri="{91240B29-F687-4f45-9708-019B960494DF}">
-                  <a14:hiddenLine xmlns="" xmlns:a14="http://schemas.microsoft.com/office/drawing/2010/main" w="9525">
+                  <a14:hiddenLine xmlns:a14="http://schemas.microsoft.com/office/drawing/2010/main" xmlns="" w="9525">
                     <a:solidFill>
                       <a:srgbClr val="000000"/>
                     </a:solidFill>
@@ -10118,7 +10260,7 @@
               </a:ln>
               <a:extLst>
                 <a:ext uri="{91240B29-F687-4f45-9708-019B960494DF}">
-                  <a14:hiddenLine xmlns="" xmlns:a14="http://schemas.microsoft.com/office/drawing/2010/main" w="9525">
+                  <a14:hiddenLine xmlns:a14="http://schemas.microsoft.com/office/drawing/2010/main" xmlns="" w="9525">
                     <a:solidFill>
                       <a:srgbClr val="000000"/>
                     </a:solidFill>
@@ -10202,7 +10344,7 @@
               </a:ln>
               <a:extLst>
                 <a:ext uri="{91240B29-F687-4f45-9708-019B960494DF}">
-                  <a14:hiddenLine xmlns="" xmlns:a14="http://schemas.microsoft.com/office/drawing/2010/main" w="9525">
+                  <a14:hiddenLine xmlns:a14="http://schemas.microsoft.com/office/drawing/2010/main" xmlns="" w="9525">
                     <a:solidFill>
                       <a:srgbClr val="000000"/>
                     </a:solidFill>
@@ -10264,7 +10406,7 @@
               </a:ln>
               <a:extLst>
                 <a:ext uri="{91240B29-F687-4f45-9708-019B960494DF}">
-                  <a14:hiddenLine xmlns="" xmlns:a14="http://schemas.microsoft.com/office/drawing/2010/main" w="9525">
+                  <a14:hiddenLine xmlns:a14="http://schemas.microsoft.com/office/drawing/2010/main" xmlns="" w="9525">
                     <a:solidFill>
                       <a:srgbClr val="000000"/>
                     </a:solidFill>
@@ -10326,7 +10468,7 @@
               </a:ln>
               <a:extLst>
                 <a:ext uri="{91240B29-F687-4f45-9708-019B960494DF}">
-                  <a14:hiddenLine xmlns="" xmlns:a14="http://schemas.microsoft.com/office/drawing/2010/main" w="9525">
+                  <a14:hiddenLine xmlns:a14="http://schemas.microsoft.com/office/drawing/2010/main" xmlns="" w="9525">
                     <a:solidFill>
                       <a:srgbClr val="000000"/>
                     </a:solidFill>
@@ -10416,7 +10558,7 @@
               </a:ln>
               <a:extLst>
                 <a:ext uri="{91240B29-F687-4f45-9708-019B960494DF}">
-                  <a14:hiddenLine xmlns="" xmlns:a14="http://schemas.microsoft.com/office/drawing/2010/main" w="9525">
+                  <a14:hiddenLine xmlns:a14="http://schemas.microsoft.com/office/drawing/2010/main" xmlns="" w="9525">
                     <a:solidFill>
                       <a:srgbClr val="000000"/>
                     </a:solidFill>
@@ -10450,7 +10592,7 @@
               </a:ln>
               <a:extLst>
                 <a:ext uri="{91240B29-F687-4f45-9708-019B960494DF}">
-                  <a14:hiddenLine xmlns="" xmlns:a14="http://schemas.microsoft.com/office/drawing/2010/main" w="9525">
+                  <a14:hiddenLine xmlns:a14="http://schemas.microsoft.com/office/drawing/2010/main" xmlns="" w="9525">
                     <a:solidFill>
                       <a:srgbClr val="000000"/>
                     </a:solidFill>
@@ -10515,7 +10657,7 @@
               </a:ln>
               <a:extLst>
                 <a:ext uri="{91240B29-F687-4f45-9708-019B960494DF}">
-                  <a14:hiddenLine xmlns="" xmlns:a14="http://schemas.microsoft.com/office/drawing/2010/main" w="9525">
+                  <a14:hiddenLine xmlns:a14="http://schemas.microsoft.com/office/drawing/2010/main" xmlns="" w="9525">
                     <a:solidFill>
                       <a:srgbClr val="000000"/>
                     </a:solidFill>
@@ -10605,7 +10747,7 @@
               </a:ln>
               <a:extLst>
                 <a:ext uri="{91240B29-F687-4f45-9708-019B960494DF}">
-                  <a14:hiddenLine xmlns="" xmlns:a14="http://schemas.microsoft.com/office/drawing/2010/main" w="9525">
+                  <a14:hiddenLine xmlns:a14="http://schemas.microsoft.com/office/drawing/2010/main" xmlns="" w="9525">
                     <a:solidFill>
                       <a:srgbClr val="000000"/>
                     </a:solidFill>
@@ -10667,7 +10809,7 @@
               </a:ln>
               <a:extLst>
                 <a:ext uri="{91240B29-F687-4f45-9708-019B960494DF}">
-                  <a14:hiddenLine xmlns="" xmlns:a14="http://schemas.microsoft.com/office/drawing/2010/main" w="9525">
+                  <a14:hiddenLine xmlns:a14="http://schemas.microsoft.com/office/drawing/2010/main" xmlns="" w="9525">
                     <a:solidFill>
                       <a:srgbClr val="000000"/>
                     </a:solidFill>
@@ -10757,7 +10899,7 @@
               </a:ln>
               <a:extLst>
                 <a:ext uri="{91240B29-F687-4f45-9708-019B960494DF}">
-                  <a14:hiddenLine xmlns="" xmlns:a14="http://schemas.microsoft.com/office/drawing/2010/main" w="9525">
+                  <a14:hiddenLine xmlns:a14="http://schemas.microsoft.com/office/drawing/2010/main" xmlns="" w="9525">
                     <a:solidFill>
                       <a:srgbClr val="000000"/>
                     </a:solidFill>
@@ -10822,7 +10964,7 @@
               </a:ln>
               <a:extLst>
                 <a:ext uri="{91240B29-F687-4f45-9708-019B960494DF}">
-                  <a14:hiddenLine xmlns="" xmlns:a14="http://schemas.microsoft.com/office/drawing/2010/main" w="9525">
+                  <a14:hiddenLine xmlns:a14="http://schemas.microsoft.com/office/drawing/2010/main" xmlns="" w="9525">
                     <a:solidFill>
                       <a:srgbClr val="000000"/>
                     </a:solidFill>
@@ -10884,7 +11026,7 @@
               </a:ln>
               <a:extLst>
                 <a:ext uri="{91240B29-F687-4f45-9708-019B960494DF}">
-                  <a14:hiddenLine xmlns="" xmlns:a14="http://schemas.microsoft.com/office/drawing/2010/main" w="9525">
+                  <a14:hiddenLine xmlns:a14="http://schemas.microsoft.com/office/drawing/2010/main" xmlns="" w="9525">
                     <a:solidFill>
                       <a:srgbClr val="000000"/>
                     </a:solidFill>
@@ -10974,7 +11116,7 @@
               </a:ln>
               <a:extLst>
                 <a:ext uri="{91240B29-F687-4f45-9708-019B960494DF}">
-                  <a14:hiddenLine xmlns="" xmlns:a14="http://schemas.microsoft.com/office/drawing/2010/main" w="9525">
+                  <a14:hiddenLine xmlns:a14="http://schemas.microsoft.com/office/drawing/2010/main" xmlns="" w="9525">
                     <a:solidFill>
                       <a:srgbClr val="000000"/>
                     </a:solidFill>
@@ -11064,7 +11206,7 @@
               </a:ln>
               <a:extLst>
                 <a:ext uri="{91240B29-F687-4f45-9708-019B960494DF}">
-                  <a14:hiddenLine xmlns="" xmlns:a14="http://schemas.microsoft.com/office/drawing/2010/main" w="9525">
+                  <a14:hiddenLine xmlns:a14="http://schemas.microsoft.com/office/drawing/2010/main" xmlns="" w="9525">
                     <a:solidFill>
                       <a:srgbClr val="000000"/>
                     </a:solidFill>
@@ -11129,7 +11271,7 @@
               </a:ln>
               <a:extLst>
                 <a:ext uri="{91240B29-F687-4f45-9708-019B960494DF}">
-                  <a14:hiddenLine xmlns="" xmlns:a14="http://schemas.microsoft.com/office/drawing/2010/main" w="9525">
+                  <a14:hiddenLine xmlns:a14="http://schemas.microsoft.com/office/drawing/2010/main" xmlns="" w="9525">
                     <a:solidFill>
                       <a:srgbClr val="000000"/>
                     </a:solidFill>
@@ -11249,7 +11391,7 @@
               </a:ln>
               <a:extLst>
                 <a:ext uri="{91240B29-F687-4f45-9708-019B960494DF}">
-                  <a14:hiddenLine xmlns="" xmlns:a14="http://schemas.microsoft.com/office/drawing/2010/main" w="9525">
+                  <a14:hiddenLine xmlns:a14="http://schemas.microsoft.com/office/drawing/2010/main" xmlns="" w="9525">
                     <a:solidFill>
                       <a:srgbClr val="000000"/>
                     </a:solidFill>
@@ -11347,7 +11489,7 @@
               </a:ln>
               <a:extLst>
                 <a:ext uri="{91240B29-F687-4f45-9708-019B960494DF}">
-                  <a14:hiddenLine xmlns="" xmlns:a14="http://schemas.microsoft.com/office/drawing/2010/main" w="9525">
+                  <a14:hiddenLine xmlns:a14="http://schemas.microsoft.com/office/drawing/2010/main" xmlns="" w="9525">
                     <a:solidFill>
                       <a:srgbClr val="000000"/>
                     </a:solidFill>
@@ -11462,7 +11604,7 @@
               </a:ln>
               <a:extLst>
                 <a:ext uri="{91240B29-F687-4f45-9708-019B960494DF}">
-                  <a14:hiddenLine xmlns="" xmlns:a14="http://schemas.microsoft.com/office/drawing/2010/main" w="9525">
+                  <a14:hiddenLine xmlns:a14="http://schemas.microsoft.com/office/drawing/2010/main" xmlns="" w="9525">
                     <a:solidFill>
                       <a:srgbClr val="000000"/>
                     </a:solidFill>
@@ -11552,7 +11694,7 @@
               </a:ln>
               <a:extLst>
                 <a:ext uri="{91240B29-F687-4f45-9708-019B960494DF}">
-                  <a14:hiddenLine xmlns="" xmlns:a14="http://schemas.microsoft.com/office/drawing/2010/main" w="9525">
+                  <a14:hiddenLine xmlns:a14="http://schemas.microsoft.com/office/drawing/2010/main" xmlns="" w="9525">
                     <a:solidFill>
                       <a:srgbClr val="000000"/>
                     </a:solidFill>
@@ -11617,7 +11759,7 @@
               </a:ln>
               <a:extLst>
                 <a:ext uri="{91240B29-F687-4f45-9708-019B960494DF}">
-                  <a14:hiddenLine xmlns="" xmlns:a14="http://schemas.microsoft.com/office/drawing/2010/main" w="9525">
+                  <a14:hiddenLine xmlns:a14="http://schemas.microsoft.com/office/drawing/2010/main" xmlns="" w="9525">
                     <a:solidFill>
                       <a:srgbClr val="000000"/>
                     </a:solidFill>
@@ -11707,7 +11849,7 @@
               </a:ln>
               <a:extLst>
                 <a:ext uri="{91240B29-F687-4f45-9708-019B960494DF}">
-                  <a14:hiddenLine xmlns="" xmlns:a14="http://schemas.microsoft.com/office/drawing/2010/main" w="9525">
+                  <a14:hiddenLine xmlns:a14="http://schemas.microsoft.com/office/drawing/2010/main" xmlns="" w="9525">
                     <a:solidFill>
                       <a:srgbClr val="000000"/>
                     </a:solidFill>
@@ -11775,7 +11917,7 @@
               </a:ln>
               <a:extLst>
                 <a:ext uri="{91240B29-F687-4f45-9708-019B960494DF}">
-                  <a14:hiddenLine xmlns="" xmlns:a14="http://schemas.microsoft.com/office/drawing/2010/main" w="9525">
+                  <a14:hiddenLine xmlns:a14="http://schemas.microsoft.com/office/drawing/2010/main" xmlns="" w="9525">
                     <a:solidFill>
                       <a:srgbClr val="000000"/>
                     </a:solidFill>
@@ -11865,7 +12007,7 @@
               </a:ln>
               <a:extLst>
                 <a:ext uri="{91240B29-F687-4f45-9708-019B960494DF}">
-                  <a14:hiddenLine xmlns="" xmlns:a14="http://schemas.microsoft.com/office/drawing/2010/main" w="9525">
+                  <a14:hiddenLine xmlns:a14="http://schemas.microsoft.com/office/drawing/2010/main" xmlns="" w="9525">
                     <a:solidFill>
                       <a:srgbClr val="000000"/>
                     </a:solidFill>
@@ -11933,7 +12075,7 @@
               </a:ln>
               <a:extLst>
                 <a:ext uri="{91240B29-F687-4f45-9708-019B960494DF}">
-                  <a14:hiddenLine xmlns="" xmlns:a14="http://schemas.microsoft.com/office/drawing/2010/main" w="9525">
+                  <a14:hiddenLine xmlns:a14="http://schemas.microsoft.com/office/drawing/2010/main" xmlns="" w="9525">
                     <a:solidFill>
                       <a:srgbClr val="000000"/>
                     </a:solidFill>
@@ -12023,7 +12165,7 @@
               </a:ln>
               <a:extLst>
                 <a:ext uri="{91240B29-F687-4f45-9708-019B960494DF}">
-                  <a14:hiddenLine xmlns="" xmlns:a14="http://schemas.microsoft.com/office/drawing/2010/main" w="9525">
+                  <a14:hiddenLine xmlns:a14="http://schemas.microsoft.com/office/drawing/2010/main" xmlns="" w="9525">
                     <a:solidFill>
                       <a:srgbClr val="000000"/>
                     </a:solidFill>
@@ -12057,7 +12199,7 @@
               </a:ln>
               <a:extLst>
                 <a:ext uri="{91240B29-F687-4f45-9708-019B960494DF}">
-                  <a14:hiddenLine xmlns="" xmlns:a14="http://schemas.microsoft.com/office/drawing/2010/main" w="9525">
+                  <a14:hiddenLine xmlns:a14="http://schemas.microsoft.com/office/drawing/2010/main" xmlns="" w="9525">
                     <a:solidFill>
                       <a:srgbClr val="000000"/>
                     </a:solidFill>
@@ -12198,7 +12340,7 @@
             <a:fld id="{48A87A34-81AB-432B-8DAE-1953F412C126}" type="datetimeFigureOut">
               <a:rPr lang="en-US" dirty="0"/>
               <a:pPr/>
-              <a:t>3/16/2022</a:t>
+              <a:t>3/17/2022</a:t>
             </a:fld>
             <a:endParaRPr lang="en-US" dirty="0"/>
           </a:p>
@@ -12305,6 +12447,9 @@
     <p:sldLayoutId id="2147483658" r:id="rId16"/>
     <p:sldLayoutId id="2147483659" r:id="rId17"/>
   </p:sldLayoutIdLst>
+  <p:transition spd="slow">
+    <p:push dir="u"/>
+  </p:transition>
   <p:txStyles>
     <p:titleStyle>
       <a:lvl1pPr algn="l" defTabSz="914400" rtl="0" eaLnBrk="1" latinLnBrk="0" hangingPunct="1">
@@ -12722,651 +12867,9 @@
   <p:clrMapOvr>
     <a:masterClrMapping/>
   </p:clrMapOvr>
-  <mc:AlternateContent xmlns:mc="http://schemas.openxmlformats.org/markup-compatibility/2006">
-    <mc:Choice xmlns:p14="http://schemas.microsoft.com/office/powerpoint/2010/main" Requires="p14">
-      <p:transition spd="slow" p14:dur="1500">
-        <p14:window dir="vert"/>
-      </p:transition>
-    </mc:Choice>
-    <mc:Fallback>
-      <p:transition spd="slow">
-        <p:fade/>
-      </p:transition>
-    </mc:Fallback>
-  </mc:AlternateContent>
-</p:sld>
-</file>
-
-<file path=ppt/slides/slide10.xml><?xml version="1.0" encoding="utf-8"?>
-<p:sld xmlns:a="http://schemas.openxmlformats.org/drawingml/2006/main" xmlns:r="http://schemas.openxmlformats.org/officeDocument/2006/relationships" xmlns:p="http://schemas.openxmlformats.org/presentationml/2006/main">
-  <p:cSld>
-    <p:spTree>
-      <p:nvGrpSpPr>
-        <p:cNvPr id="1" name=""/>
-        <p:cNvGrpSpPr/>
-        <p:nvPr/>
-      </p:nvGrpSpPr>
-      <p:grpSpPr>
-        <a:xfrm>
-          <a:off x="0" y="0"/>
-          <a:ext cx="0" cy="0"/>
-          <a:chOff x="0" y="0"/>
-          <a:chExt cx="0" cy="0"/>
-        </a:xfrm>
-      </p:grpSpPr>
-      <p:sp>
-        <p:nvSpPr>
-          <p:cNvPr id="2" name="Title 1">
-            <a:extLst>
-              <a:ext uri="{FF2B5EF4-FFF2-40B4-BE49-F238E27FC236}">
-                <a16:creationId xmlns:a16="http://schemas.microsoft.com/office/drawing/2014/main" id="{46AAB2CF-DB27-4B1E-B608-2E0265C5D357}"/>
-              </a:ext>
-            </a:extLst>
-          </p:cNvPr>
-          <p:cNvSpPr>
-            <a:spLocks noGrp="1"/>
-          </p:cNvSpPr>
-          <p:nvPr>
-            <p:ph type="title"/>
-          </p:nvPr>
-        </p:nvSpPr>
-        <p:spPr/>
-        <p:txBody>
-          <a:bodyPr/>
-          <a:lstStyle/>
-          <a:p>
-            <a:endParaRPr lang="en-US"/>
-          </a:p>
-        </p:txBody>
-      </p:sp>
-      <p:sp>
-        <p:nvSpPr>
-          <p:cNvPr id="3" name="Content Placeholder 2">
-            <a:extLst>
-              <a:ext uri="{FF2B5EF4-FFF2-40B4-BE49-F238E27FC236}">
-                <a16:creationId xmlns:a16="http://schemas.microsoft.com/office/drawing/2014/main" id="{EC885604-D3EB-481D-AD79-D78AC692AF6C}"/>
-              </a:ext>
-            </a:extLst>
-          </p:cNvPr>
-          <p:cNvSpPr>
-            <a:spLocks noGrp="1"/>
-          </p:cNvSpPr>
-          <p:nvPr>
-            <p:ph idx="1"/>
-          </p:nvPr>
-        </p:nvSpPr>
-        <p:spPr/>
-        <p:txBody>
-          <a:bodyPr>
-            <a:normAutofit fontScale="62500" lnSpcReduction="20000"/>
-          </a:bodyPr>
-          <a:lstStyle/>
-          <a:p>
-            <a:r>
-              <a:rPr lang="en-US" dirty="0"/>
-              <a:t> First, in order to read JSON file. The Data in the files must be in the correct format. If not, you just going to get an error.</a:t>
-            </a:r>
-          </a:p>
-          <a:p>
-            <a:r>
-              <a:rPr lang="en-US" dirty="0"/>
-              <a:t>Second, use the code from the fs Module “</a:t>
-            </a:r>
-            <a:r>
-              <a:rPr lang="en-US" dirty="0" err="1"/>
-              <a:t>fs.readFile</a:t>
-            </a:r>
-            <a:r>
-              <a:rPr lang="en-US" dirty="0"/>
-              <a:t>(‘</a:t>
-            </a:r>
-            <a:r>
-              <a:rPr lang="en-US" dirty="0" err="1"/>
-              <a:t>data.json</a:t>
-            </a:r>
-            <a:r>
-              <a:rPr lang="en-US" dirty="0"/>
-              <a:t>’)” or “</a:t>
-            </a:r>
-            <a:r>
-              <a:rPr lang="en-US" dirty="0" err="1"/>
-              <a:t>fs.readFileSync</a:t>
-            </a:r>
-            <a:r>
-              <a:rPr lang="en-US" dirty="0"/>
-              <a:t>(‘</a:t>
-            </a:r>
-            <a:r>
-              <a:rPr lang="en-US" dirty="0" err="1"/>
-              <a:t>data.json</a:t>
-            </a:r>
-            <a:r>
-              <a:rPr lang="en-US" dirty="0"/>
-              <a:t>’)”. The difference between the two code is the first one is asynchronous which mean it will jump to next code even if it is not finish reading. And the second code is Synchronous which mean the code must be finish before jumping to the next one.</a:t>
-            </a:r>
-          </a:p>
-          <a:p>
-            <a:r>
-              <a:rPr lang="en-US" dirty="0"/>
-              <a:t>Second-part-two, The code can have two argument but only need the file name argument. For an example, “</a:t>
-            </a:r>
-            <a:r>
-              <a:rPr lang="en-US" dirty="0" err="1"/>
-              <a:t>fs.readFile</a:t>
-            </a:r>
-            <a:r>
-              <a:rPr lang="en-US" dirty="0"/>
-              <a:t>( ‘</a:t>
-            </a:r>
-            <a:r>
-              <a:rPr lang="en-US" dirty="0" err="1"/>
-              <a:t>filename.json</a:t>
-            </a:r>
-            <a:r>
-              <a:rPr lang="en-US" dirty="0"/>
-              <a:t>’, </a:t>
-            </a:r>
-            <a:r>
-              <a:rPr lang="en-US" dirty="0" err="1"/>
-              <a:t>callbackfunction</a:t>
-            </a:r>
-            <a:r>
-              <a:rPr lang="en-US" dirty="0"/>
-              <a:t>(){}”</a:t>
-            </a:r>
-          </a:p>
-          <a:p>
-            <a:r>
-              <a:rPr lang="en-US" dirty="0"/>
-              <a:t>Third, the code will do it but it need to be save to an variable. For an example, “var </a:t>
-            </a:r>
-            <a:r>
-              <a:rPr lang="en-US" dirty="0" err="1"/>
-              <a:t>Rawdata</a:t>
-            </a:r>
-            <a:r>
-              <a:rPr lang="en-US" dirty="0"/>
-              <a:t> = </a:t>
-            </a:r>
-            <a:r>
-              <a:rPr lang="en-US" dirty="0" err="1"/>
-              <a:t>fs.readFile</a:t>
-            </a:r>
-            <a:r>
-              <a:rPr lang="en-US" dirty="0"/>
-              <a:t>(‘</a:t>
-            </a:r>
-            <a:r>
-              <a:rPr lang="en-US" dirty="0" err="1"/>
-              <a:t>data.json</a:t>
-            </a:r>
-            <a:r>
-              <a:rPr lang="en-US" dirty="0"/>
-              <a:t>’)”</a:t>
-            </a:r>
-          </a:p>
-          <a:p>
-            <a:r>
-              <a:rPr lang="en-US" dirty="0"/>
-              <a:t>Fourth, after it is save to an variable the data will be unreadable to JavaScript so in order for JavaScript to read the data. We Have to parse the data. “var data = </a:t>
-            </a:r>
-            <a:r>
-              <a:rPr lang="en-US" dirty="0" err="1"/>
-              <a:t>JSON.parse</a:t>
-            </a:r>
-            <a:r>
-              <a:rPr lang="en-US" dirty="0"/>
-              <a:t>(</a:t>
-            </a:r>
-            <a:r>
-              <a:rPr lang="en-US" dirty="0" err="1"/>
-              <a:t>rawdata</a:t>
-            </a:r>
-            <a:r>
-              <a:rPr lang="en-US" dirty="0"/>
-              <a:t>)”.</a:t>
-            </a:r>
-          </a:p>
-          <a:p>
-            <a:r>
-              <a:rPr lang="en-US" dirty="0"/>
-              <a:t>Fifth, Check your variable by using console.log(data)</a:t>
-            </a:r>
-          </a:p>
-        </p:txBody>
-      </p:sp>
-    </p:spTree>
-    <p:extLst>
-      <p:ext uri="{BB962C8B-B14F-4D97-AF65-F5344CB8AC3E}">
-        <p14:creationId xmlns:p14="http://schemas.microsoft.com/office/powerpoint/2010/main" val="1574493494"/>
-      </p:ext>
-    </p:extLst>
-  </p:cSld>
-  <p:clrMapOvr>
-    <a:masterClrMapping/>
-  </p:clrMapOvr>
-</p:sld>
-</file>
-
-<file path=ppt/slides/slide11.xml><?xml version="1.0" encoding="utf-8"?>
-<p:sld xmlns:a="http://schemas.openxmlformats.org/drawingml/2006/main" xmlns:r="http://schemas.openxmlformats.org/officeDocument/2006/relationships" xmlns:p="http://schemas.openxmlformats.org/presentationml/2006/main">
-  <p:cSld>
-    <p:spTree>
-      <p:nvGrpSpPr>
-        <p:cNvPr id="1" name=""/>
-        <p:cNvGrpSpPr/>
-        <p:nvPr/>
-      </p:nvGrpSpPr>
-      <p:grpSpPr>
-        <a:xfrm>
-          <a:off x="0" y="0"/>
-          <a:ext cx="0" cy="0"/>
-          <a:chOff x="0" y="0"/>
-          <a:chExt cx="0" cy="0"/>
-        </a:xfrm>
-      </p:grpSpPr>
-      <p:sp>
-        <p:nvSpPr>
-          <p:cNvPr id="2" name="Title 1">
-            <a:extLst>
-              <a:ext uri="{FF2B5EF4-FFF2-40B4-BE49-F238E27FC236}">
-                <a16:creationId xmlns:a16="http://schemas.microsoft.com/office/drawing/2014/main" id="{1CC36218-1CD7-4D6B-ABD0-6814B8BDA1C4}"/>
-              </a:ext>
-            </a:extLst>
-          </p:cNvPr>
-          <p:cNvSpPr>
-            <a:spLocks noGrp="1"/>
-          </p:cNvSpPr>
-          <p:nvPr>
-            <p:ph type="title"/>
-          </p:nvPr>
-        </p:nvSpPr>
-        <p:spPr/>
-        <p:txBody>
-          <a:bodyPr/>
-          <a:lstStyle/>
-          <a:p>
-            <a:endParaRPr lang="en-US"/>
-          </a:p>
-        </p:txBody>
-      </p:sp>
-      <p:sp>
-        <p:nvSpPr>
-          <p:cNvPr id="3" name="Content Placeholder 2">
-            <a:extLst>
-              <a:ext uri="{FF2B5EF4-FFF2-40B4-BE49-F238E27FC236}">
-                <a16:creationId xmlns:a16="http://schemas.microsoft.com/office/drawing/2014/main" id="{41C35EEA-B1D2-4566-BDBF-0C60F4FE675D}"/>
-              </a:ext>
-            </a:extLst>
-          </p:cNvPr>
-          <p:cNvSpPr>
-            <a:spLocks noGrp="1"/>
-          </p:cNvSpPr>
-          <p:nvPr>
-            <p:ph idx="1"/>
-          </p:nvPr>
-        </p:nvSpPr>
-        <p:spPr/>
-        <p:txBody>
-          <a:bodyPr>
-            <a:normAutofit fontScale="62500" lnSpcReduction="20000"/>
-          </a:bodyPr>
-          <a:lstStyle/>
-          <a:p>
-            <a:r>
-              <a:rPr lang="en-US" dirty="0"/>
-              <a:t> First, in order to read JSON file. The Data in the files must be in the correct format. If not, you just going to get an error.</a:t>
-            </a:r>
-          </a:p>
-          <a:p>
-            <a:r>
-              <a:rPr lang="en-US" dirty="0"/>
-              <a:t>Second, use the code from the fs Module “</a:t>
-            </a:r>
-            <a:r>
-              <a:rPr lang="en-US" dirty="0" err="1"/>
-              <a:t>fs.readFile</a:t>
-            </a:r>
-            <a:r>
-              <a:rPr lang="en-US" dirty="0"/>
-              <a:t>(‘</a:t>
-            </a:r>
-            <a:r>
-              <a:rPr lang="en-US" dirty="0" err="1"/>
-              <a:t>data.json</a:t>
-            </a:r>
-            <a:r>
-              <a:rPr lang="en-US" dirty="0"/>
-              <a:t>’)” or “</a:t>
-            </a:r>
-            <a:r>
-              <a:rPr lang="en-US" dirty="0" err="1"/>
-              <a:t>fs.readFileSync</a:t>
-            </a:r>
-            <a:r>
-              <a:rPr lang="en-US" dirty="0"/>
-              <a:t>(‘</a:t>
-            </a:r>
-            <a:r>
-              <a:rPr lang="en-US" dirty="0" err="1"/>
-              <a:t>data.json</a:t>
-            </a:r>
-            <a:r>
-              <a:rPr lang="en-US" dirty="0"/>
-              <a:t>’)”. The difference between the two code is the first one is asynchronous which mean it will jump to next code even if it is not finish reading. And the second code is Synchronous which mean the code must be finish before jumping to the next one.</a:t>
-            </a:r>
-          </a:p>
-          <a:p>
-            <a:r>
-              <a:rPr lang="en-US" dirty="0"/>
-              <a:t>Second-part-two, The code can have two argument but only need the file name argument. For an example, “</a:t>
-            </a:r>
-            <a:r>
-              <a:rPr lang="en-US" dirty="0" err="1"/>
-              <a:t>fs.readFile</a:t>
-            </a:r>
-            <a:r>
-              <a:rPr lang="en-US" dirty="0"/>
-              <a:t>( ‘</a:t>
-            </a:r>
-            <a:r>
-              <a:rPr lang="en-US" dirty="0" err="1"/>
-              <a:t>filename.json</a:t>
-            </a:r>
-            <a:r>
-              <a:rPr lang="en-US" dirty="0"/>
-              <a:t>’, </a:t>
-            </a:r>
-            <a:r>
-              <a:rPr lang="en-US" dirty="0" err="1"/>
-              <a:t>callbackfunction</a:t>
-            </a:r>
-            <a:r>
-              <a:rPr lang="en-US" dirty="0"/>
-              <a:t>(){}”</a:t>
-            </a:r>
-          </a:p>
-          <a:p>
-            <a:r>
-              <a:rPr lang="en-US" dirty="0"/>
-              <a:t>Third, the code will do it but it need to be save to an variable. For an example, “var </a:t>
-            </a:r>
-            <a:r>
-              <a:rPr lang="en-US" dirty="0" err="1"/>
-              <a:t>Rawdata</a:t>
-            </a:r>
-            <a:r>
-              <a:rPr lang="en-US" dirty="0"/>
-              <a:t> = </a:t>
-            </a:r>
-            <a:r>
-              <a:rPr lang="en-US" dirty="0" err="1"/>
-              <a:t>fs.readFile</a:t>
-            </a:r>
-            <a:r>
-              <a:rPr lang="en-US" dirty="0"/>
-              <a:t>(‘</a:t>
-            </a:r>
-            <a:r>
-              <a:rPr lang="en-US" dirty="0" err="1"/>
-              <a:t>data.json</a:t>
-            </a:r>
-            <a:r>
-              <a:rPr lang="en-US" dirty="0"/>
-              <a:t>’)”</a:t>
-            </a:r>
-          </a:p>
-          <a:p>
-            <a:r>
-              <a:rPr lang="en-US" dirty="0"/>
-              <a:t>Fourth, after it is save to an variable the data will be unreadable to JavaScript so in order for JavaScript to read the data. We Have to parse the data. “var data = </a:t>
-            </a:r>
-            <a:r>
-              <a:rPr lang="en-US" dirty="0" err="1"/>
-              <a:t>JSON.parse</a:t>
-            </a:r>
-            <a:r>
-              <a:rPr lang="en-US" dirty="0"/>
-              <a:t>(</a:t>
-            </a:r>
-            <a:r>
-              <a:rPr lang="en-US" dirty="0" err="1"/>
-              <a:t>rawdata</a:t>
-            </a:r>
-            <a:r>
-              <a:rPr lang="en-US" dirty="0"/>
-              <a:t>)”.</a:t>
-            </a:r>
-          </a:p>
-          <a:p>
-            <a:r>
-              <a:rPr lang="en-US" dirty="0"/>
-              <a:t>Fifth, Check your variable by using console.log(data)</a:t>
-            </a:r>
-          </a:p>
-        </p:txBody>
-      </p:sp>
-    </p:spTree>
-    <p:extLst>
-      <p:ext uri="{BB962C8B-B14F-4D97-AF65-F5344CB8AC3E}">
-        <p14:creationId xmlns:p14="http://schemas.microsoft.com/office/powerpoint/2010/main" val="3892617243"/>
-      </p:ext>
-    </p:extLst>
-  </p:cSld>
-  <p:clrMapOvr>
-    <a:masterClrMapping/>
-  </p:clrMapOvr>
-</p:sld>
-</file>
-
-<file path=ppt/slides/slide12.xml><?xml version="1.0" encoding="utf-8"?>
-<p:sld xmlns:a="http://schemas.openxmlformats.org/drawingml/2006/main" xmlns:r="http://schemas.openxmlformats.org/officeDocument/2006/relationships" xmlns:p="http://schemas.openxmlformats.org/presentationml/2006/main">
-  <p:cSld>
-    <p:spTree>
-      <p:nvGrpSpPr>
-        <p:cNvPr id="1" name=""/>
-        <p:cNvGrpSpPr/>
-        <p:nvPr/>
-      </p:nvGrpSpPr>
-      <p:grpSpPr>
-        <a:xfrm>
-          <a:off x="0" y="0"/>
-          <a:ext cx="0" cy="0"/>
-          <a:chOff x="0" y="0"/>
-          <a:chExt cx="0" cy="0"/>
-        </a:xfrm>
-      </p:grpSpPr>
-      <p:sp>
-        <p:nvSpPr>
-          <p:cNvPr id="2" name="Title 1">
-            <a:extLst>
-              <a:ext uri="{FF2B5EF4-FFF2-40B4-BE49-F238E27FC236}">
-                <a16:creationId xmlns:a16="http://schemas.microsoft.com/office/drawing/2014/main" id="{74A32BEF-A194-456A-BBE9-3A3C48B0F142}"/>
-              </a:ext>
-            </a:extLst>
-          </p:cNvPr>
-          <p:cNvSpPr>
-            <a:spLocks noGrp="1"/>
-          </p:cNvSpPr>
-          <p:nvPr>
-            <p:ph type="title"/>
-          </p:nvPr>
-        </p:nvSpPr>
-        <p:spPr/>
-        <p:txBody>
-          <a:bodyPr/>
-          <a:lstStyle/>
-          <a:p>
-            <a:endParaRPr lang="en-US" dirty="0"/>
-          </a:p>
-        </p:txBody>
-      </p:sp>
-      <p:sp>
-        <p:nvSpPr>
-          <p:cNvPr id="3" name="Content Placeholder 2">
-            <a:extLst>
-              <a:ext uri="{FF2B5EF4-FFF2-40B4-BE49-F238E27FC236}">
-                <a16:creationId xmlns:a16="http://schemas.microsoft.com/office/drawing/2014/main" id="{71EA5CE1-ED3A-4D69-BF8D-88B15F28F0FA}"/>
-              </a:ext>
-            </a:extLst>
-          </p:cNvPr>
-          <p:cNvSpPr>
-            <a:spLocks noGrp="1"/>
-          </p:cNvSpPr>
-          <p:nvPr>
-            <p:ph idx="1"/>
-          </p:nvPr>
-        </p:nvSpPr>
-        <p:spPr/>
-        <p:txBody>
-          <a:bodyPr>
-            <a:normAutofit fontScale="62500" lnSpcReduction="20000"/>
-          </a:bodyPr>
-          <a:lstStyle/>
-          <a:p>
-            <a:r>
-              <a:rPr lang="en-US" dirty="0"/>
-              <a:t> First, in order to read JSON file. The Data in the files must be in the correct format. If not, you just going to get an error.</a:t>
-            </a:r>
-          </a:p>
-          <a:p>
-            <a:r>
-              <a:rPr lang="en-US" dirty="0"/>
-              <a:t>Second, use the code from the fs Module “</a:t>
-            </a:r>
-            <a:r>
-              <a:rPr lang="en-US" dirty="0" err="1"/>
-              <a:t>fs.readFile</a:t>
-            </a:r>
-            <a:r>
-              <a:rPr lang="en-US" dirty="0"/>
-              <a:t>(‘</a:t>
-            </a:r>
-            <a:r>
-              <a:rPr lang="en-US" dirty="0" err="1"/>
-              <a:t>data.json</a:t>
-            </a:r>
-            <a:r>
-              <a:rPr lang="en-US" dirty="0"/>
-              <a:t>’)” or “</a:t>
-            </a:r>
-            <a:r>
-              <a:rPr lang="en-US" dirty="0" err="1"/>
-              <a:t>fs.readFileSync</a:t>
-            </a:r>
-            <a:r>
-              <a:rPr lang="en-US" dirty="0"/>
-              <a:t>(‘</a:t>
-            </a:r>
-            <a:r>
-              <a:rPr lang="en-US" dirty="0" err="1"/>
-              <a:t>data.json</a:t>
-            </a:r>
-            <a:r>
-              <a:rPr lang="en-US" dirty="0"/>
-              <a:t>’)”. The difference between the two code is the first one is asynchronous which mean it will jump to next code even if it is not finish reading. And the second code is Synchronous which mean the code must be finish before jumping to the next one.</a:t>
-            </a:r>
-          </a:p>
-          <a:p>
-            <a:r>
-              <a:rPr lang="en-US" dirty="0"/>
-              <a:t>Second-part-two, The code can have two argument but only need the file name argument. For an example, “</a:t>
-            </a:r>
-            <a:r>
-              <a:rPr lang="en-US" dirty="0" err="1"/>
-              <a:t>fs.readFile</a:t>
-            </a:r>
-            <a:r>
-              <a:rPr lang="en-US" dirty="0"/>
-              <a:t>( ‘</a:t>
-            </a:r>
-            <a:r>
-              <a:rPr lang="en-US" dirty="0" err="1"/>
-              <a:t>filename.json</a:t>
-            </a:r>
-            <a:r>
-              <a:rPr lang="en-US" dirty="0"/>
-              <a:t>’, </a:t>
-            </a:r>
-            <a:r>
-              <a:rPr lang="en-US" dirty="0" err="1"/>
-              <a:t>callbackfunction</a:t>
-            </a:r>
-            <a:r>
-              <a:rPr lang="en-US" dirty="0"/>
-              <a:t>(){}”</a:t>
-            </a:r>
-          </a:p>
-          <a:p>
-            <a:r>
-              <a:rPr lang="en-US" dirty="0"/>
-              <a:t>Third, the code will do it but it need to be save to an variable. For an example, “var </a:t>
-            </a:r>
-            <a:r>
-              <a:rPr lang="en-US" dirty="0" err="1"/>
-              <a:t>Rawdata</a:t>
-            </a:r>
-            <a:r>
-              <a:rPr lang="en-US" dirty="0"/>
-              <a:t> = </a:t>
-            </a:r>
-            <a:r>
-              <a:rPr lang="en-US" dirty="0" err="1"/>
-              <a:t>fs.readFile</a:t>
-            </a:r>
-            <a:r>
-              <a:rPr lang="en-US" dirty="0"/>
-              <a:t>(‘</a:t>
-            </a:r>
-            <a:r>
-              <a:rPr lang="en-US" dirty="0" err="1"/>
-              <a:t>data.json</a:t>
-            </a:r>
-            <a:r>
-              <a:rPr lang="en-US" dirty="0"/>
-              <a:t>’)”</a:t>
-            </a:r>
-          </a:p>
-          <a:p>
-            <a:r>
-              <a:rPr lang="en-US" dirty="0"/>
-              <a:t>Fourth, after it is save to an variable the data will be unreadable to JavaScript so in order for JavaScript to read the data. We Have to parse the data. “var data = </a:t>
-            </a:r>
-            <a:r>
-              <a:rPr lang="en-US" dirty="0" err="1"/>
-              <a:t>JSON.parse</a:t>
-            </a:r>
-            <a:r>
-              <a:rPr lang="en-US" dirty="0"/>
-              <a:t>(</a:t>
-            </a:r>
-            <a:r>
-              <a:rPr lang="en-US" dirty="0" err="1"/>
-              <a:t>rawdata</a:t>
-            </a:r>
-            <a:r>
-              <a:rPr lang="en-US" dirty="0"/>
-              <a:t>)”.</a:t>
-            </a:r>
-          </a:p>
-          <a:p>
-            <a:r>
-              <a:rPr lang="en-US" dirty="0"/>
-              <a:t>Fifth, Check your variable by using console.log(data)</a:t>
-            </a:r>
-          </a:p>
-        </p:txBody>
-      </p:sp>
-    </p:spTree>
-    <p:extLst>
-      <p:ext uri="{BB962C8B-B14F-4D97-AF65-F5344CB8AC3E}">
-        <p14:creationId xmlns:p14="http://schemas.microsoft.com/office/powerpoint/2010/main" val="2834072595"/>
-      </p:ext>
-    </p:extLst>
-  </p:cSld>
-  <p:clrMapOvr>
-    <a:masterClrMapping/>
-  </p:clrMapOvr>
+  <p:transition spd="slow">
+    <p:push dir="u"/>
+  </p:transition>
 </p:sld>
 </file>
 
@@ -13461,6 +12964,9 @@
   <p:clrMapOvr>
     <a:masterClrMapping/>
   </p:clrMapOvr>
+  <p:transition spd="slow">
+    <p:push dir="u"/>
+  </p:transition>
 </p:sld>
 </file>
 
@@ -13544,6 +13050,9 @@
   <p:clrMapOvr>
     <a:masterClrMapping/>
   </p:clrMapOvr>
+  <p:transition spd="slow">
+    <p:push dir="u"/>
+  </p:transition>
 </p:sld>
 </file>
 
@@ -13682,6 +13191,9 @@
   <p:clrMapOvr>
     <a:masterClrMapping/>
   </p:clrMapOvr>
+  <p:transition spd="slow">
+    <p:push dir="u"/>
+  </p:transition>
 </p:sld>
 </file>
 
@@ -13858,6 +13370,9 @@
   <p:clrMapOvr>
     <a:masterClrMapping/>
   </p:clrMapOvr>
+  <p:transition spd="slow">
+    <p:push dir="u"/>
+  </p:transition>
 </p:sld>
 </file>
 
@@ -14005,7 +13520,7 @@
           <a:p>
             <a:r>
               <a:rPr lang="en-US" sz="3200" dirty="0"/>
-              <a:t>Fifth, ALWAYS </a:t>
+              <a:t>Finally, ALWAYS </a:t>
             </a:r>
             <a:r>
               <a:rPr lang="en-US" sz="3200" dirty="0" err="1"/>
@@ -14045,6 +13560,9 @@
   <p:clrMapOvr>
     <a:masterClrMapping/>
   </p:clrMapOvr>
+  <p:transition spd="slow">
+    <p:push dir="u"/>
+  </p:transition>
 </p:sld>
 </file>
 
@@ -14145,7 +13663,7 @@
             </a:r>
             <a:r>
               <a:rPr lang="en-US" sz="3200" dirty="0"/>
-              <a:t>’)”.</a:t>
+              <a:t>’))”.</a:t>
             </a:r>
           </a:p>
           <a:p>
@@ -14163,6 +13681,9 @@
   <p:clrMapOvr>
     <a:masterClrMapping/>
   </p:clrMapOvr>
+  <p:transition spd="slow">
+    <p:push dir="u"/>
+  </p:transition>
 </p:sld>
 </file>
 
@@ -14199,9 +13720,16 @@
             <p:ph type="title"/>
           </p:nvPr>
         </p:nvSpPr>
-        <p:spPr/>
+        <p:spPr>
+          <a:xfrm>
+            <a:off x="1141412" y="0"/>
+            <a:ext cx="9905998" cy="564330"/>
+          </a:xfrm>
+        </p:spPr>
         <p:txBody>
-          <a:bodyPr/>
+          <a:bodyPr>
+            <a:normAutofit fontScale="90000"/>
+          </a:bodyPr>
           <a:lstStyle/>
           <a:p>
             <a:r>
@@ -14227,7 +13755,12 @@
             <p:ph idx="1"/>
           </p:nvPr>
         </p:nvSpPr>
-        <p:spPr/>
+        <p:spPr>
+          <a:xfrm>
+            <a:off x="1141412" y="564330"/>
+            <a:ext cx="9905999" cy="3541714"/>
+          </a:xfrm>
+        </p:spPr>
         <p:txBody>
           <a:bodyPr>
             <a:normAutofit/>
@@ -14236,8 +13769,26 @@
           <a:p>
             <a:r>
               <a:rPr lang="en-US" dirty="0"/>
-              <a:t>There are two wats to input data in the JSON files</a:t>
-            </a:r>
+              <a:t>First, Check you data is in the correct format for JSON to read.</a:t>
+            </a:r>
+          </a:p>
+          <a:p>
+            <a:r>
+              <a:rPr lang="en-US" dirty="0"/>
+              <a:t>Second, </a:t>
+            </a:r>
+            <a:r>
+              <a:rPr lang="en-US" dirty="0" err="1"/>
+              <a:t>Stringify</a:t>
+            </a:r>
+            <a:r>
+              <a:rPr lang="en-US"/>
+              <a:t> </a:t>
+            </a:r>
+            <a:endParaRPr lang="en-US" dirty="0"/>
+          </a:p>
+          <a:p>
+            <a:endParaRPr lang="en-US" dirty="0"/>
           </a:p>
         </p:txBody>
       </p:sp>
@@ -14251,217 +13802,9 @@
   <p:clrMapOvr>
     <a:masterClrMapping/>
   </p:clrMapOvr>
-</p:sld>
-</file>
-
-<file path=ppt/slides/slide9.xml><?xml version="1.0" encoding="utf-8"?>
-<p:sld xmlns:a="http://schemas.openxmlformats.org/drawingml/2006/main" xmlns:r="http://schemas.openxmlformats.org/officeDocument/2006/relationships" xmlns:p="http://schemas.openxmlformats.org/presentationml/2006/main">
-  <p:cSld>
-    <p:spTree>
-      <p:nvGrpSpPr>
-        <p:cNvPr id="1" name=""/>
-        <p:cNvGrpSpPr/>
-        <p:nvPr/>
-      </p:nvGrpSpPr>
-      <p:grpSpPr>
-        <a:xfrm>
-          <a:off x="0" y="0"/>
-          <a:ext cx="0" cy="0"/>
-          <a:chOff x="0" y="0"/>
-          <a:chExt cx="0" cy="0"/>
-        </a:xfrm>
-      </p:grpSpPr>
-      <p:sp>
-        <p:nvSpPr>
-          <p:cNvPr id="2" name="Title 1">
-            <a:extLst>
-              <a:ext uri="{FF2B5EF4-FFF2-40B4-BE49-F238E27FC236}">
-                <a16:creationId xmlns:a16="http://schemas.microsoft.com/office/drawing/2014/main" id="{908ADE35-8181-4921-8D24-02220D1616DC}"/>
-              </a:ext>
-            </a:extLst>
-          </p:cNvPr>
-          <p:cNvSpPr>
-            <a:spLocks noGrp="1"/>
-          </p:cNvSpPr>
-          <p:nvPr>
-            <p:ph type="title"/>
-          </p:nvPr>
-        </p:nvSpPr>
-        <p:spPr/>
-        <p:txBody>
-          <a:bodyPr/>
-          <a:lstStyle/>
-          <a:p>
-            <a:endParaRPr lang="en-US"/>
-          </a:p>
-        </p:txBody>
-      </p:sp>
-      <p:sp>
-        <p:nvSpPr>
-          <p:cNvPr id="3" name="Content Placeholder 2">
-            <a:extLst>
-              <a:ext uri="{FF2B5EF4-FFF2-40B4-BE49-F238E27FC236}">
-                <a16:creationId xmlns:a16="http://schemas.microsoft.com/office/drawing/2014/main" id="{34CB329C-4D2E-46A6-A352-0AD1158BDC61}"/>
-              </a:ext>
-            </a:extLst>
-          </p:cNvPr>
-          <p:cNvSpPr>
-            <a:spLocks noGrp="1"/>
-          </p:cNvSpPr>
-          <p:nvPr>
-            <p:ph idx="1"/>
-          </p:nvPr>
-        </p:nvSpPr>
-        <p:spPr/>
-        <p:txBody>
-          <a:bodyPr>
-            <a:normAutofit fontScale="62500" lnSpcReduction="20000"/>
-          </a:bodyPr>
-          <a:lstStyle/>
-          <a:p>
-            <a:r>
-              <a:rPr lang="en-US" dirty="0"/>
-              <a:t> First, in order to read JSON file. The Data in the files must be in the correct format. If not, you just going to get an error.</a:t>
-            </a:r>
-          </a:p>
-          <a:p>
-            <a:r>
-              <a:rPr lang="en-US" dirty="0"/>
-              <a:t>Second, use the code from the fs Module “</a:t>
-            </a:r>
-            <a:r>
-              <a:rPr lang="en-US" dirty="0" err="1"/>
-              <a:t>fs.readFile</a:t>
-            </a:r>
-            <a:r>
-              <a:rPr lang="en-US" dirty="0"/>
-              <a:t>(‘</a:t>
-            </a:r>
-            <a:r>
-              <a:rPr lang="en-US" dirty="0" err="1"/>
-              <a:t>data.json</a:t>
-            </a:r>
-            <a:r>
-              <a:rPr lang="en-US" dirty="0"/>
-              <a:t>’)” or “</a:t>
-            </a:r>
-            <a:r>
-              <a:rPr lang="en-US" dirty="0" err="1"/>
-              <a:t>fs.readFileSync</a:t>
-            </a:r>
-            <a:r>
-              <a:rPr lang="en-US" dirty="0"/>
-              <a:t>(‘</a:t>
-            </a:r>
-            <a:r>
-              <a:rPr lang="en-US" dirty="0" err="1"/>
-              <a:t>data.json</a:t>
-            </a:r>
-            <a:r>
-              <a:rPr lang="en-US" dirty="0"/>
-              <a:t>’)”. The difference between the two code is the first one is asynchronous which mean it will jump to next code even if it is not finish reading. And the second code is Synchronous which mean the code must be finish before jumping to the next one.</a:t>
-            </a:r>
-          </a:p>
-          <a:p>
-            <a:r>
-              <a:rPr lang="en-US" dirty="0"/>
-              <a:t>Second-part-two, The code can have two argument but only need the file name argument. For an example, “</a:t>
-            </a:r>
-            <a:r>
-              <a:rPr lang="en-US" dirty="0" err="1"/>
-              <a:t>fs.readFile</a:t>
-            </a:r>
-            <a:r>
-              <a:rPr lang="en-US" dirty="0"/>
-              <a:t>( ‘</a:t>
-            </a:r>
-            <a:r>
-              <a:rPr lang="en-US" dirty="0" err="1"/>
-              <a:t>filename.json</a:t>
-            </a:r>
-            <a:r>
-              <a:rPr lang="en-US" dirty="0"/>
-              <a:t>’, </a:t>
-            </a:r>
-            <a:r>
-              <a:rPr lang="en-US" dirty="0" err="1"/>
-              <a:t>callbackfunction</a:t>
-            </a:r>
-            <a:r>
-              <a:rPr lang="en-US" dirty="0"/>
-              <a:t>(){}”</a:t>
-            </a:r>
-          </a:p>
-          <a:p>
-            <a:r>
-              <a:rPr lang="en-US" dirty="0"/>
-              <a:t>Third, the code will do it but it need to be save to an variable. For an example, “var </a:t>
-            </a:r>
-            <a:r>
-              <a:rPr lang="en-US" dirty="0" err="1"/>
-              <a:t>Rawdata</a:t>
-            </a:r>
-            <a:r>
-              <a:rPr lang="en-US" dirty="0"/>
-              <a:t> = </a:t>
-            </a:r>
-            <a:r>
-              <a:rPr lang="en-US" dirty="0" err="1"/>
-              <a:t>fs.readFile</a:t>
-            </a:r>
-            <a:r>
-              <a:rPr lang="en-US" dirty="0"/>
-              <a:t>(‘</a:t>
-            </a:r>
-            <a:r>
-              <a:rPr lang="en-US" dirty="0" err="1"/>
-              <a:t>data.json</a:t>
-            </a:r>
-            <a:r>
-              <a:rPr lang="en-US" dirty="0"/>
-              <a:t>’)”</a:t>
-            </a:r>
-          </a:p>
-          <a:p>
-            <a:r>
-              <a:rPr lang="en-US" dirty="0"/>
-              <a:t>Fourth, after it is save to an variable the data will be unreadable to JavaScript so in order for JavaScript to read the data. We Have to parse the data. “var data = </a:t>
-            </a:r>
-            <a:r>
-              <a:rPr lang="en-US" dirty="0" err="1"/>
-              <a:t>JSON.parse</a:t>
-            </a:r>
-            <a:r>
-              <a:rPr lang="en-US" dirty="0"/>
-              <a:t>(</a:t>
-            </a:r>
-            <a:r>
-              <a:rPr lang="en-US" dirty="0" err="1"/>
-              <a:t>rawdata</a:t>
-            </a:r>
-            <a:r>
-              <a:rPr lang="en-US" dirty="0"/>
-              <a:t>)”.</a:t>
-            </a:r>
-          </a:p>
-          <a:p>
-            <a:r>
-              <a:rPr lang="en-US" dirty="0"/>
-              <a:t>Fifth, Check your variable by using console.log(data)</a:t>
-            </a:r>
-          </a:p>
-        </p:txBody>
-      </p:sp>
-    </p:spTree>
-    <p:extLst>
-      <p:ext uri="{BB962C8B-B14F-4D97-AF65-F5344CB8AC3E}">
-        <p14:creationId xmlns:p14="http://schemas.microsoft.com/office/powerpoint/2010/main" val="3881737643"/>
-      </p:ext>
-    </p:extLst>
-  </p:cSld>
-  <p:clrMapOvr>
-    <a:masterClrMapping/>
-  </p:clrMapOvr>
+  <p:transition spd="slow">
+    <p:push dir="u"/>
+  </p:transition>
 </p:sld>
 </file>
 
@@ -14895,18 +14238,18 @@
 </file>
 
 <file path=customXml/item2.xml><?xml version="1.0" encoding="utf-8"?>
-<p:properties xmlns:p="http://schemas.microsoft.com/office/2006/metadata/properties" xmlns:xsi="http://www.w3.org/2001/XMLSchema-instance" xmlns:pc="http://schemas.microsoft.com/office/infopath/2007/PartnerControls">
-  <documentManagement/>
-</p:properties>
-</file>
-
-<file path=customXml/item3.xml><?xml version="1.0" encoding="utf-8"?>
 <?mso-contentType ?>
 <FormTemplates xmlns="http://schemas.microsoft.com/sharepoint/v3/contenttype/forms">
   <Display>DocumentLibraryForm</Display>
   <Edit>DocumentLibraryForm</Edit>
   <New>DocumentLibraryForm</New>
 </FormTemplates>
+</file>
+
+<file path=customXml/item3.xml><?xml version="1.0" encoding="utf-8"?>
+<p:properties xmlns:p="http://schemas.microsoft.com/office/2006/metadata/properties" xmlns:xsi="http://www.w3.org/2001/XMLSchema-instance" xmlns:pc="http://schemas.microsoft.com/office/infopath/2007/PartnerControls">
+  <documentManagement/>
+</p:properties>
 </file>
 
 <file path=customXml/itemProps1.xml><?xml version="1.0" encoding="utf-8"?>
@@ -14928,25 +14271,25 @@
 </file>
 
 <file path=customXml/itemProps2.xml><?xml version="1.0" encoding="utf-8"?>
-<ds:datastoreItem xmlns:ds="http://schemas.openxmlformats.org/officeDocument/2006/customXml" ds:itemID="{4D7DF473-E457-455C-964A-71866F94C31D}">
+<ds:datastoreItem xmlns:ds="http://schemas.openxmlformats.org/officeDocument/2006/customXml" ds:itemID="{FBF644BF-741F-4203-BDCE-6E53299E5B2C}">
   <ds:schemaRefs>
-    <ds:schemaRef ds:uri="http://purl.org/dc/terms/"/>
-    <ds:schemaRef ds:uri="http://purl.org/dc/elements/1.1/"/>
-    <ds:schemaRef ds:uri="http://www.w3.org/XML/1998/namespace"/>
-    <ds:schemaRef ds:uri="http://schemas.openxmlformats.org/package/2006/metadata/core-properties"/>
-    <ds:schemaRef ds:uri="http://purl.org/dc/dcmitype/"/>
-    <ds:schemaRef ds:uri="http://schemas.microsoft.com/office/2006/documentManagement/types"/>
-    <ds:schemaRef ds:uri="afa79ede-8800-4b38-b2d4-921a0a289804"/>
-    <ds:schemaRef ds:uri="http://schemas.microsoft.com/office/infopath/2007/PartnerControls"/>
-    <ds:schemaRef ds:uri="http://schemas.microsoft.com/office/2006/metadata/properties"/>
+    <ds:schemaRef ds:uri="http://schemas.microsoft.com/sharepoint/v3/contenttype/forms"/>
   </ds:schemaRefs>
 </ds:datastoreItem>
 </file>
 
 <file path=customXml/itemProps3.xml><?xml version="1.0" encoding="utf-8"?>
-<ds:datastoreItem xmlns:ds="http://schemas.openxmlformats.org/officeDocument/2006/customXml" ds:itemID="{FBF644BF-741F-4203-BDCE-6E53299E5B2C}">
+<ds:datastoreItem xmlns:ds="http://schemas.openxmlformats.org/officeDocument/2006/customXml" ds:itemID="{4D7DF473-E457-455C-964A-71866F94C31D}">
   <ds:schemaRefs>
-    <ds:schemaRef ds:uri="http://schemas.microsoft.com/sharepoint/v3/contenttype/forms"/>
+    <ds:schemaRef ds:uri="http://schemas.openxmlformats.org/package/2006/metadata/core-properties"/>
+    <ds:schemaRef ds:uri="http://schemas.microsoft.com/office/infopath/2007/PartnerControls"/>
+    <ds:schemaRef ds:uri="http://purl.org/dc/dcmitype/"/>
+    <ds:schemaRef ds:uri="http://schemas.microsoft.com/office/2006/metadata/properties"/>
+    <ds:schemaRef ds:uri="http://schemas.microsoft.com/office/2006/documentManagement/types"/>
+    <ds:schemaRef ds:uri="http://purl.org/dc/terms/"/>
+    <ds:schemaRef ds:uri="afa79ede-8800-4b38-b2d4-921a0a289804"/>
+    <ds:schemaRef ds:uri="http://www.w3.org/XML/1998/namespace"/>
+    <ds:schemaRef ds:uri="http://purl.org/dc/elements/1.1/"/>
   </ds:schemaRefs>
 </ds:datastoreItem>
 </file>
--- a/docpac_mar18/JasonLara/WORKING WITH JSON FILES.pptx
+++ b/docpac_mar18/JasonLara/WORKING WITH JSON FILES.pptx
@@ -7,12 +7,12 @@
   <p:sldIdLst>
     <p:sldId id="256" r:id="rId5"/>
     <p:sldId id="261" r:id="rId6"/>
-    <p:sldId id="260" r:id="rId7"/>
-    <p:sldId id="259" r:id="rId8"/>
-    <p:sldId id="257" r:id="rId9"/>
-    <p:sldId id="266" r:id="rId10"/>
-    <p:sldId id="267" r:id="rId11"/>
-    <p:sldId id="258" r:id="rId12"/>
+    <p:sldId id="259" r:id="rId7"/>
+    <p:sldId id="257" r:id="rId8"/>
+    <p:sldId id="266" r:id="rId9"/>
+    <p:sldId id="267" r:id="rId10"/>
+    <p:sldId id="258" r:id="rId11"/>
+    <p:sldId id="268" r:id="rId12"/>
   </p:sldIdLst>
   <p:sldSz cx="12192000" cy="6858000"/>
   <p:notesSz cx="6858000" cy="9144000"/>
@@ -473,7 +473,7 @@
           <a:noFill/>
           <a:extLst>
             <a:ext uri="{909E8E84-426E-40dd-AFC4-6F175D3DCCD1}">
-              <a14:hiddenFill xmlns:a14="http://schemas.microsoft.com/office/drawing/2010/main" xmlns="">
+              <a14:hiddenFill xmlns="" xmlns:a14="http://schemas.microsoft.com/office/drawing/2010/main">
                 <a:solidFill>
                   <a:srgbClr val="FFFFFF"/>
                 </a:solidFill>
@@ -533,7 +533,7 @@
             </a:ln>
             <a:extLst>
               <a:ext uri="{91240B29-F687-4f45-9708-019B960494DF}">
-                <a14:hiddenLine xmlns:a14="http://schemas.microsoft.com/office/drawing/2010/main" xmlns="" w="9525">
+                <a14:hiddenLine xmlns="" xmlns:a14="http://schemas.microsoft.com/office/drawing/2010/main" w="9525">
                   <a:solidFill>
                     <a:srgbClr val="000000"/>
                   </a:solidFill>
@@ -623,7 +623,7 @@
             </a:ln>
             <a:extLst>
               <a:ext uri="{91240B29-F687-4f45-9708-019B960494DF}">
-                <a14:hiddenLine xmlns:a14="http://schemas.microsoft.com/office/drawing/2010/main" xmlns="" w="9525">
+                <a14:hiddenLine xmlns="" xmlns:a14="http://schemas.microsoft.com/office/drawing/2010/main" w="9525">
                   <a:solidFill>
                     <a:srgbClr val="000000"/>
                   </a:solidFill>
@@ -713,7 +713,7 @@
             </a:ln>
             <a:extLst>
               <a:ext uri="{91240B29-F687-4f45-9708-019B960494DF}">
-                <a14:hiddenLine xmlns:a14="http://schemas.microsoft.com/office/drawing/2010/main" xmlns="" w="9525">
+                <a14:hiddenLine xmlns="" xmlns:a14="http://schemas.microsoft.com/office/drawing/2010/main" w="9525">
                   <a:solidFill>
                     <a:srgbClr val="000000"/>
                   </a:solidFill>
@@ -747,7 +747,7 @@
             </a:ln>
             <a:extLst>
               <a:ext uri="{91240B29-F687-4f45-9708-019B960494DF}">
-                <a14:hiddenLine xmlns:a14="http://schemas.microsoft.com/office/drawing/2010/main" xmlns="" w="9525">
+                <a14:hiddenLine xmlns="" xmlns:a14="http://schemas.microsoft.com/office/drawing/2010/main" w="9525">
                   <a:solidFill>
                     <a:srgbClr val="000000"/>
                   </a:solidFill>
@@ -837,7 +837,7 @@
             </a:ln>
             <a:extLst>
               <a:ext uri="{91240B29-F687-4f45-9708-019B960494DF}">
-                <a14:hiddenLine xmlns:a14="http://schemas.microsoft.com/office/drawing/2010/main" xmlns="" w="9525">
+                <a14:hiddenLine xmlns="" xmlns:a14="http://schemas.microsoft.com/office/drawing/2010/main" w="9525">
                   <a:solidFill>
                     <a:srgbClr val="000000"/>
                   </a:solidFill>
@@ -899,7 +899,7 @@
             </a:ln>
             <a:extLst>
               <a:ext uri="{91240B29-F687-4f45-9708-019B960494DF}">
-                <a14:hiddenLine xmlns:a14="http://schemas.microsoft.com/office/drawing/2010/main" xmlns="" w="9525">
+                <a14:hiddenLine xmlns="" xmlns:a14="http://schemas.microsoft.com/office/drawing/2010/main" w="9525">
                   <a:solidFill>
                     <a:srgbClr val="000000"/>
                   </a:solidFill>
@@ -961,7 +961,7 @@
             </a:ln>
             <a:extLst>
               <a:ext uri="{91240B29-F687-4f45-9708-019B960494DF}">
-                <a14:hiddenLine xmlns:a14="http://schemas.microsoft.com/office/drawing/2010/main" xmlns="" w="9525">
+                <a14:hiddenLine xmlns="" xmlns:a14="http://schemas.microsoft.com/office/drawing/2010/main" w="9525">
                   <a:solidFill>
                     <a:srgbClr val="000000"/>
                   </a:solidFill>
@@ -1051,7 +1051,7 @@
             </a:ln>
             <a:extLst>
               <a:ext uri="{91240B29-F687-4f45-9708-019B960494DF}">
-                <a14:hiddenLine xmlns:a14="http://schemas.microsoft.com/office/drawing/2010/main" xmlns="" w="9525">
+                <a14:hiddenLine xmlns="" xmlns:a14="http://schemas.microsoft.com/office/drawing/2010/main" w="9525">
                   <a:solidFill>
                     <a:srgbClr val="000000"/>
                   </a:solidFill>
@@ -1113,7 +1113,7 @@
             </a:ln>
             <a:extLst>
               <a:ext uri="{91240B29-F687-4f45-9708-019B960494DF}">
-                <a14:hiddenLine xmlns:a14="http://schemas.microsoft.com/office/drawing/2010/main" xmlns="" w="9525">
+                <a14:hiddenLine xmlns="" xmlns:a14="http://schemas.microsoft.com/office/drawing/2010/main" w="9525">
                   <a:solidFill>
                     <a:srgbClr val="000000"/>
                   </a:solidFill>
@@ -1175,7 +1175,7 @@
             </a:ln>
             <a:extLst>
               <a:ext uri="{91240B29-F687-4f45-9708-019B960494DF}">
-                <a14:hiddenLine xmlns:a14="http://schemas.microsoft.com/office/drawing/2010/main" xmlns="" w="9525">
+                <a14:hiddenLine xmlns="" xmlns:a14="http://schemas.microsoft.com/office/drawing/2010/main" w="9525">
                   <a:solidFill>
                     <a:srgbClr val="000000"/>
                   </a:solidFill>
@@ -1265,7 +1265,7 @@
             </a:ln>
             <a:extLst>
               <a:ext uri="{91240B29-F687-4f45-9708-019B960494DF}">
-                <a14:hiddenLine xmlns:a14="http://schemas.microsoft.com/office/drawing/2010/main" xmlns="" w="9525">
+                <a14:hiddenLine xmlns="" xmlns:a14="http://schemas.microsoft.com/office/drawing/2010/main" w="9525">
                   <a:solidFill>
                     <a:srgbClr val="000000"/>
                   </a:solidFill>
@@ -1355,7 +1355,7 @@
             </a:ln>
             <a:extLst>
               <a:ext uri="{91240B29-F687-4f45-9708-019B960494DF}">
-                <a14:hiddenLine xmlns:a14="http://schemas.microsoft.com/office/drawing/2010/main" xmlns="" w="9525">
+                <a14:hiddenLine xmlns="" xmlns:a14="http://schemas.microsoft.com/office/drawing/2010/main" w="9525">
                   <a:solidFill>
                     <a:srgbClr val="000000"/>
                   </a:solidFill>
@@ -1417,7 +1417,7 @@
             </a:ln>
             <a:extLst>
               <a:ext uri="{91240B29-F687-4f45-9708-019B960494DF}">
-                <a14:hiddenLine xmlns:a14="http://schemas.microsoft.com/office/drawing/2010/main" xmlns="" w="9525">
+                <a14:hiddenLine xmlns="" xmlns:a14="http://schemas.microsoft.com/office/drawing/2010/main" w="9525">
                   <a:solidFill>
                     <a:srgbClr val="000000"/>
                   </a:solidFill>
@@ -1527,7 +1527,7 @@
             </a:ln>
             <a:extLst>
               <a:ext uri="{91240B29-F687-4f45-9708-019B960494DF}">
-                <a14:hiddenLine xmlns:a14="http://schemas.microsoft.com/office/drawing/2010/main" xmlns="" w="9525">
+                <a14:hiddenLine xmlns="" xmlns:a14="http://schemas.microsoft.com/office/drawing/2010/main" w="9525">
                   <a:solidFill>
                     <a:srgbClr val="000000"/>
                   </a:solidFill>
@@ -1589,7 +1589,7 @@
             </a:ln>
             <a:extLst>
               <a:ext uri="{91240B29-F687-4f45-9708-019B960494DF}">
-                <a14:hiddenLine xmlns:a14="http://schemas.microsoft.com/office/drawing/2010/main" xmlns="" w="9525">
+                <a14:hiddenLine xmlns="" xmlns:a14="http://schemas.microsoft.com/office/drawing/2010/main" w="9525">
                   <a:solidFill>
                     <a:srgbClr val="000000"/>
                   </a:solidFill>
@@ -1679,7 +1679,7 @@
             </a:ln>
             <a:extLst>
               <a:ext uri="{91240B29-F687-4f45-9708-019B960494DF}">
-                <a14:hiddenLine xmlns:a14="http://schemas.microsoft.com/office/drawing/2010/main" xmlns="" w="9525">
+                <a14:hiddenLine xmlns="" xmlns:a14="http://schemas.microsoft.com/office/drawing/2010/main" w="9525">
                   <a:solidFill>
                     <a:srgbClr val="000000"/>
                   </a:solidFill>
@@ -1769,7 +1769,7 @@
             </a:ln>
             <a:extLst>
               <a:ext uri="{91240B29-F687-4f45-9708-019B960494DF}">
-                <a14:hiddenLine xmlns:a14="http://schemas.microsoft.com/office/drawing/2010/main" xmlns="" w="9525">
+                <a14:hiddenLine xmlns="" xmlns:a14="http://schemas.microsoft.com/office/drawing/2010/main" w="9525">
                   <a:solidFill>
                     <a:srgbClr val="000000"/>
                   </a:solidFill>
@@ -1831,7 +1831,7 @@
             </a:ln>
             <a:extLst>
               <a:ext uri="{91240B29-F687-4f45-9708-019B960494DF}">
-                <a14:hiddenLine xmlns:a14="http://schemas.microsoft.com/office/drawing/2010/main" xmlns="" w="9525">
+                <a14:hiddenLine xmlns="" xmlns:a14="http://schemas.microsoft.com/office/drawing/2010/main" w="9525">
                   <a:solidFill>
                     <a:srgbClr val="000000"/>
                   </a:solidFill>
@@ -1921,7 +1921,7 @@
             </a:ln>
             <a:extLst>
               <a:ext uri="{91240B29-F687-4f45-9708-019B960494DF}">
-                <a14:hiddenLine xmlns:a14="http://schemas.microsoft.com/office/drawing/2010/main" xmlns="" w="9525">
+                <a14:hiddenLine xmlns="" xmlns:a14="http://schemas.microsoft.com/office/drawing/2010/main" w="9525">
                   <a:solidFill>
                     <a:srgbClr val="000000"/>
                   </a:solidFill>
@@ -2011,7 +2011,7 @@
             </a:ln>
             <a:extLst>
               <a:ext uri="{91240B29-F687-4f45-9708-019B960494DF}">
-                <a14:hiddenLine xmlns:a14="http://schemas.microsoft.com/office/drawing/2010/main" xmlns="" w="9525">
+                <a14:hiddenLine xmlns="" xmlns:a14="http://schemas.microsoft.com/office/drawing/2010/main" w="9525">
                   <a:solidFill>
                     <a:srgbClr val="000000"/>
                   </a:solidFill>
@@ -2067,7 +2067,7 @@
             </a:ln>
             <a:extLst>
               <a:ext uri="{91240B29-F687-4f45-9708-019B960494DF}">
-                <a14:hiddenLine xmlns:a14="http://schemas.microsoft.com/office/drawing/2010/main" xmlns="" w="9525">
+                <a14:hiddenLine xmlns="" xmlns:a14="http://schemas.microsoft.com/office/drawing/2010/main" w="9525">
                   <a:solidFill>
                     <a:srgbClr val="000000"/>
                   </a:solidFill>
@@ -2157,7 +2157,7 @@
             </a:ln>
             <a:extLst>
               <a:ext uri="{91240B29-F687-4f45-9708-019B960494DF}">
-                <a14:hiddenLine xmlns:a14="http://schemas.microsoft.com/office/drawing/2010/main" xmlns="" w="9525">
+                <a14:hiddenLine xmlns="" xmlns:a14="http://schemas.microsoft.com/office/drawing/2010/main" w="9525">
                   <a:solidFill>
                     <a:srgbClr val="000000"/>
                   </a:solidFill>
@@ -2213,7 +2213,7 @@
             </a:ln>
             <a:extLst>
               <a:ext uri="{91240B29-F687-4f45-9708-019B960494DF}">
-                <a14:hiddenLine xmlns:a14="http://schemas.microsoft.com/office/drawing/2010/main" xmlns="" w="9525">
+                <a14:hiddenLine xmlns="" xmlns:a14="http://schemas.microsoft.com/office/drawing/2010/main" w="9525">
                   <a:solidFill>
                     <a:srgbClr val="000000"/>
                   </a:solidFill>
@@ -2303,7 +2303,7 @@
             </a:ln>
             <a:extLst>
               <a:ext uri="{91240B29-F687-4f45-9708-019B960494DF}">
-                <a14:hiddenLine xmlns:a14="http://schemas.microsoft.com/office/drawing/2010/main" xmlns="" w="9525">
+                <a14:hiddenLine xmlns="" xmlns:a14="http://schemas.microsoft.com/office/drawing/2010/main" w="9525">
                   <a:solidFill>
                     <a:srgbClr val="000000"/>
                   </a:solidFill>
@@ -2371,7 +2371,7 @@
             </a:ln>
             <a:extLst>
               <a:ext uri="{91240B29-F687-4f45-9708-019B960494DF}">
-                <a14:hiddenLine xmlns:a14="http://schemas.microsoft.com/office/drawing/2010/main" xmlns="" w="9525">
+                <a14:hiddenLine xmlns="" xmlns:a14="http://schemas.microsoft.com/office/drawing/2010/main" w="9525">
                   <a:solidFill>
                     <a:srgbClr val="000000"/>
                   </a:solidFill>
@@ -2461,7 +2461,7 @@
             </a:ln>
             <a:extLst>
               <a:ext uri="{91240B29-F687-4f45-9708-019B960494DF}">
-                <a14:hiddenLine xmlns:a14="http://schemas.microsoft.com/office/drawing/2010/main" xmlns="" w="9525">
+                <a14:hiddenLine xmlns="" xmlns:a14="http://schemas.microsoft.com/office/drawing/2010/main" w="9525">
                   <a:solidFill>
                     <a:srgbClr val="000000"/>
                   </a:solidFill>
@@ -2529,7 +2529,7 @@
             </a:ln>
             <a:extLst>
               <a:ext uri="{91240B29-F687-4f45-9708-019B960494DF}">
-                <a14:hiddenLine xmlns:a14="http://schemas.microsoft.com/office/drawing/2010/main" xmlns="" w="9525">
+                <a14:hiddenLine xmlns="" xmlns:a14="http://schemas.microsoft.com/office/drawing/2010/main" w="9525">
                   <a:solidFill>
                     <a:srgbClr val="000000"/>
                   </a:solidFill>
@@ -2619,7 +2619,7 @@
             </a:ln>
             <a:extLst>
               <a:ext uri="{91240B29-F687-4f45-9708-019B960494DF}">
-                <a14:hiddenLine xmlns:a14="http://schemas.microsoft.com/office/drawing/2010/main" xmlns="" w="9525">
+                <a14:hiddenLine xmlns="" xmlns:a14="http://schemas.microsoft.com/office/drawing/2010/main" w="9525">
                   <a:solidFill>
                     <a:srgbClr val="000000"/>
                   </a:solidFill>
@@ -2653,7 +2653,7 @@
             </a:ln>
             <a:extLst>
               <a:ext uri="{91240B29-F687-4f45-9708-019B960494DF}">
-                <a14:hiddenLine xmlns:a14="http://schemas.microsoft.com/office/drawing/2010/main" xmlns="" w="9525">
+                <a14:hiddenLine xmlns="" xmlns:a14="http://schemas.microsoft.com/office/drawing/2010/main" w="9525">
                   <a:solidFill>
                     <a:srgbClr val="000000"/>
                   </a:solidFill>
@@ -2743,7 +2743,7 @@
             </a:ln>
             <a:extLst>
               <a:ext uri="{91240B29-F687-4f45-9708-019B960494DF}">
-                <a14:hiddenLine xmlns:a14="http://schemas.microsoft.com/office/drawing/2010/main" xmlns="" w="9525">
+                <a14:hiddenLine xmlns="" xmlns:a14="http://schemas.microsoft.com/office/drawing/2010/main" w="9525">
                   <a:solidFill>
                     <a:srgbClr val="000000"/>
                   </a:solidFill>
@@ -2805,7 +2805,7 @@
             </a:ln>
             <a:extLst>
               <a:ext uri="{91240B29-F687-4f45-9708-019B960494DF}">
-                <a14:hiddenLine xmlns:a14="http://schemas.microsoft.com/office/drawing/2010/main" xmlns="" w="9525">
+                <a14:hiddenLine xmlns="" xmlns:a14="http://schemas.microsoft.com/office/drawing/2010/main" w="9525">
                   <a:solidFill>
                     <a:srgbClr val="000000"/>
                   </a:solidFill>
@@ -2867,7 +2867,7 @@
             </a:ln>
             <a:extLst>
               <a:ext uri="{91240B29-F687-4f45-9708-019B960494DF}">
-                <a14:hiddenLine xmlns:a14="http://schemas.microsoft.com/office/drawing/2010/main" xmlns="" w="9525">
+                <a14:hiddenLine xmlns="" xmlns:a14="http://schemas.microsoft.com/office/drawing/2010/main" w="9525">
                   <a:solidFill>
                     <a:srgbClr val="000000"/>
                   </a:solidFill>
@@ -2957,7 +2957,7 @@
             </a:ln>
             <a:extLst>
               <a:ext uri="{91240B29-F687-4f45-9708-019B960494DF}">
-                <a14:hiddenLine xmlns:a14="http://schemas.microsoft.com/office/drawing/2010/main" xmlns="" w="9525">
+                <a14:hiddenLine xmlns="" xmlns:a14="http://schemas.microsoft.com/office/drawing/2010/main" w="9525">
                   <a:solidFill>
                     <a:srgbClr val="000000"/>
                   </a:solidFill>
@@ -3025,7 +3025,7 @@
             </a:ln>
             <a:extLst>
               <a:ext uri="{91240B29-F687-4f45-9708-019B960494DF}">
-                <a14:hiddenLine xmlns:a14="http://schemas.microsoft.com/office/drawing/2010/main" xmlns="" w="9525">
+                <a14:hiddenLine xmlns="" xmlns:a14="http://schemas.microsoft.com/office/drawing/2010/main" w="9525">
                   <a:solidFill>
                     <a:srgbClr val="000000"/>
                   </a:solidFill>
@@ -3087,7 +3087,7 @@
             </a:ln>
             <a:extLst>
               <a:ext uri="{91240B29-F687-4f45-9708-019B960494DF}">
-                <a14:hiddenLine xmlns:a14="http://schemas.microsoft.com/office/drawing/2010/main" xmlns="" w="9525">
+                <a14:hiddenLine xmlns="" xmlns:a14="http://schemas.microsoft.com/office/drawing/2010/main" w="9525">
                   <a:solidFill>
                     <a:srgbClr val="000000"/>
                   </a:solidFill>
@@ -3177,7 +3177,7 @@
             </a:ln>
             <a:extLst>
               <a:ext uri="{91240B29-F687-4f45-9708-019B960494DF}">
-                <a14:hiddenLine xmlns:a14="http://schemas.microsoft.com/office/drawing/2010/main" xmlns="" w="9525">
+                <a14:hiddenLine xmlns="" xmlns:a14="http://schemas.microsoft.com/office/drawing/2010/main" w="9525">
                   <a:solidFill>
                     <a:srgbClr val="000000"/>
                   </a:solidFill>
@@ -3239,7 +3239,7 @@
             </a:ln>
             <a:extLst>
               <a:ext uri="{91240B29-F687-4f45-9708-019B960494DF}">
-                <a14:hiddenLine xmlns:a14="http://schemas.microsoft.com/office/drawing/2010/main" xmlns="" w="9525">
+                <a14:hiddenLine xmlns="" xmlns:a14="http://schemas.microsoft.com/office/drawing/2010/main" w="9525">
                   <a:solidFill>
                     <a:srgbClr val="000000"/>
                   </a:solidFill>
@@ -3329,7 +3329,7 @@
             </a:ln>
             <a:extLst>
               <a:ext uri="{91240B29-F687-4f45-9708-019B960494DF}">
-                <a14:hiddenLine xmlns:a14="http://schemas.microsoft.com/office/drawing/2010/main" xmlns="" w="9525">
+                <a14:hiddenLine xmlns="" xmlns:a14="http://schemas.microsoft.com/office/drawing/2010/main" w="9525">
                   <a:solidFill>
                     <a:srgbClr val="000000"/>
                   </a:solidFill>
@@ -3391,7 +3391,7 @@
             </a:ln>
             <a:extLst>
               <a:ext uri="{91240B29-F687-4f45-9708-019B960494DF}">
-                <a14:hiddenLine xmlns:a14="http://schemas.microsoft.com/office/drawing/2010/main" xmlns="" w="9525">
+                <a14:hiddenLine xmlns="" xmlns:a14="http://schemas.microsoft.com/office/drawing/2010/main" w="9525">
                   <a:solidFill>
                     <a:srgbClr val="000000"/>
                   </a:solidFill>
@@ -3481,7 +3481,7 @@
             </a:ln>
             <a:extLst>
               <a:ext uri="{91240B29-F687-4f45-9708-019B960494DF}">
-                <a14:hiddenLine xmlns:a14="http://schemas.microsoft.com/office/drawing/2010/main" xmlns="" w="9525">
+                <a14:hiddenLine xmlns="" xmlns:a14="http://schemas.microsoft.com/office/drawing/2010/main" w="9525">
                   <a:solidFill>
                     <a:srgbClr val="000000"/>
                   </a:solidFill>
@@ -3515,7 +3515,7 @@
             </a:ln>
             <a:extLst>
               <a:ext uri="{91240B29-F687-4f45-9708-019B960494DF}">
-                <a14:hiddenLine xmlns:a14="http://schemas.microsoft.com/office/drawing/2010/main" xmlns="" w="9525">
+                <a14:hiddenLine xmlns="" xmlns:a14="http://schemas.microsoft.com/office/drawing/2010/main" w="9525">
                   <a:solidFill>
                     <a:srgbClr val="000000"/>
                   </a:solidFill>
@@ -3580,7 +3580,7 @@
             </a:ln>
             <a:extLst>
               <a:ext uri="{91240B29-F687-4f45-9708-019B960494DF}">
-                <a14:hiddenLine xmlns:a14="http://schemas.microsoft.com/office/drawing/2010/main" xmlns="" w="9525">
+                <a14:hiddenLine xmlns="" xmlns:a14="http://schemas.microsoft.com/office/drawing/2010/main" w="9525">
                   <a:solidFill>
                     <a:srgbClr val="000000"/>
                   </a:solidFill>
@@ -3670,7 +3670,7 @@
             </a:ln>
             <a:extLst>
               <a:ext uri="{91240B29-F687-4f45-9708-019B960494DF}">
-                <a14:hiddenLine xmlns:a14="http://schemas.microsoft.com/office/drawing/2010/main" xmlns="" w="9525">
+                <a14:hiddenLine xmlns="" xmlns:a14="http://schemas.microsoft.com/office/drawing/2010/main" w="9525">
                   <a:solidFill>
                     <a:srgbClr val="000000"/>
                   </a:solidFill>
@@ -3732,7 +3732,7 @@
             </a:ln>
             <a:extLst>
               <a:ext uri="{91240B29-F687-4f45-9708-019B960494DF}">
-                <a14:hiddenLine xmlns:a14="http://schemas.microsoft.com/office/drawing/2010/main" xmlns="" w="9525">
+                <a14:hiddenLine xmlns="" xmlns:a14="http://schemas.microsoft.com/office/drawing/2010/main" w="9525">
                   <a:solidFill>
                     <a:srgbClr val="000000"/>
                   </a:solidFill>
@@ -3822,7 +3822,7 @@
             </a:ln>
             <a:extLst>
               <a:ext uri="{91240B29-F687-4f45-9708-019B960494DF}">
-                <a14:hiddenLine xmlns:a14="http://schemas.microsoft.com/office/drawing/2010/main" xmlns="" w="9525">
+                <a14:hiddenLine xmlns="" xmlns:a14="http://schemas.microsoft.com/office/drawing/2010/main" w="9525">
                   <a:solidFill>
                     <a:srgbClr val="000000"/>
                   </a:solidFill>
@@ -3912,7 +3912,7 @@
             </a:ln>
             <a:extLst>
               <a:ext uri="{91240B29-F687-4f45-9708-019B960494DF}">
-                <a14:hiddenLine xmlns:a14="http://schemas.microsoft.com/office/drawing/2010/main" xmlns="" w="9525">
+                <a14:hiddenLine xmlns="" xmlns:a14="http://schemas.microsoft.com/office/drawing/2010/main" w="9525">
                   <a:solidFill>
                     <a:srgbClr val="000000"/>
                   </a:solidFill>
@@ -3977,7 +3977,7 @@
             </a:ln>
             <a:extLst>
               <a:ext uri="{91240B29-F687-4f45-9708-019B960494DF}">
-                <a14:hiddenLine xmlns:a14="http://schemas.microsoft.com/office/drawing/2010/main" xmlns="" w="9525">
+                <a14:hiddenLine xmlns="" xmlns:a14="http://schemas.microsoft.com/office/drawing/2010/main" w="9525">
                   <a:solidFill>
                     <a:srgbClr val="000000"/>
                   </a:solidFill>
@@ -4039,7 +4039,7 @@
             </a:ln>
             <a:extLst>
               <a:ext uri="{91240B29-F687-4f45-9708-019B960494DF}">
-                <a14:hiddenLine xmlns:a14="http://schemas.microsoft.com/office/drawing/2010/main" xmlns="" w="9525">
+                <a14:hiddenLine xmlns="" xmlns:a14="http://schemas.microsoft.com/office/drawing/2010/main" w="9525">
                   <a:solidFill>
                     <a:srgbClr val="000000"/>
                   </a:solidFill>
@@ -4129,7 +4129,7 @@
             </a:ln>
             <a:extLst>
               <a:ext uri="{91240B29-F687-4f45-9708-019B960494DF}">
-                <a14:hiddenLine xmlns:a14="http://schemas.microsoft.com/office/drawing/2010/main" xmlns="" w="9525">
+                <a14:hiddenLine xmlns="" xmlns:a14="http://schemas.microsoft.com/office/drawing/2010/main" w="9525">
                   <a:solidFill>
                     <a:srgbClr val="000000"/>
                   </a:solidFill>
@@ -4219,7 +4219,7 @@
             </a:ln>
             <a:extLst>
               <a:ext uri="{91240B29-F687-4f45-9708-019B960494DF}">
-                <a14:hiddenLine xmlns:a14="http://schemas.microsoft.com/office/drawing/2010/main" xmlns="" w="9525">
+                <a14:hiddenLine xmlns="" xmlns:a14="http://schemas.microsoft.com/office/drawing/2010/main" w="9525">
                   <a:solidFill>
                     <a:srgbClr val="000000"/>
                   </a:solidFill>
@@ -4281,7 +4281,7 @@
             </a:ln>
             <a:extLst>
               <a:ext uri="{91240B29-F687-4f45-9708-019B960494DF}">
-                <a14:hiddenLine xmlns:a14="http://schemas.microsoft.com/office/drawing/2010/main" xmlns="" w="9525">
+                <a14:hiddenLine xmlns="" xmlns:a14="http://schemas.microsoft.com/office/drawing/2010/main" w="9525">
                   <a:solidFill>
                     <a:srgbClr val="000000"/>
                   </a:solidFill>
@@ -4401,7 +4401,7 @@
             </a:ln>
             <a:extLst>
               <a:ext uri="{91240B29-F687-4f45-9708-019B960494DF}">
-                <a14:hiddenLine xmlns:a14="http://schemas.microsoft.com/office/drawing/2010/main" xmlns="" w="9525">
+                <a14:hiddenLine xmlns="" xmlns:a14="http://schemas.microsoft.com/office/drawing/2010/main" w="9525">
                   <a:solidFill>
                     <a:srgbClr val="000000"/>
                   </a:solidFill>
@@ -4469,7 +4469,7 @@
             </a:ln>
             <a:extLst>
               <a:ext uri="{91240B29-F687-4f45-9708-019B960494DF}">
-                <a14:hiddenLine xmlns:a14="http://schemas.microsoft.com/office/drawing/2010/main" xmlns="" w="9525">
+                <a14:hiddenLine xmlns="" xmlns:a14="http://schemas.microsoft.com/office/drawing/2010/main" w="9525">
                   <a:solidFill>
                     <a:srgbClr val="000000"/>
                   </a:solidFill>
@@ -4559,7 +4559,7 @@
             </a:ln>
             <a:extLst>
               <a:ext uri="{91240B29-F687-4f45-9708-019B960494DF}">
-                <a14:hiddenLine xmlns:a14="http://schemas.microsoft.com/office/drawing/2010/main" xmlns="" w="9525">
+                <a14:hiddenLine xmlns="" xmlns:a14="http://schemas.microsoft.com/office/drawing/2010/main" w="9525">
                   <a:solidFill>
                     <a:srgbClr val="000000"/>
                   </a:solidFill>
@@ -4699,7 +4699,7 @@
           <a:p>
             <a:fld id="{48A87A34-81AB-432B-8DAE-1953F412C126}" type="datetimeFigureOut">
               <a:rPr lang="en-US" dirty="0"/>
-              <a:t>3/17/2022</a:t>
+              <a:t>3/18/2022</a:t>
             </a:fld>
             <a:endParaRPr lang="en-US" dirty="0"/>
           </a:p>
@@ -4964,7 +4964,7 @@
           <a:p>
             <a:fld id="{48A87A34-81AB-432B-8DAE-1953F412C126}" type="datetimeFigureOut">
               <a:rPr lang="en-US" dirty="0"/>
-              <a:t>3/17/2022</a:t>
+              <a:t>3/18/2022</a:t>
             </a:fld>
             <a:endParaRPr lang="en-US" dirty="0"/>
           </a:p>
@@ -5158,7 +5158,7 @@
           <a:p>
             <a:fld id="{48A87A34-81AB-432B-8DAE-1953F412C126}" type="datetimeFigureOut">
               <a:rPr lang="en-US" dirty="0"/>
-              <a:t>3/17/2022</a:t>
+              <a:t>3/18/2022</a:t>
             </a:fld>
             <a:endParaRPr lang="en-US" dirty="0"/>
           </a:p>
@@ -5419,7 +5419,7 @@
           <a:p>
             <a:fld id="{48A87A34-81AB-432B-8DAE-1953F412C126}" type="datetimeFigureOut">
               <a:rPr lang="en-US" dirty="0"/>
-              <a:t>3/17/2022</a:t>
+              <a:t>3/18/2022</a:t>
             </a:fld>
             <a:endParaRPr lang="en-US" dirty="0"/>
           </a:p>
@@ -5851,7 +5851,7 @@
           <a:p>
             <a:fld id="{48A87A34-81AB-432B-8DAE-1953F412C126}" type="datetimeFigureOut">
               <a:rPr lang="en-US" dirty="0"/>
-              <a:t>3/17/2022</a:t>
+              <a:t>3/18/2022</a:t>
             </a:fld>
             <a:endParaRPr lang="en-US" dirty="0"/>
           </a:p>
@@ -6395,7 +6395,7 @@
           <a:p>
             <a:fld id="{48A87A34-81AB-432B-8DAE-1953F412C126}" type="datetimeFigureOut">
               <a:rPr lang="en-US" dirty="0"/>
-              <a:t>3/17/2022</a:t>
+              <a:t>3/18/2022</a:t>
             </a:fld>
             <a:endParaRPr lang="en-US" dirty="0"/>
           </a:p>
@@ -7113,7 +7113,7 @@
           <a:p>
             <a:fld id="{48A87A34-81AB-432B-8DAE-1953F412C126}" type="datetimeFigureOut">
               <a:rPr lang="en-US" dirty="0"/>
-              <a:t>3/17/2022</a:t>
+              <a:t>3/18/2022</a:t>
             </a:fld>
             <a:endParaRPr lang="en-US" dirty="0"/>
           </a:p>
@@ -7281,7 +7281,7 @@
           <a:p>
             <a:fld id="{48A87A34-81AB-432B-8DAE-1953F412C126}" type="datetimeFigureOut">
               <a:rPr lang="en-US" dirty="0"/>
-              <a:t>3/17/2022</a:t>
+              <a:t>3/18/2022</a:t>
             </a:fld>
             <a:endParaRPr lang="en-US" dirty="0"/>
           </a:p>
@@ -7459,7 +7459,7 @@
           <a:p>
             <a:fld id="{48A87A34-81AB-432B-8DAE-1953F412C126}" type="datetimeFigureOut">
               <a:rPr lang="en-US" dirty="0"/>
-              <a:t>3/17/2022</a:t>
+              <a:t>3/18/2022</a:t>
             </a:fld>
             <a:endParaRPr lang="en-US" dirty="0"/>
           </a:p>
@@ -7627,7 +7627,7 @@
           <a:p>
             <a:fld id="{48A87A34-81AB-432B-8DAE-1953F412C126}" type="datetimeFigureOut">
               <a:rPr lang="en-US" dirty="0"/>
-              <a:t>3/17/2022</a:t>
+              <a:t>3/18/2022</a:t>
             </a:fld>
             <a:endParaRPr lang="en-US" dirty="0"/>
           </a:p>
@@ -7875,7 +7875,7 @@
           <a:p>
             <a:fld id="{48A87A34-81AB-432B-8DAE-1953F412C126}" type="datetimeFigureOut">
               <a:rPr lang="en-US" dirty="0"/>
-              <a:t>3/17/2022</a:t>
+              <a:t>3/18/2022</a:t>
             </a:fld>
             <a:endParaRPr lang="en-US" dirty="0"/>
           </a:p>
@@ -8105,7 +8105,7 @@
           <a:p>
             <a:fld id="{48A87A34-81AB-432B-8DAE-1953F412C126}" type="datetimeFigureOut">
               <a:rPr lang="en-US" dirty="0"/>
-              <a:t>3/17/2022</a:t>
+              <a:t>3/18/2022</a:t>
             </a:fld>
             <a:endParaRPr lang="en-US" dirty="0"/>
           </a:p>
@@ -8484,7 +8484,7 @@
           <a:p>
             <a:fld id="{48A87A34-81AB-432B-8DAE-1953F412C126}" type="datetimeFigureOut">
               <a:rPr lang="en-US" dirty="0"/>
-              <a:t>3/17/2022</a:t>
+              <a:t>3/18/2022</a:t>
             </a:fld>
             <a:endParaRPr lang="en-US" dirty="0"/>
           </a:p>
@@ -8600,7 +8600,7 @@
           <a:p>
             <a:fld id="{48A87A34-81AB-432B-8DAE-1953F412C126}" type="datetimeFigureOut">
               <a:rPr lang="en-US" dirty="0"/>
-              <a:t>3/17/2022</a:t>
+              <a:t>3/18/2022</a:t>
             </a:fld>
             <a:endParaRPr lang="en-US" dirty="0"/>
           </a:p>
@@ -8693,7 +8693,7 @@
           <a:p>
             <a:fld id="{48A87A34-81AB-432B-8DAE-1953F412C126}" type="datetimeFigureOut">
               <a:rPr lang="en-US" dirty="0"/>
-              <a:t>3/17/2022</a:t>
+              <a:t>3/18/2022</a:t>
             </a:fld>
             <a:endParaRPr lang="en-US" dirty="0"/>
           </a:p>
@@ -8940,7 +8940,7 @@
           <a:p>
             <a:fld id="{48A87A34-81AB-432B-8DAE-1953F412C126}" type="datetimeFigureOut">
               <a:rPr lang="en-US" dirty="0"/>
-              <a:t>3/17/2022</a:t>
+              <a:t>3/18/2022</a:t>
             </a:fld>
             <a:endParaRPr lang="en-US" dirty="0"/>
           </a:p>
@@ -9218,7 +9218,7 @@
           <a:p>
             <a:fld id="{48A87A34-81AB-432B-8DAE-1953F412C126}" type="datetimeFigureOut">
               <a:rPr lang="en-US" dirty="0"/>
-              <a:t>3/17/2022</a:t>
+              <a:t>3/18/2022</a:t>
             </a:fld>
             <a:endParaRPr lang="en-US" dirty="0"/>
           </a:p>
@@ -9378,7 +9378,7 @@
           <a:noFill/>
           <a:extLst>
             <a:ext uri="{909E8E84-426E-40dd-AFC4-6F175D3DCCD1}">
-              <a14:hiddenFill xmlns:a14="http://schemas.microsoft.com/office/drawing/2010/main" xmlns="">
+              <a14:hiddenFill xmlns="" xmlns:a14="http://schemas.microsoft.com/office/drawing/2010/main">
                 <a:solidFill>
                   <a:srgbClr val="FFFFFF"/>
                 </a:solidFill>
@@ -9452,7 +9452,7 @@
               </a:ln>
               <a:extLst>
                 <a:ext uri="{91240B29-F687-4f45-9708-019B960494DF}">
-                  <a14:hiddenLine xmlns:a14="http://schemas.microsoft.com/office/drawing/2010/main" xmlns="" w="9525">
+                  <a14:hiddenLine xmlns="" xmlns:a14="http://schemas.microsoft.com/office/drawing/2010/main" w="9525">
                     <a:solidFill>
                       <a:srgbClr val="000000"/>
                     </a:solidFill>
@@ -9542,7 +9542,7 @@
               </a:ln>
               <a:extLst>
                 <a:ext uri="{91240B29-F687-4f45-9708-019B960494DF}">
-                  <a14:hiddenLine xmlns:a14="http://schemas.microsoft.com/office/drawing/2010/main" xmlns="" w="9525">
+                  <a14:hiddenLine xmlns="" xmlns:a14="http://schemas.microsoft.com/office/drawing/2010/main" w="9525">
                     <a:solidFill>
                       <a:srgbClr val="000000"/>
                     </a:solidFill>
@@ -9632,7 +9632,7 @@
               </a:ln>
               <a:extLst>
                 <a:ext uri="{91240B29-F687-4f45-9708-019B960494DF}">
-                  <a14:hiddenLine xmlns:a14="http://schemas.microsoft.com/office/drawing/2010/main" xmlns="" w="9525">
+                  <a14:hiddenLine xmlns="" xmlns:a14="http://schemas.microsoft.com/office/drawing/2010/main" w="9525">
                     <a:solidFill>
                       <a:srgbClr val="000000"/>
                     </a:solidFill>
@@ -9694,7 +9694,7 @@
               </a:ln>
               <a:extLst>
                 <a:ext uri="{91240B29-F687-4f45-9708-019B960494DF}">
-                  <a14:hiddenLine xmlns:a14="http://schemas.microsoft.com/office/drawing/2010/main" xmlns="" w="9525">
+                  <a14:hiddenLine xmlns="" xmlns:a14="http://schemas.microsoft.com/office/drawing/2010/main" w="9525">
                     <a:solidFill>
                       <a:srgbClr val="000000"/>
                     </a:solidFill>
@@ -9784,7 +9784,7 @@
               </a:ln>
               <a:extLst>
                 <a:ext uri="{91240B29-F687-4f45-9708-019B960494DF}">
-                  <a14:hiddenLine xmlns:a14="http://schemas.microsoft.com/office/drawing/2010/main" xmlns="" w="9525">
+                  <a14:hiddenLine xmlns="" xmlns:a14="http://schemas.microsoft.com/office/drawing/2010/main" w="9525">
                     <a:solidFill>
                       <a:srgbClr val="000000"/>
                     </a:solidFill>
@@ -9846,7 +9846,7 @@
               </a:ln>
               <a:extLst>
                 <a:ext uri="{91240B29-F687-4f45-9708-019B960494DF}">
-                  <a14:hiddenLine xmlns:a14="http://schemas.microsoft.com/office/drawing/2010/main" xmlns="" w="9525">
+                  <a14:hiddenLine xmlns="" xmlns:a14="http://schemas.microsoft.com/office/drawing/2010/main" w="9525">
                     <a:solidFill>
                       <a:srgbClr val="000000"/>
                     </a:solidFill>
@@ -9908,7 +9908,7 @@
               </a:ln>
               <a:extLst>
                 <a:ext uri="{91240B29-F687-4f45-9708-019B960494DF}">
-                  <a14:hiddenLine xmlns:a14="http://schemas.microsoft.com/office/drawing/2010/main" xmlns="" w="9525">
+                  <a14:hiddenLine xmlns="" xmlns:a14="http://schemas.microsoft.com/office/drawing/2010/main" w="9525">
                     <a:solidFill>
                       <a:srgbClr val="000000"/>
                     </a:solidFill>
@@ -9998,7 +9998,7 @@
               </a:ln>
               <a:extLst>
                 <a:ext uri="{91240B29-F687-4f45-9708-019B960494DF}">
-                  <a14:hiddenLine xmlns:a14="http://schemas.microsoft.com/office/drawing/2010/main" xmlns="" w="9525">
+                  <a14:hiddenLine xmlns="" xmlns:a14="http://schemas.microsoft.com/office/drawing/2010/main" w="9525">
                     <a:solidFill>
                       <a:srgbClr val="000000"/>
                     </a:solidFill>
@@ -10088,7 +10088,7 @@
               </a:ln>
               <a:extLst>
                 <a:ext uri="{91240B29-F687-4f45-9708-019B960494DF}">
-                  <a14:hiddenLine xmlns:a14="http://schemas.microsoft.com/office/drawing/2010/main" xmlns="" w="9525">
+                  <a14:hiddenLine xmlns="" xmlns:a14="http://schemas.microsoft.com/office/drawing/2010/main" w="9525">
                     <a:solidFill>
                       <a:srgbClr val="000000"/>
                     </a:solidFill>
@@ -10150,7 +10150,7 @@
               </a:ln>
               <a:extLst>
                 <a:ext uri="{91240B29-F687-4f45-9708-019B960494DF}">
-                  <a14:hiddenLine xmlns:a14="http://schemas.microsoft.com/office/drawing/2010/main" xmlns="" w="9525">
+                  <a14:hiddenLine xmlns="" xmlns:a14="http://schemas.microsoft.com/office/drawing/2010/main" w="9525">
                     <a:solidFill>
                       <a:srgbClr val="000000"/>
                     </a:solidFill>
@@ -10260,7 +10260,7 @@
               </a:ln>
               <a:extLst>
                 <a:ext uri="{91240B29-F687-4f45-9708-019B960494DF}">
-                  <a14:hiddenLine xmlns:a14="http://schemas.microsoft.com/office/drawing/2010/main" xmlns="" w="9525">
+                  <a14:hiddenLine xmlns="" xmlns:a14="http://schemas.microsoft.com/office/drawing/2010/main" w="9525">
                     <a:solidFill>
                       <a:srgbClr val="000000"/>
                     </a:solidFill>
@@ -10344,7 +10344,7 @@
               </a:ln>
               <a:extLst>
                 <a:ext uri="{91240B29-F687-4f45-9708-019B960494DF}">
-                  <a14:hiddenLine xmlns:a14="http://schemas.microsoft.com/office/drawing/2010/main" xmlns="" w="9525">
+                  <a14:hiddenLine xmlns="" xmlns:a14="http://schemas.microsoft.com/office/drawing/2010/main" w="9525">
                     <a:solidFill>
                       <a:srgbClr val="000000"/>
                     </a:solidFill>
@@ -10406,7 +10406,7 @@
               </a:ln>
               <a:extLst>
                 <a:ext uri="{91240B29-F687-4f45-9708-019B960494DF}">
-                  <a14:hiddenLine xmlns:a14="http://schemas.microsoft.com/office/drawing/2010/main" xmlns="" w="9525">
+                  <a14:hiddenLine xmlns="" xmlns:a14="http://schemas.microsoft.com/office/drawing/2010/main" w="9525">
                     <a:solidFill>
                       <a:srgbClr val="000000"/>
                     </a:solidFill>
@@ -10468,7 +10468,7 @@
               </a:ln>
               <a:extLst>
                 <a:ext uri="{91240B29-F687-4f45-9708-019B960494DF}">
-                  <a14:hiddenLine xmlns:a14="http://schemas.microsoft.com/office/drawing/2010/main" xmlns="" w="9525">
+                  <a14:hiddenLine xmlns="" xmlns:a14="http://schemas.microsoft.com/office/drawing/2010/main" w="9525">
                     <a:solidFill>
                       <a:srgbClr val="000000"/>
                     </a:solidFill>
@@ -10558,7 +10558,7 @@
               </a:ln>
               <a:extLst>
                 <a:ext uri="{91240B29-F687-4f45-9708-019B960494DF}">
-                  <a14:hiddenLine xmlns:a14="http://schemas.microsoft.com/office/drawing/2010/main" xmlns="" w="9525">
+                  <a14:hiddenLine xmlns="" xmlns:a14="http://schemas.microsoft.com/office/drawing/2010/main" w="9525">
                     <a:solidFill>
                       <a:srgbClr val="000000"/>
                     </a:solidFill>
@@ -10592,7 +10592,7 @@
               </a:ln>
               <a:extLst>
                 <a:ext uri="{91240B29-F687-4f45-9708-019B960494DF}">
-                  <a14:hiddenLine xmlns:a14="http://schemas.microsoft.com/office/drawing/2010/main" xmlns="" w="9525">
+                  <a14:hiddenLine xmlns="" xmlns:a14="http://schemas.microsoft.com/office/drawing/2010/main" w="9525">
                     <a:solidFill>
                       <a:srgbClr val="000000"/>
                     </a:solidFill>
@@ -10657,7 +10657,7 @@
               </a:ln>
               <a:extLst>
                 <a:ext uri="{91240B29-F687-4f45-9708-019B960494DF}">
-                  <a14:hiddenLine xmlns:a14="http://schemas.microsoft.com/office/drawing/2010/main" xmlns="" w="9525">
+                  <a14:hiddenLine xmlns="" xmlns:a14="http://schemas.microsoft.com/office/drawing/2010/main" w="9525">
                     <a:solidFill>
                       <a:srgbClr val="000000"/>
                     </a:solidFill>
@@ -10747,7 +10747,7 @@
               </a:ln>
               <a:extLst>
                 <a:ext uri="{91240B29-F687-4f45-9708-019B960494DF}">
-                  <a14:hiddenLine xmlns:a14="http://schemas.microsoft.com/office/drawing/2010/main" xmlns="" w="9525">
+                  <a14:hiddenLine xmlns="" xmlns:a14="http://schemas.microsoft.com/office/drawing/2010/main" w="9525">
                     <a:solidFill>
                       <a:srgbClr val="000000"/>
                     </a:solidFill>
@@ -10809,7 +10809,7 @@
               </a:ln>
               <a:extLst>
                 <a:ext uri="{91240B29-F687-4f45-9708-019B960494DF}">
-                  <a14:hiddenLine xmlns:a14="http://schemas.microsoft.com/office/drawing/2010/main" xmlns="" w="9525">
+                  <a14:hiddenLine xmlns="" xmlns:a14="http://schemas.microsoft.com/office/drawing/2010/main" w="9525">
                     <a:solidFill>
                       <a:srgbClr val="000000"/>
                     </a:solidFill>
@@ -10899,7 +10899,7 @@
               </a:ln>
               <a:extLst>
                 <a:ext uri="{91240B29-F687-4f45-9708-019B960494DF}">
-                  <a14:hiddenLine xmlns:a14="http://schemas.microsoft.com/office/drawing/2010/main" xmlns="" w="9525">
+                  <a14:hiddenLine xmlns="" xmlns:a14="http://schemas.microsoft.com/office/drawing/2010/main" w="9525">
                     <a:solidFill>
                       <a:srgbClr val="000000"/>
                     </a:solidFill>
@@ -10964,7 +10964,7 @@
               </a:ln>
               <a:extLst>
                 <a:ext uri="{91240B29-F687-4f45-9708-019B960494DF}">
-                  <a14:hiddenLine xmlns:a14="http://schemas.microsoft.com/office/drawing/2010/main" xmlns="" w="9525">
+                  <a14:hiddenLine xmlns="" xmlns:a14="http://schemas.microsoft.com/office/drawing/2010/main" w="9525">
                     <a:solidFill>
                       <a:srgbClr val="000000"/>
                     </a:solidFill>
@@ -11026,7 +11026,7 @@
               </a:ln>
               <a:extLst>
                 <a:ext uri="{91240B29-F687-4f45-9708-019B960494DF}">
-                  <a14:hiddenLine xmlns:a14="http://schemas.microsoft.com/office/drawing/2010/main" xmlns="" w="9525">
+                  <a14:hiddenLine xmlns="" xmlns:a14="http://schemas.microsoft.com/office/drawing/2010/main" w="9525">
                     <a:solidFill>
                       <a:srgbClr val="000000"/>
                     </a:solidFill>
@@ -11116,7 +11116,7 @@
               </a:ln>
               <a:extLst>
                 <a:ext uri="{91240B29-F687-4f45-9708-019B960494DF}">
-                  <a14:hiddenLine xmlns:a14="http://schemas.microsoft.com/office/drawing/2010/main" xmlns="" w="9525">
+                  <a14:hiddenLine xmlns="" xmlns:a14="http://schemas.microsoft.com/office/drawing/2010/main" w="9525">
                     <a:solidFill>
                       <a:srgbClr val="000000"/>
                     </a:solidFill>
@@ -11206,7 +11206,7 @@
               </a:ln>
               <a:extLst>
                 <a:ext uri="{91240B29-F687-4f45-9708-019B960494DF}">
-                  <a14:hiddenLine xmlns:a14="http://schemas.microsoft.com/office/drawing/2010/main" xmlns="" w="9525">
+                  <a14:hiddenLine xmlns="" xmlns:a14="http://schemas.microsoft.com/office/drawing/2010/main" w="9525">
                     <a:solidFill>
                       <a:srgbClr val="000000"/>
                     </a:solidFill>
@@ -11271,7 +11271,7 @@
               </a:ln>
               <a:extLst>
                 <a:ext uri="{91240B29-F687-4f45-9708-019B960494DF}">
-                  <a14:hiddenLine xmlns:a14="http://schemas.microsoft.com/office/drawing/2010/main" xmlns="" w="9525">
+                  <a14:hiddenLine xmlns="" xmlns:a14="http://schemas.microsoft.com/office/drawing/2010/main" w="9525">
                     <a:solidFill>
                       <a:srgbClr val="000000"/>
                     </a:solidFill>
@@ -11391,7 +11391,7 @@
               </a:ln>
               <a:extLst>
                 <a:ext uri="{91240B29-F687-4f45-9708-019B960494DF}">
-                  <a14:hiddenLine xmlns:a14="http://schemas.microsoft.com/office/drawing/2010/main" xmlns="" w="9525">
+                  <a14:hiddenLine xmlns="" xmlns:a14="http://schemas.microsoft.com/office/drawing/2010/main" w="9525">
                     <a:solidFill>
                       <a:srgbClr val="000000"/>
                     </a:solidFill>
@@ -11489,7 +11489,7 @@
               </a:ln>
               <a:extLst>
                 <a:ext uri="{91240B29-F687-4f45-9708-019B960494DF}">
-                  <a14:hiddenLine xmlns:a14="http://schemas.microsoft.com/office/drawing/2010/main" xmlns="" w="9525">
+                  <a14:hiddenLine xmlns="" xmlns:a14="http://schemas.microsoft.com/office/drawing/2010/main" w="9525">
                     <a:solidFill>
                       <a:srgbClr val="000000"/>
                     </a:solidFill>
@@ -11604,7 +11604,7 @@
               </a:ln>
               <a:extLst>
                 <a:ext uri="{91240B29-F687-4f45-9708-019B960494DF}">
-                  <a14:hiddenLine xmlns:a14="http://schemas.microsoft.com/office/drawing/2010/main" xmlns="" w="9525">
+                  <a14:hiddenLine xmlns="" xmlns:a14="http://schemas.microsoft.com/office/drawing/2010/main" w="9525">
                     <a:solidFill>
                       <a:srgbClr val="000000"/>
                     </a:solidFill>
@@ -11694,7 +11694,7 @@
               </a:ln>
               <a:extLst>
                 <a:ext uri="{91240B29-F687-4f45-9708-019B960494DF}">
-                  <a14:hiddenLine xmlns:a14="http://schemas.microsoft.com/office/drawing/2010/main" xmlns="" w="9525">
+                  <a14:hiddenLine xmlns="" xmlns:a14="http://schemas.microsoft.com/office/drawing/2010/main" w="9525">
                     <a:solidFill>
                       <a:srgbClr val="000000"/>
                     </a:solidFill>
@@ -11759,7 +11759,7 @@
               </a:ln>
               <a:extLst>
                 <a:ext uri="{91240B29-F687-4f45-9708-019B960494DF}">
-                  <a14:hiddenLine xmlns:a14="http://schemas.microsoft.com/office/drawing/2010/main" xmlns="" w="9525">
+                  <a14:hiddenLine xmlns="" xmlns:a14="http://schemas.microsoft.com/office/drawing/2010/main" w="9525">
                     <a:solidFill>
                       <a:srgbClr val="000000"/>
                     </a:solidFill>
@@ -11849,7 +11849,7 @@
               </a:ln>
               <a:extLst>
                 <a:ext uri="{91240B29-F687-4f45-9708-019B960494DF}">
-                  <a14:hiddenLine xmlns:a14="http://schemas.microsoft.com/office/drawing/2010/main" xmlns="" w="9525">
+                  <a14:hiddenLine xmlns="" xmlns:a14="http://schemas.microsoft.com/office/drawing/2010/main" w="9525">
                     <a:solidFill>
                       <a:srgbClr val="000000"/>
                     </a:solidFill>
@@ -11917,7 +11917,7 @@
               </a:ln>
               <a:extLst>
                 <a:ext uri="{91240B29-F687-4f45-9708-019B960494DF}">
-                  <a14:hiddenLine xmlns:a14="http://schemas.microsoft.com/office/drawing/2010/main" xmlns="" w="9525">
+                  <a14:hiddenLine xmlns="" xmlns:a14="http://schemas.microsoft.com/office/drawing/2010/main" w="9525">
                     <a:solidFill>
                       <a:srgbClr val="000000"/>
                     </a:solidFill>
@@ -12007,7 +12007,7 @@
               </a:ln>
               <a:extLst>
                 <a:ext uri="{91240B29-F687-4f45-9708-019B960494DF}">
-                  <a14:hiddenLine xmlns:a14="http://schemas.microsoft.com/office/drawing/2010/main" xmlns="" w="9525">
+                  <a14:hiddenLine xmlns="" xmlns:a14="http://schemas.microsoft.com/office/drawing/2010/main" w="9525">
                     <a:solidFill>
                       <a:srgbClr val="000000"/>
                     </a:solidFill>
@@ -12075,7 +12075,7 @@
               </a:ln>
               <a:extLst>
                 <a:ext uri="{91240B29-F687-4f45-9708-019B960494DF}">
-                  <a14:hiddenLine xmlns:a14="http://schemas.microsoft.com/office/drawing/2010/main" xmlns="" w="9525">
+                  <a14:hiddenLine xmlns="" xmlns:a14="http://schemas.microsoft.com/office/drawing/2010/main" w="9525">
                     <a:solidFill>
                       <a:srgbClr val="000000"/>
                     </a:solidFill>
@@ -12165,7 +12165,7 @@
               </a:ln>
               <a:extLst>
                 <a:ext uri="{91240B29-F687-4f45-9708-019B960494DF}">
-                  <a14:hiddenLine xmlns:a14="http://schemas.microsoft.com/office/drawing/2010/main" xmlns="" w="9525">
+                  <a14:hiddenLine xmlns="" xmlns:a14="http://schemas.microsoft.com/office/drawing/2010/main" w="9525">
                     <a:solidFill>
                       <a:srgbClr val="000000"/>
                     </a:solidFill>
@@ -12199,7 +12199,7 @@
               </a:ln>
               <a:extLst>
                 <a:ext uri="{91240B29-F687-4f45-9708-019B960494DF}">
-                  <a14:hiddenLine xmlns:a14="http://schemas.microsoft.com/office/drawing/2010/main" xmlns="" w="9525">
+                  <a14:hiddenLine xmlns="" xmlns:a14="http://schemas.microsoft.com/office/drawing/2010/main" w="9525">
                     <a:solidFill>
                       <a:srgbClr val="000000"/>
                     </a:solidFill>
@@ -12340,7 +12340,7 @@
             <a:fld id="{48A87A34-81AB-432B-8DAE-1953F412C126}" type="datetimeFigureOut">
               <a:rPr lang="en-US" dirty="0"/>
               <a:pPr/>
-              <a:t>3/17/2022</a:t>
+              <a:t>3/18/2022</a:t>
             </a:fld>
             <a:endParaRPr lang="en-US" dirty="0"/>
           </a:p>
@@ -12906,20 +12906,22 @@
             <p:ph type="title"/>
           </p:nvPr>
         </p:nvSpPr>
-        <p:spPr/>
+        <p:spPr>
+          <a:xfrm>
+            <a:off x="1143001" y="0"/>
+            <a:ext cx="9905998" cy="1921565"/>
+          </a:xfrm>
+        </p:spPr>
         <p:txBody>
-          <a:bodyPr/>
+          <a:bodyPr>
+            <a:normAutofit/>
+          </a:bodyPr>
           <a:lstStyle/>
           <a:p>
             <a:r>
-              <a:rPr lang="en-US" dirty="0"/>
-              <a:t>What is a JSON </a:t>
-            </a:r>
-            <a:r>
-              <a:rPr lang="en-US" dirty="0" err="1"/>
-              <a:t>fileS</a:t>
-            </a:r>
-            <a:endParaRPr lang="en-US" dirty="0"/>
+              <a:rPr lang="en-US" sz="6000" dirty="0"/>
+              <a:t>What is a JSON files</a:t>
+            </a:r>
           </a:p>
         </p:txBody>
       </p:sp>
@@ -12941,15 +12943,17 @@
         </p:nvSpPr>
         <p:spPr/>
         <p:txBody>
-          <a:bodyPr/>
+          <a:bodyPr>
+            <a:normAutofit/>
+          </a:bodyPr>
           <a:lstStyle/>
           <a:p>
             <a:pPr marL="0" indent="0">
               <a:buNone/>
             </a:pPr>
             <a:r>
-              <a:rPr lang="en-US" dirty="0"/>
-              <a:t>JSON file is a file that hold data for other files to soon later read and may import more data in the files that might be better or not be better but it can do that.</a:t>
+              <a:rPr lang="en-US" sz="4000" dirty="0"/>
+              <a:t>JSON file Is a File containing and Holding Data for other application to soon later access the data or replace the data. The usual type of data it contains is arrays and Lists.</a:t>
             </a:r>
           </a:p>
         </p:txBody>
@@ -12971,92 +12975,6 @@
 </file>
 
 <file path=ppt/slides/slide3.xml><?xml version="1.0" encoding="utf-8"?>
-<p:sld xmlns:a="http://schemas.openxmlformats.org/drawingml/2006/main" xmlns:r="http://schemas.openxmlformats.org/officeDocument/2006/relationships" xmlns:p="http://schemas.openxmlformats.org/presentationml/2006/main">
-  <p:cSld>
-    <p:spTree>
-      <p:nvGrpSpPr>
-        <p:cNvPr id="1" name=""/>
-        <p:cNvGrpSpPr/>
-        <p:nvPr/>
-      </p:nvGrpSpPr>
-      <p:grpSpPr>
-        <a:xfrm>
-          <a:off x="0" y="0"/>
-          <a:ext cx="0" cy="0"/>
-          <a:chOff x="0" y="0"/>
-          <a:chExt cx="0" cy="0"/>
-        </a:xfrm>
-      </p:grpSpPr>
-      <p:sp>
-        <p:nvSpPr>
-          <p:cNvPr id="2" name="Title 1">
-            <a:extLst>
-              <a:ext uri="{FF2B5EF4-FFF2-40B4-BE49-F238E27FC236}">
-                <a16:creationId xmlns:a16="http://schemas.microsoft.com/office/drawing/2014/main" id="{F7B2DB2D-370F-4DC4-BA86-E794188A6B4F}"/>
-              </a:ext>
-            </a:extLst>
-          </p:cNvPr>
-          <p:cNvSpPr>
-            <a:spLocks noGrp="1"/>
-          </p:cNvSpPr>
-          <p:nvPr>
-            <p:ph type="title"/>
-          </p:nvPr>
-        </p:nvSpPr>
-        <p:spPr/>
-        <p:txBody>
-          <a:bodyPr/>
-          <a:lstStyle/>
-          <a:p>
-            <a:r>
-              <a:rPr lang="en-US" dirty="0"/>
-              <a:t>Data that json file uses</a:t>
-            </a:r>
-          </a:p>
-        </p:txBody>
-      </p:sp>
-      <p:sp>
-        <p:nvSpPr>
-          <p:cNvPr id="3" name="Content Placeholder 2">
-            <a:extLst>
-              <a:ext uri="{FF2B5EF4-FFF2-40B4-BE49-F238E27FC236}">
-                <a16:creationId xmlns:a16="http://schemas.microsoft.com/office/drawing/2014/main" id="{9BDD9D1D-1512-402A-A18B-225AD0AC12A8}"/>
-              </a:ext>
-            </a:extLst>
-          </p:cNvPr>
-          <p:cNvSpPr>
-            <a:spLocks noGrp="1"/>
-          </p:cNvSpPr>
-          <p:nvPr>
-            <p:ph idx="1"/>
-          </p:nvPr>
-        </p:nvSpPr>
-        <p:spPr/>
-        <p:txBody>
-          <a:bodyPr/>
-          <a:lstStyle/>
-          <a:p>
-            <a:endParaRPr lang="en-US" dirty="0"/>
-          </a:p>
-        </p:txBody>
-      </p:sp>
-    </p:spTree>
-    <p:extLst>
-      <p:ext uri="{BB962C8B-B14F-4D97-AF65-F5344CB8AC3E}">
-        <p14:creationId xmlns:p14="http://schemas.microsoft.com/office/powerpoint/2010/main" val="1270365414"/>
-      </p:ext>
-    </p:extLst>
-  </p:cSld>
-  <p:clrMapOvr>
-    <a:masterClrMapping/>
-  </p:clrMapOvr>
-  <p:transition spd="slow">
-    <p:push dir="u"/>
-  </p:transition>
-</p:sld>
-</file>
-
-<file path=ppt/slides/slide4.xml><?xml version="1.0" encoding="utf-8"?>
 <p:sld xmlns:a="http://schemas.openxmlformats.org/drawingml/2006/main" xmlns:r="http://schemas.openxmlformats.org/officeDocument/2006/relationships" xmlns:p="http://schemas.openxmlformats.org/presentationml/2006/main">
   <p:cSld>
     <p:spTree>
@@ -13197,7 +13115,7 @@
 </p:sld>
 </file>
 
-<file path=ppt/slides/slide5.xml><?xml version="1.0" encoding="utf-8"?>
+<file path=ppt/slides/slide4.xml><?xml version="1.0" encoding="utf-8"?>
 <p:sld xmlns:a="http://schemas.openxmlformats.org/drawingml/2006/main" xmlns:r="http://schemas.openxmlformats.org/officeDocument/2006/relationships" xmlns:p="http://schemas.openxmlformats.org/presentationml/2006/main">
   <p:cSld>
     <p:spTree>
@@ -13376,7 +13294,7 @@
 </p:sld>
 </file>
 
-<file path=ppt/slides/slide6.xml><?xml version="1.0" encoding="utf-8"?>
+<file path=ppt/slides/slide5.xml><?xml version="1.0" encoding="utf-8"?>
 <p:sld xmlns:a="http://schemas.openxmlformats.org/drawingml/2006/main" xmlns:r="http://schemas.openxmlformats.org/officeDocument/2006/relationships" xmlns:p="http://schemas.openxmlformats.org/presentationml/2006/main">
   <p:cSld>
     <p:spTree>
@@ -13566,7 +13484,7 @@
 </p:sld>
 </file>
 
-<file path=ppt/slides/slide7.xml><?xml version="1.0" encoding="utf-8"?>
+<file path=ppt/slides/slide6.xml><?xml version="1.0" encoding="utf-8"?>
 <p:sld xmlns:a="http://schemas.openxmlformats.org/drawingml/2006/main" xmlns:r="http://schemas.openxmlformats.org/officeDocument/2006/relationships" xmlns:p="http://schemas.openxmlformats.org/presentationml/2006/main">
   <p:cSld>
     <p:spTree>
@@ -13675,6 +13593,187 @@
     <p:extLst>
       <p:ext uri="{BB962C8B-B14F-4D97-AF65-F5344CB8AC3E}">
         <p14:creationId xmlns:p14="http://schemas.microsoft.com/office/powerpoint/2010/main" val="4221514207"/>
+      </p:ext>
+    </p:extLst>
+  </p:cSld>
+  <p:clrMapOvr>
+    <a:masterClrMapping/>
+  </p:clrMapOvr>
+  <p:transition spd="slow">
+    <p:push dir="u"/>
+  </p:transition>
+</p:sld>
+</file>
+
+<file path=ppt/slides/slide7.xml><?xml version="1.0" encoding="utf-8"?>
+<p:sld xmlns:a="http://schemas.openxmlformats.org/drawingml/2006/main" xmlns:r="http://schemas.openxmlformats.org/officeDocument/2006/relationships" xmlns:p="http://schemas.openxmlformats.org/presentationml/2006/main">
+  <p:cSld>
+    <p:spTree>
+      <p:nvGrpSpPr>
+        <p:cNvPr id="1" name=""/>
+        <p:cNvGrpSpPr/>
+        <p:nvPr/>
+      </p:nvGrpSpPr>
+      <p:grpSpPr>
+        <a:xfrm>
+          <a:off x="0" y="0"/>
+          <a:ext cx="0" cy="0"/>
+          <a:chOff x="0" y="0"/>
+          <a:chExt cx="0" cy="0"/>
+        </a:xfrm>
+      </p:grpSpPr>
+      <p:sp>
+        <p:nvSpPr>
+          <p:cNvPr id="2" name="Title 1">
+            <a:extLst>
+              <a:ext uri="{FF2B5EF4-FFF2-40B4-BE49-F238E27FC236}">
+                <a16:creationId xmlns:a16="http://schemas.microsoft.com/office/drawing/2014/main" id="{F52CAD65-0FE5-40F3-A379-67E19FB25BE0}"/>
+              </a:ext>
+            </a:extLst>
+          </p:cNvPr>
+          <p:cNvSpPr>
+            <a:spLocks noGrp="1"/>
+          </p:cNvSpPr>
+          <p:nvPr>
+            <p:ph type="title"/>
+          </p:nvPr>
+        </p:nvSpPr>
+        <p:spPr>
+          <a:xfrm>
+            <a:off x="1141412" y="0"/>
+            <a:ext cx="9905998" cy="564330"/>
+          </a:xfrm>
+        </p:spPr>
+        <p:txBody>
+          <a:bodyPr>
+            <a:noAutofit/>
+          </a:bodyPr>
+          <a:lstStyle/>
+          <a:p>
+            <a:r>
+              <a:rPr lang="en-US" dirty="0"/>
+              <a:t>Writing JSON Files</a:t>
+            </a:r>
+          </a:p>
+        </p:txBody>
+      </p:sp>
+      <p:sp>
+        <p:nvSpPr>
+          <p:cNvPr id="3" name="Content Placeholder 2">
+            <a:extLst>
+              <a:ext uri="{FF2B5EF4-FFF2-40B4-BE49-F238E27FC236}">
+                <a16:creationId xmlns:a16="http://schemas.microsoft.com/office/drawing/2014/main" id="{5AA4D1FB-7B43-4286-BD99-63583D56D4CC}"/>
+              </a:ext>
+            </a:extLst>
+          </p:cNvPr>
+          <p:cNvSpPr>
+            <a:spLocks noGrp="1"/>
+          </p:cNvSpPr>
+          <p:nvPr>
+            <p:ph idx="1"/>
+          </p:nvPr>
+        </p:nvSpPr>
+        <p:spPr>
+          <a:xfrm>
+            <a:off x="0" y="564330"/>
+            <a:ext cx="12284765" cy="6293670"/>
+          </a:xfrm>
+        </p:spPr>
+        <p:txBody>
+          <a:bodyPr>
+            <a:noAutofit/>
+          </a:bodyPr>
+          <a:lstStyle/>
+          <a:p>
+            <a:r>
+              <a:rPr lang="en-US" sz="3100" dirty="0"/>
+              <a:t>First, Check you data is in the correct format for JSON to read.</a:t>
+            </a:r>
+          </a:p>
+          <a:p>
+            <a:pPr marL="0" indent="0">
+              <a:buNone/>
+            </a:pPr>
+            <a:endParaRPr lang="en-US" sz="3100" dirty="0"/>
+          </a:p>
+          <a:p>
+            <a:r>
+              <a:rPr lang="en-US" sz="3100" dirty="0"/>
+              <a:t>Second, </a:t>
+            </a:r>
+            <a:r>
+              <a:rPr lang="en-US" sz="3100" dirty="0" err="1"/>
+              <a:t>Stringify</a:t>
+            </a:r>
+            <a:r>
+              <a:rPr lang="en-US" sz="3100" dirty="0"/>
+              <a:t> the data using this function “</a:t>
+            </a:r>
+            <a:r>
+              <a:rPr lang="en-US" sz="3100" dirty="0" err="1"/>
+              <a:t>JSON.stringify</a:t>
+            </a:r>
+            <a:r>
+              <a:rPr lang="en-US" sz="3100" dirty="0"/>
+              <a:t>(data)”. It can be save to a variable.</a:t>
+            </a:r>
+          </a:p>
+          <a:p>
+            <a:pPr marL="0" indent="0">
+              <a:buNone/>
+            </a:pPr>
+            <a:endParaRPr lang="en-US" sz="3100" dirty="0"/>
+          </a:p>
+          <a:p>
+            <a:r>
+              <a:rPr lang="en-US" sz="3100" dirty="0"/>
+              <a:t>Third, You can use “</a:t>
+            </a:r>
+            <a:r>
+              <a:rPr lang="en-US" sz="3100" dirty="0" err="1"/>
+              <a:t>fs.writeFile</a:t>
+            </a:r>
+            <a:r>
+              <a:rPr lang="en-US" sz="3100" dirty="0"/>
+              <a:t>'(‘</a:t>
+            </a:r>
+            <a:r>
+              <a:rPr lang="en-US" sz="3100" dirty="0" err="1"/>
+              <a:t>Data.json</a:t>
+            </a:r>
+            <a:r>
+              <a:rPr lang="en-US" sz="3100" dirty="0"/>
+              <a:t>’, data)” or “</a:t>
+            </a:r>
+            <a:r>
+              <a:rPr lang="en-US" sz="3100" dirty="0" err="1"/>
+              <a:t>fs.writeFileSync</a:t>
+            </a:r>
+            <a:r>
+              <a:rPr lang="en-US" sz="3100" dirty="0"/>
+              <a:t>(‘</a:t>
+            </a:r>
+            <a:r>
+              <a:rPr lang="en-US" sz="3100" dirty="0" err="1"/>
+              <a:t>Data.json’,data</a:t>
+            </a:r>
+            <a:r>
+              <a:rPr lang="en-US" sz="3100" dirty="0"/>
+              <a:t>)”. difference between the two code is the first one is asynchronous which mean it will jump to next code even if it is not finish reading. And the second code is synchronous which mean the code must be finish before jumping to the next one. </a:t>
+            </a:r>
+          </a:p>
+          <a:p>
+            <a:pPr marL="0" indent="0">
+              <a:buNone/>
+            </a:pPr>
+            <a:endParaRPr lang="en-US" sz="3200" dirty="0"/>
+          </a:p>
+        </p:txBody>
+      </p:sp>
+    </p:spTree>
+    <p:extLst>
+      <p:ext uri="{BB962C8B-B14F-4D97-AF65-F5344CB8AC3E}">
+        <p14:creationId xmlns:p14="http://schemas.microsoft.com/office/powerpoint/2010/main" val="3103083553"/>
       </p:ext>
     </p:extLst>
   </p:cSld>
@@ -13728,13 +13827,13 @@
         </p:spPr>
         <p:txBody>
           <a:bodyPr>
-            <a:normAutofit fontScale="90000"/>
+            <a:noAutofit/>
           </a:bodyPr>
           <a:lstStyle/>
           <a:p>
             <a:r>
               <a:rPr lang="en-US" dirty="0"/>
-              <a:t>Writing JSON Files</a:t>
+              <a:t>Writing JSON Files Part 2.</a:t>
             </a:r>
           </a:p>
         </p:txBody>
@@ -13757,45 +13856,108 @@
         </p:nvSpPr>
         <p:spPr>
           <a:xfrm>
-            <a:off x="1141412" y="564330"/>
-            <a:ext cx="9905999" cy="3541714"/>
+            <a:off x="0" y="564330"/>
+            <a:ext cx="12284765" cy="6293670"/>
           </a:xfrm>
         </p:spPr>
         <p:txBody>
           <a:bodyPr>
-            <a:normAutofit/>
+            <a:normAutofit fontScale="92500"/>
           </a:bodyPr>
           <a:lstStyle/>
           <a:p>
             <a:r>
-              <a:rPr lang="en-US" dirty="0"/>
-              <a:t>First, Check you data is in the correct format for JSON to read.</a:t>
-            </a:r>
-          </a:p>
-          <a:p>
-            <a:r>
-              <a:rPr lang="en-US" dirty="0"/>
-              <a:t>Second, </a:t>
-            </a:r>
-            <a:r>
-              <a:rPr lang="en-US" dirty="0" err="1"/>
-              <a:t>Stringify</a:t>
-            </a:r>
-            <a:r>
-              <a:rPr lang="en-US"/>
-              <a:t> </a:t>
-            </a:r>
-            <a:endParaRPr lang="en-US" dirty="0"/>
-          </a:p>
-          <a:p>
-            <a:endParaRPr lang="en-US" dirty="0"/>
+              <a:rPr lang="en-US" sz="3200" dirty="0"/>
+              <a:t>Third-part-two, Writing the function have the minimum of two agreement and have the maximum of four agreement. It only required to have The Json file and The data sending to the json file. The extra two is the character encode and callback function. “</a:t>
+            </a:r>
+            <a:r>
+              <a:rPr lang="en-US" sz="3200" dirty="0" err="1"/>
+              <a:t>fs.writeFile</a:t>
+            </a:r>
+            <a:r>
+              <a:rPr lang="en-US" sz="3200" dirty="0"/>
+              <a:t>(‘</a:t>
+            </a:r>
+            <a:r>
+              <a:rPr lang="en-US" sz="3200" dirty="0" err="1"/>
+              <a:t>Filename.json</a:t>
+            </a:r>
+            <a:r>
+              <a:rPr lang="en-US" sz="3200" dirty="0"/>
+              <a:t>’, data, ‘utf8’, function(){})” </a:t>
+            </a:r>
+          </a:p>
+          <a:p>
+            <a:endParaRPr lang="en-US" sz="3200" dirty="0"/>
+          </a:p>
+          <a:p>
+            <a:r>
+              <a:rPr lang="en-US" sz="3200" dirty="0"/>
+              <a:t>Finally, An optional test is to read the file and log the data to make sure everything is in order.</a:t>
+            </a:r>
+          </a:p>
+          <a:p>
+            <a:endParaRPr lang="en-US" sz="3200" dirty="0"/>
+          </a:p>
+          <a:p>
+            <a:r>
+              <a:rPr lang="en-US" sz="3200" dirty="0"/>
+              <a:t>PS, It also can merge the JSON </a:t>
+            </a:r>
+            <a:r>
+              <a:rPr lang="en-US" sz="3200" dirty="0" err="1"/>
+              <a:t>stringify</a:t>
+            </a:r>
+            <a:r>
+              <a:rPr lang="en-US" sz="3200" dirty="0"/>
+              <a:t> function into the </a:t>
+            </a:r>
+            <a:r>
+              <a:rPr lang="en-US" sz="3200" dirty="0" err="1"/>
+              <a:t>fs.writeFile</a:t>
+            </a:r>
+            <a:r>
+              <a:rPr lang="en-US" sz="3200" dirty="0"/>
+              <a:t> function for example “</a:t>
+            </a:r>
+            <a:r>
+              <a:rPr lang="en-US" sz="3200" dirty="0" err="1"/>
+              <a:t>fs.writeFile</a:t>
+            </a:r>
+            <a:r>
+              <a:rPr lang="en-US" sz="3200" dirty="0"/>
+              <a:t>(‘data.json’,</a:t>
+            </a:r>
+            <a:r>
+              <a:rPr lang="en-US" sz="3200" dirty="0" err="1"/>
+              <a:t>JSON.stringify</a:t>
+            </a:r>
+            <a:r>
+              <a:rPr lang="en-US" sz="3200" dirty="0"/>
+              <a:t>(data))</a:t>
+            </a:r>
+          </a:p>
+          <a:p>
+            <a:endParaRPr lang="en-US" sz="3200" dirty="0"/>
+          </a:p>
+          <a:p>
+            <a:endParaRPr lang="en-US" sz="3200" dirty="0"/>
+          </a:p>
+          <a:p>
+            <a:endParaRPr lang="en-US" sz="3200" dirty="0"/>
+          </a:p>
+          <a:p>
+            <a:pPr marL="0" indent="0">
+              <a:buNone/>
+            </a:pPr>
+            <a:endParaRPr lang="en-US" sz="3200" dirty="0"/>
           </a:p>
         </p:txBody>
       </p:sp>
     </p:spTree>
     <p:extLst>
       <p:ext uri="{BB962C8B-B14F-4D97-AF65-F5344CB8AC3E}">
-        <p14:creationId xmlns:p14="http://schemas.microsoft.com/office/powerpoint/2010/main" val="3103083553"/>
+        <p14:creationId xmlns:p14="http://schemas.microsoft.com/office/powerpoint/2010/main" val="3989090937"/>
       </p:ext>
     </p:extLst>
   </p:cSld>
@@ -14060,6 +14222,21 @@
 </file>
 
 <file path=customXml/item1.xml><?xml version="1.0" encoding="utf-8"?>
+<p:properties xmlns:p="http://schemas.microsoft.com/office/2006/metadata/properties" xmlns:xsi="http://www.w3.org/2001/XMLSchema-instance" xmlns:pc="http://schemas.microsoft.com/office/infopath/2007/PartnerControls">
+  <documentManagement/>
+</p:properties>
+</file>
+
+<file path=customXml/item2.xml><?xml version="1.0" encoding="utf-8"?>
+<?mso-contentType ?>
+<FormTemplates xmlns="http://schemas.microsoft.com/sharepoint/v3/contenttype/forms">
+  <Display>DocumentLibraryForm</Display>
+  <Edit>DocumentLibraryForm</Edit>
+  <New>DocumentLibraryForm</New>
+</FormTemplates>
+</file>
+
+<file path=customXml/item3.xml><?xml version="1.0" encoding="utf-8"?>
 <ct:contentTypeSchema xmlns:ct="http://schemas.microsoft.com/office/2006/metadata/contentType" xmlns:ma="http://schemas.microsoft.com/office/2006/metadata/properties/metaAttributes" ct:_="" ma:_="" ma:contentTypeName="Document" ma:contentTypeID="0x0101001B82B3A859C5B4419E9F4DEF0565ED83" ma:contentTypeVersion="9" ma:contentTypeDescription="Create a new document." ma:contentTypeScope="" ma:versionID="1eaa2e320d1106e777b278df4a94d116">
   <xsd:schema xmlns:xsd="http://www.w3.org/2001/XMLSchema" xmlns:xs="http://www.w3.org/2001/XMLSchema" xmlns:p="http://schemas.microsoft.com/office/2006/metadata/properties" xmlns:ns3="afa79ede-8800-4b38-b2d4-921a0a289804" targetNamespace="http://schemas.microsoft.com/office/2006/metadata/properties" ma:root="true" ma:fieldsID="8ad9c0514fa9b086ffa5420a6f56513e" ns3:_="">
     <xsd:import namespace="afa79ede-8800-4b38-b2d4-921a0a289804"/>
@@ -14237,22 +14414,31 @@
 </ct:contentTypeSchema>
 </file>
 
-<file path=customXml/item2.xml><?xml version="1.0" encoding="utf-8"?>
-<?mso-contentType ?>
-<FormTemplates xmlns="http://schemas.microsoft.com/sharepoint/v3/contenttype/forms">
-  <Display>DocumentLibraryForm</Display>
-  <Edit>DocumentLibraryForm</Edit>
-  <New>DocumentLibraryForm</New>
-</FormTemplates>
+<file path=customXml/itemProps1.xml><?xml version="1.0" encoding="utf-8"?>
+<ds:datastoreItem xmlns:ds="http://schemas.openxmlformats.org/officeDocument/2006/customXml" ds:itemID="{4D7DF473-E457-455C-964A-71866F94C31D}">
+  <ds:schemaRefs>
+    <ds:schemaRef ds:uri="http://schemas.openxmlformats.org/package/2006/metadata/core-properties"/>
+    <ds:schemaRef ds:uri="http://schemas.microsoft.com/office/infopath/2007/PartnerControls"/>
+    <ds:schemaRef ds:uri="http://purl.org/dc/dcmitype/"/>
+    <ds:schemaRef ds:uri="http://schemas.microsoft.com/office/2006/metadata/properties"/>
+    <ds:schemaRef ds:uri="http://schemas.microsoft.com/office/2006/documentManagement/types"/>
+    <ds:schemaRef ds:uri="http://purl.org/dc/terms/"/>
+    <ds:schemaRef ds:uri="afa79ede-8800-4b38-b2d4-921a0a289804"/>
+    <ds:schemaRef ds:uri="http://www.w3.org/XML/1998/namespace"/>
+    <ds:schemaRef ds:uri="http://purl.org/dc/elements/1.1/"/>
+  </ds:schemaRefs>
+</ds:datastoreItem>
 </file>
 
-<file path=customXml/item3.xml><?xml version="1.0" encoding="utf-8"?>
-<p:properties xmlns:p="http://schemas.microsoft.com/office/2006/metadata/properties" xmlns:xsi="http://www.w3.org/2001/XMLSchema-instance" xmlns:pc="http://schemas.microsoft.com/office/infopath/2007/PartnerControls">
-  <documentManagement/>
-</p:properties>
+<file path=customXml/itemProps2.xml><?xml version="1.0" encoding="utf-8"?>
+<ds:datastoreItem xmlns:ds="http://schemas.openxmlformats.org/officeDocument/2006/customXml" ds:itemID="{FBF644BF-741F-4203-BDCE-6E53299E5B2C}">
+  <ds:schemaRefs>
+    <ds:schemaRef ds:uri="http://schemas.microsoft.com/sharepoint/v3/contenttype/forms"/>
+  </ds:schemaRefs>
+</ds:datastoreItem>
 </file>
 
-<file path=customXml/itemProps1.xml><?xml version="1.0" encoding="utf-8"?>
+<file path=customXml/itemProps3.xml><?xml version="1.0" encoding="utf-8"?>
 <ds:datastoreItem xmlns:ds="http://schemas.openxmlformats.org/officeDocument/2006/customXml" ds:itemID="{5A29D992-F928-4C1A-9576-9148529E41F0}">
   <ds:schemaRefs>
     <ds:schemaRef ds:uri="http://schemas.microsoft.com/office/2006/metadata/contentType"/>
@@ -14268,28 +14454,4 @@
     <ds:schemaRef ds:uri="http://schemas.microsoft.com/internal/obd"/>
   </ds:schemaRefs>
 </ds:datastoreItem>
-</file>
-
-<file path=customXml/itemProps2.xml><?xml version="1.0" encoding="utf-8"?>
-<ds:datastoreItem xmlns:ds="http://schemas.openxmlformats.org/officeDocument/2006/customXml" ds:itemID="{FBF644BF-741F-4203-BDCE-6E53299E5B2C}">
-  <ds:schemaRefs>
-    <ds:schemaRef ds:uri="http://schemas.microsoft.com/sharepoint/v3/contenttype/forms"/>
-  </ds:schemaRefs>
-</ds:datastoreItem>
-</file>
-
-<file path=customXml/itemProps3.xml><?xml version="1.0" encoding="utf-8"?>
-<ds:datastoreItem xmlns:ds="http://schemas.openxmlformats.org/officeDocument/2006/customXml" ds:itemID="{4D7DF473-E457-455C-964A-71866F94C31D}">
-  <ds:schemaRefs>
-    <ds:schemaRef ds:uri="http://schemas.openxmlformats.org/package/2006/metadata/core-properties"/>
-    <ds:schemaRef ds:uri="http://schemas.microsoft.com/office/infopath/2007/PartnerControls"/>
-    <ds:schemaRef ds:uri="http://purl.org/dc/dcmitype/"/>
-    <ds:schemaRef ds:uri="http://schemas.microsoft.com/office/2006/metadata/properties"/>
-    <ds:schemaRef ds:uri="http://schemas.microsoft.com/office/2006/documentManagement/types"/>
-    <ds:schemaRef ds:uri="http://purl.org/dc/terms/"/>
-    <ds:schemaRef ds:uri="afa79ede-8800-4b38-b2d4-921a0a289804"/>
-    <ds:schemaRef ds:uri="http://www.w3.org/XML/1998/namespace"/>
-    <ds:schemaRef ds:uri="http://purl.org/dc/elements/1.1/"/>
-  </ds:schemaRefs>
-</ds:datastoreItem>
 </file>